--- a/Apresentação.pptx
+++ b/Apresentação.pptx
@@ -28,8 +28,12 @@
       <p:regular r:id="rId14"/>
     </p:embeddedFont>
     <p:embeddedFont>
+      <p:font typeface="Brush Script MT" panose="03060802040406070304" pitchFamily="66" charset="0"/>
+      <p:italic r:id="rId15"/>
+    </p:embeddedFont>
+    <p:embeddedFont>
       <p:font typeface="Michroma" panose="020B0604020202020204" charset="0"/>
-      <p:regular r:id="rId15"/>
+      <p:regular r:id="rId16"/>
     </p:embeddedFont>
   </p:embeddedFontLst>
   <p:defaultTextStyle>
@@ -476,6 +480,11 @@
         </p:txBody>
       </p:sp>
     </p:spTree>
+    <p:extLst>
+      <p:ext uri="{BB962C8B-B14F-4D97-AF65-F5344CB8AC3E}">
+        <p14:creationId xmlns:p14="http://schemas.microsoft.com/office/powerpoint/2010/main" val="2678143262"/>
+      </p:ext>
+    </p:extLst>
   </p:cSld>
   <p:clrMap bg1="lt1" tx1="dk1" bg2="dk2" tx2="lt2" accent1="accent1" accent2="accent2" accent3="accent3" accent4="accent4" accent5="accent5" accent6="accent6" hlink="hlink" folHlink="folHlink"/>
   <p:notesStyle>
@@ -811,6 +820,11 @@
         </p:txBody>
       </p:sp>
     </p:spTree>
+    <p:extLst>
+      <p:ext uri="{BB962C8B-B14F-4D97-AF65-F5344CB8AC3E}">
+        <p14:creationId xmlns:p14="http://schemas.microsoft.com/office/powerpoint/2010/main" val="1979828376"/>
+      </p:ext>
+    </p:extLst>
   </p:cSld>
   <p:clrMapOvr>
     <a:masterClrMapping/>
@@ -919,6 +933,11 @@
         </p:txBody>
       </p:sp>
     </p:spTree>
+    <p:extLst>
+      <p:ext uri="{BB962C8B-B14F-4D97-AF65-F5344CB8AC3E}">
+        <p14:creationId xmlns:p14="http://schemas.microsoft.com/office/powerpoint/2010/main" val="141326365"/>
+      </p:ext>
+    </p:extLst>
   </p:cSld>
   <p:clrMapOvr>
     <a:masterClrMapping/>
@@ -1038,6 +1057,11 @@
         </p:txBody>
       </p:sp>
     </p:spTree>
+    <p:extLst>
+      <p:ext uri="{BB962C8B-B14F-4D97-AF65-F5344CB8AC3E}">
+        <p14:creationId xmlns:p14="http://schemas.microsoft.com/office/powerpoint/2010/main" val="1744532560"/>
+      </p:ext>
+    </p:extLst>
   </p:cSld>
   <p:clrMapOvr>
     <a:masterClrMapping/>
@@ -1667,6 +1691,11 @@
         </p:txBody>
       </p:sp>
     </p:spTree>
+    <p:extLst>
+      <p:ext uri="{BB962C8B-B14F-4D97-AF65-F5344CB8AC3E}">
+        <p14:creationId xmlns:p14="http://schemas.microsoft.com/office/powerpoint/2010/main" val="660367708"/>
+      </p:ext>
+    </p:extLst>
   </p:cSld>
   <p:clrMapOvr>
     <a:masterClrMapping/>
@@ -1775,6 +1804,11 @@
         </p:txBody>
       </p:sp>
     </p:spTree>
+    <p:extLst>
+      <p:ext uri="{BB962C8B-B14F-4D97-AF65-F5344CB8AC3E}">
+        <p14:creationId xmlns:p14="http://schemas.microsoft.com/office/powerpoint/2010/main" val="3422372567"/>
+      </p:ext>
+    </p:extLst>
   </p:cSld>
   <p:clrMapOvr>
     <a:masterClrMapping/>
@@ -4106,7 +4140,7 @@
                 <a:hlinkClick r:id="rId2">
                   <a:extLst>
                     <a:ext uri="{A12FA001-AC4F-418D-AE19-62706E023703}">
-                      <ahyp:hlinkClr xmlns:ahyp="http://schemas.microsoft.com/office/drawing/2018/hyperlinkcolor" val="tx"/>
+                      <ahyp:hlinkClr xmlns:ahyp="http://schemas.microsoft.com/office/drawing/2018/hyperlinkcolor" xmlns="" val="tx"/>
                     </a:ext>
                   </a:extLst>
                 </a:hlinkClick>
@@ -4140,7 +4174,7 @@
                 <a:hlinkClick r:id="rId3">
                   <a:extLst>
                     <a:ext uri="{A12FA001-AC4F-418D-AE19-62706E023703}">
-                      <ahyp:hlinkClr xmlns:ahyp="http://schemas.microsoft.com/office/drawing/2018/hyperlinkcolor" val="tx"/>
+                      <ahyp:hlinkClr xmlns:ahyp="http://schemas.microsoft.com/office/drawing/2018/hyperlinkcolor" xmlns="" val="tx"/>
                     </a:ext>
                   </a:extLst>
                 </a:hlinkClick>
@@ -4174,7 +4208,7 @@
                 <a:hlinkClick r:id="rId4">
                   <a:extLst>
                     <a:ext uri="{A12FA001-AC4F-418D-AE19-62706E023703}">
-                      <ahyp:hlinkClr xmlns:ahyp="http://schemas.microsoft.com/office/drawing/2018/hyperlinkcolor" val="tx"/>
+                      <ahyp:hlinkClr xmlns:ahyp="http://schemas.microsoft.com/office/drawing/2018/hyperlinkcolor" xmlns="" val="tx"/>
                     </a:ext>
                   </a:extLst>
                 </a:hlinkClick>
@@ -11060,7 +11094,7 @@
           <p:cNvPr id="10" name="Imagem 9" descr="Desenho com traços pretos em fundo branco&#10;&#10;Descrição gerada automaticamente com confiança baixa">
             <a:extLst>
               <a:ext uri="{FF2B5EF4-FFF2-40B4-BE49-F238E27FC236}">
-                <a16:creationId xmlns:a16="http://schemas.microsoft.com/office/drawing/2014/main" id="{71756BF8-A283-4F27-B2A8-51EBC71121CF}"/>
+                <a16:creationId xmlns:a16="http://schemas.microsoft.com/office/drawing/2014/main" xmlns="" id="{71756BF8-A283-4F27-B2A8-51EBC71121CF}"/>
               </a:ext>
             </a:extLst>
           </p:cNvPr>
@@ -11090,13 +11124,13 @@
   <p:clrMapOvr>
     <a:masterClrMapping/>
   </p:clrMapOvr>
-  <mc:AlternateContent xmlns:mc="http://schemas.openxmlformats.org/markup-compatibility/2006">
-    <mc:Choice xmlns:p14="http://schemas.microsoft.com/office/powerpoint/2010/main" Requires="p14">
+  <mc:AlternateContent xmlns:mc="http://schemas.openxmlformats.org/markup-compatibility/2006" xmlns:p14="http://schemas.microsoft.com/office/powerpoint/2010/main">
+    <mc:Choice Requires="p14">
       <p:transition spd="slow" p14:dur="800">
         <p14:flythrough/>
       </p:transition>
     </mc:Choice>
-    <mc:Fallback>
+    <mc:Fallback xmlns="">
       <p:transition spd="slow">
         <p:fade/>
       </p:transition>
@@ -11766,7 +11800,7 @@
           <p:cNvPr id="3" name="Imagem 2">
             <a:extLst>
               <a:ext uri="{FF2B5EF4-FFF2-40B4-BE49-F238E27FC236}">
-                <a16:creationId xmlns:a16="http://schemas.microsoft.com/office/drawing/2014/main" id="{4D0B2BF1-B08C-422A-8BE5-3C2DFDCA1225}"/>
+                <a16:creationId xmlns:a16="http://schemas.microsoft.com/office/drawing/2014/main" xmlns="" id="{4D0B2BF1-B08C-422A-8BE5-3C2DFDCA1225}"/>
               </a:ext>
             </a:extLst>
           </p:cNvPr>
@@ -11796,13 +11830,13 @@
   <p:clrMapOvr>
     <a:masterClrMapping/>
   </p:clrMapOvr>
-  <mc:AlternateContent xmlns:mc="http://schemas.openxmlformats.org/markup-compatibility/2006">
-    <mc:Choice xmlns:p14="http://schemas.microsoft.com/office/powerpoint/2010/main" Requires="p14">
+  <mc:AlternateContent xmlns:mc="http://schemas.openxmlformats.org/markup-compatibility/2006" xmlns:p14="http://schemas.microsoft.com/office/powerpoint/2010/main">
+    <mc:Choice Requires="p14">
       <p:transition spd="slow" p14:dur="800">
         <p14:flythrough/>
       </p:transition>
     </mc:Choice>
-    <mc:Fallback>
+    <mc:Fallback xmlns="">
       <p:transition spd="slow">
         <p:fade/>
       </p:transition>
@@ -12038,7 +12072,7 @@
           <p:cNvPr id="6" name="Retângulo 5">
             <a:extLst>
               <a:ext uri="{FF2B5EF4-FFF2-40B4-BE49-F238E27FC236}">
-                <a16:creationId xmlns:a16="http://schemas.microsoft.com/office/drawing/2014/main" id="{9590ADF8-6AFF-4C6B-92F7-E44DA4715CD0}"/>
+                <a16:creationId xmlns:a16="http://schemas.microsoft.com/office/drawing/2014/main" xmlns="" id="{9590ADF8-6AFF-4C6B-92F7-E44DA4715CD0}"/>
               </a:ext>
             </a:extLst>
           </p:cNvPr>
@@ -12084,7 +12118,7 @@
           <p:cNvPr id="3" name="Imagem 2" descr="Logotipo&#10;&#10;Descrição gerada automaticamente">
             <a:extLst>
               <a:ext uri="{FF2B5EF4-FFF2-40B4-BE49-F238E27FC236}">
-                <a16:creationId xmlns:a16="http://schemas.microsoft.com/office/drawing/2014/main" id="{FADC4038-F57E-4F7D-ADC3-0B909A05A33B}"/>
+                <a16:creationId xmlns:a16="http://schemas.microsoft.com/office/drawing/2014/main" xmlns="" id="{FADC4038-F57E-4F7D-ADC3-0B909A05A33B}"/>
               </a:ext>
             </a:extLst>
           </p:cNvPr>
@@ -12114,7 +12148,7 @@
           <p:cNvPr id="18" name="Google Shape;894;p73">
             <a:extLst>
               <a:ext uri="{FF2B5EF4-FFF2-40B4-BE49-F238E27FC236}">
-                <a16:creationId xmlns:a16="http://schemas.microsoft.com/office/drawing/2014/main" id="{0FD784DE-A7F8-4B82-9CBA-85AFDB66D5CA}"/>
+                <a16:creationId xmlns:a16="http://schemas.microsoft.com/office/drawing/2014/main" xmlns="" id="{0FD784DE-A7F8-4B82-9CBA-85AFDB66D5CA}"/>
               </a:ext>
             </a:extLst>
           </p:cNvPr>
@@ -12164,7 +12198,7 @@
           <p:cNvPr id="5" name="Imagem 4" descr="Logotipo&#10;&#10;Descrição gerada automaticamente">
             <a:extLst>
               <a:ext uri="{FF2B5EF4-FFF2-40B4-BE49-F238E27FC236}">
-                <a16:creationId xmlns:a16="http://schemas.microsoft.com/office/drawing/2014/main" id="{893A936E-20B5-42F0-B003-402A90E58F9A}"/>
+                <a16:creationId xmlns:a16="http://schemas.microsoft.com/office/drawing/2014/main" xmlns="" id="{893A936E-20B5-42F0-B003-402A90E58F9A}"/>
               </a:ext>
             </a:extLst>
           </p:cNvPr>
@@ -12216,7 +12250,7 @@
           <p:cNvPr id="21" name="Google Shape;894;p73">
             <a:extLst>
               <a:ext uri="{FF2B5EF4-FFF2-40B4-BE49-F238E27FC236}">
-                <a16:creationId xmlns:a16="http://schemas.microsoft.com/office/drawing/2014/main" id="{640D94A8-1216-45C5-A607-1536378FE2F0}"/>
+                <a16:creationId xmlns:a16="http://schemas.microsoft.com/office/drawing/2014/main" xmlns="" id="{640D94A8-1216-45C5-A607-1536378FE2F0}"/>
               </a:ext>
             </a:extLst>
           </p:cNvPr>
@@ -12266,7 +12300,7 @@
           <p:cNvPr id="2" name="Retângulo 1">
             <a:extLst>
               <a:ext uri="{FF2B5EF4-FFF2-40B4-BE49-F238E27FC236}">
-                <a16:creationId xmlns:a16="http://schemas.microsoft.com/office/drawing/2014/main" id="{763DB53B-4A1B-4006-BC38-A9D6DEAD6E27}"/>
+                <a16:creationId xmlns:a16="http://schemas.microsoft.com/office/drawing/2014/main" xmlns="" id="{763DB53B-4A1B-4006-BC38-A9D6DEAD6E27}"/>
               </a:ext>
             </a:extLst>
           </p:cNvPr>
@@ -12312,7 +12346,7 @@
           <p:cNvPr id="7" name="Imagem 6" descr="Desenho com traços pretos em fundo branco&#10;&#10;Descrição gerada automaticamente com confiança baixa">
             <a:extLst>
               <a:ext uri="{FF2B5EF4-FFF2-40B4-BE49-F238E27FC236}">
-                <a16:creationId xmlns:a16="http://schemas.microsoft.com/office/drawing/2014/main" id="{2870108A-08B9-4FB6-8B53-394D832035AA}"/>
+                <a16:creationId xmlns:a16="http://schemas.microsoft.com/office/drawing/2014/main" xmlns="" id="{2870108A-08B9-4FB6-8B53-394D832035AA}"/>
               </a:ext>
             </a:extLst>
           </p:cNvPr>
@@ -12342,7 +12376,7 @@
           <p:cNvPr id="9" name="CaixaDeTexto 8">
             <a:extLst>
               <a:ext uri="{FF2B5EF4-FFF2-40B4-BE49-F238E27FC236}">
-                <a16:creationId xmlns:a16="http://schemas.microsoft.com/office/drawing/2014/main" id="{82EA96C9-9457-4663-95D6-8DBE7CDE52B9}"/>
+                <a16:creationId xmlns:a16="http://schemas.microsoft.com/office/drawing/2014/main" xmlns="" id="{82EA96C9-9457-4663-95D6-8DBE7CDE52B9}"/>
               </a:ext>
             </a:extLst>
           </p:cNvPr>
@@ -12381,7 +12415,7 @@
           <p:cNvPr id="19" name="Google Shape;9442;p90">
             <a:extLst>
               <a:ext uri="{FF2B5EF4-FFF2-40B4-BE49-F238E27FC236}">
-                <a16:creationId xmlns:a16="http://schemas.microsoft.com/office/drawing/2014/main" id="{0F10B794-8545-4939-A269-8FDE5D06159A}"/>
+                <a16:creationId xmlns:a16="http://schemas.microsoft.com/office/drawing/2014/main" xmlns="" id="{0F10B794-8545-4939-A269-8FDE5D06159A}"/>
               </a:ext>
             </a:extLst>
           </p:cNvPr>
@@ -12556,13 +12590,13 @@
   <p:clrMapOvr>
     <a:masterClrMapping/>
   </p:clrMapOvr>
-  <mc:AlternateContent xmlns:mc="http://schemas.openxmlformats.org/markup-compatibility/2006">
-    <mc:Choice xmlns:p14="http://schemas.microsoft.com/office/powerpoint/2010/main" Requires="p14">
+  <mc:AlternateContent xmlns:mc="http://schemas.openxmlformats.org/markup-compatibility/2006" xmlns:p14="http://schemas.microsoft.com/office/powerpoint/2010/main">
+    <mc:Choice Requires="p14">
       <p:transition spd="slow" p14:dur="800">
         <p14:flythrough/>
       </p:transition>
     </mc:Choice>
-    <mc:Fallback>
+    <mc:Fallback xmlns="">
       <p:transition spd="slow">
         <p:fade/>
       </p:transition>
@@ -12719,7 +12753,7 @@
           <p:cNvPr id="3" name="Imagem 2" descr="Desenho com traços pretos em fundo branco&#10;&#10;Descrição gerada automaticamente com confiança baixa">
             <a:extLst>
               <a:ext uri="{FF2B5EF4-FFF2-40B4-BE49-F238E27FC236}">
-                <a16:creationId xmlns:a16="http://schemas.microsoft.com/office/drawing/2014/main" id="{B4DC6BF9-6BD6-4AFF-9859-9FD26ABFCDDF}"/>
+                <a16:creationId xmlns:a16="http://schemas.microsoft.com/office/drawing/2014/main" xmlns="" id="{B4DC6BF9-6BD6-4AFF-9859-9FD26ABFCDDF}"/>
               </a:ext>
             </a:extLst>
           </p:cNvPr>
@@ -12749,7 +12783,7 @@
           <p:cNvPr id="7" name="Imagem 6" descr="Foto editada de homem com óculos de grau&#10;&#10;Descrição gerada automaticamente">
             <a:extLst>
               <a:ext uri="{FF2B5EF4-FFF2-40B4-BE49-F238E27FC236}">
-                <a16:creationId xmlns:a16="http://schemas.microsoft.com/office/drawing/2014/main" id="{67D53509-AEA2-4729-994A-DA0FA518DB76}"/>
+                <a16:creationId xmlns:a16="http://schemas.microsoft.com/office/drawing/2014/main" xmlns="" id="{67D53509-AEA2-4729-994A-DA0FA518DB76}"/>
               </a:ext>
             </a:extLst>
           </p:cNvPr>
@@ -12823,7 +12857,7 @@
           <p:cNvPr id="9" name="Imagem 8" descr="Tela de celular com foto de homem&#10;&#10;Descrição gerada automaticamente com confiança média">
             <a:extLst>
               <a:ext uri="{FF2B5EF4-FFF2-40B4-BE49-F238E27FC236}">
-                <a16:creationId xmlns:a16="http://schemas.microsoft.com/office/drawing/2014/main" id="{B1DCEF26-ABE1-4ED1-A39E-9A710624C1AA}"/>
+                <a16:creationId xmlns:a16="http://schemas.microsoft.com/office/drawing/2014/main" xmlns="" id="{B1DCEF26-ABE1-4ED1-A39E-9A710624C1AA}"/>
               </a:ext>
             </a:extLst>
           </p:cNvPr>
@@ -12901,7 +12935,7 @@
           <p:cNvPr id="23" name="Imagem 22" descr="Desenho de uma pessoa&#10;&#10;Descrição gerada automaticamente com confiança média">
             <a:extLst>
               <a:ext uri="{FF2B5EF4-FFF2-40B4-BE49-F238E27FC236}">
-                <a16:creationId xmlns:a16="http://schemas.microsoft.com/office/drawing/2014/main" id="{AAE81B5D-3D43-4958-8696-FCC846D1203A}"/>
+                <a16:creationId xmlns:a16="http://schemas.microsoft.com/office/drawing/2014/main" xmlns="" id="{AAE81B5D-3D43-4958-8696-FCC846D1203A}"/>
               </a:ext>
             </a:extLst>
           </p:cNvPr>
@@ -12931,7 +12965,7 @@
           <p:cNvPr id="24" name="Google Shape;892;p73">
             <a:extLst>
               <a:ext uri="{FF2B5EF4-FFF2-40B4-BE49-F238E27FC236}">
-                <a16:creationId xmlns:a16="http://schemas.microsoft.com/office/drawing/2014/main" id="{5921E98B-0DD7-40EF-87E0-5D235D17ADB9}"/>
+                <a16:creationId xmlns:a16="http://schemas.microsoft.com/office/drawing/2014/main" xmlns="" id="{5921E98B-0DD7-40EF-87E0-5D235D17ADB9}"/>
               </a:ext>
             </a:extLst>
           </p:cNvPr>
@@ -12981,7 +13015,7 @@
           <p:cNvPr id="25" name="Google Shape;887;p73">
             <a:extLst>
               <a:ext uri="{FF2B5EF4-FFF2-40B4-BE49-F238E27FC236}">
-                <a16:creationId xmlns:a16="http://schemas.microsoft.com/office/drawing/2014/main" id="{AA2C1B67-D26B-4635-8D6D-F5E403CA61FB}"/>
+                <a16:creationId xmlns:a16="http://schemas.microsoft.com/office/drawing/2014/main" xmlns="" id="{AA2C1B67-D26B-4635-8D6D-F5E403CA61FB}"/>
               </a:ext>
             </a:extLst>
           </p:cNvPr>
@@ -13264,14 +13298,13 @@
           <a:p>
             <a:pPr algn="l"/>
             <a:r>
-              <a:rPr lang="pt-BR" sz="1600" dirty="0"/>
-              <a:t>Julia </a:t>
+              <a:rPr lang="pt-BR" sz="1600" dirty="0" smtClean="0"/>
+              <a:t>Júlia </a:t>
             </a:r>
             <a:r>
-              <a:rPr lang="pt-BR" sz="1600" dirty="0" err="1"/>
+              <a:rPr lang="pt-BR" sz="1600" dirty="0"/>
               <a:t>Budavicius</a:t>
             </a:r>
-            <a:endParaRPr lang="pt-BR" sz="1600" dirty="0"/>
           </a:p>
         </p:txBody>
       </p:sp>
@@ -13280,7 +13313,7 @@
           <p:cNvPr id="28" name="Imagem 27" descr="Pessoa com cabelo roxo&#10;&#10;Descrição gerada automaticamente com confiança média">
             <a:extLst>
               <a:ext uri="{FF2B5EF4-FFF2-40B4-BE49-F238E27FC236}">
-                <a16:creationId xmlns:a16="http://schemas.microsoft.com/office/drawing/2014/main" id="{E0A9C958-8E14-45C9-9F27-A0DF71D15DB4}"/>
+                <a16:creationId xmlns:a16="http://schemas.microsoft.com/office/drawing/2014/main" xmlns="" id="{E0A9C958-8E14-45C9-9F27-A0DF71D15DB4}"/>
               </a:ext>
             </a:extLst>
           </p:cNvPr>
@@ -13310,7 +13343,7 @@
           <p:cNvPr id="29" name="Google Shape;894;p73">
             <a:extLst>
               <a:ext uri="{FF2B5EF4-FFF2-40B4-BE49-F238E27FC236}">
-                <a16:creationId xmlns:a16="http://schemas.microsoft.com/office/drawing/2014/main" id="{06280BD7-AA72-46ED-81BE-93081D5219F7}"/>
+                <a16:creationId xmlns:a16="http://schemas.microsoft.com/office/drawing/2014/main" xmlns="" id="{06280BD7-AA72-46ED-81BE-93081D5219F7}"/>
               </a:ext>
             </a:extLst>
           </p:cNvPr>
@@ -13364,7 +13397,7 @@
           <p:cNvPr id="30" name="Google Shape;889;p73">
             <a:extLst>
               <a:ext uri="{FF2B5EF4-FFF2-40B4-BE49-F238E27FC236}">
-                <a16:creationId xmlns:a16="http://schemas.microsoft.com/office/drawing/2014/main" id="{9B3D5A38-0CAF-4238-8C3F-10C385A83AB6}"/>
+                <a16:creationId xmlns:a16="http://schemas.microsoft.com/office/drawing/2014/main" xmlns="" id="{9B3D5A38-0CAF-4238-8C3F-10C385A83AB6}"/>
               </a:ext>
             </a:extLst>
           </p:cNvPr>
@@ -13658,7 +13691,7 @@
           <p:cNvPr id="31" name="Imagem 30" descr="Foto de rosto de pessoa visto de perto&#10;&#10;Descrição gerada automaticamente com confiança média">
             <a:extLst>
               <a:ext uri="{FF2B5EF4-FFF2-40B4-BE49-F238E27FC236}">
-                <a16:creationId xmlns:a16="http://schemas.microsoft.com/office/drawing/2014/main" id="{35436FC8-B467-4A32-9998-24CB24348A5A}"/>
+                <a16:creationId xmlns:a16="http://schemas.microsoft.com/office/drawing/2014/main" xmlns="" id="{35436FC8-B467-4A32-9998-24CB24348A5A}"/>
               </a:ext>
             </a:extLst>
           </p:cNvPr>
@@ -13688,7 +13721,7 @@
           <p:cNvPr id="32" name="Google Shape;892;p73">
             <a:extLst>
               <a:ext uri="{FF2B5EF4-FFF2-40B4-BE49-F238E27FC236}">
-                <a16:creationId xmlns:a16="http://schemas.microsoft.com/office/drawing/2014/main" id="{0539093D-FF4E-4B14-B1C2-80B1EE827D4A}"/>
+                <a16:creationId xmlns:a16="http://schemas.microsoft.com/office/drawing/2014/main" xmlns="" id="{0539093D-FF4E-4B14-B1C2-80B1EE827D4A}"/>
               </a:ext>
             </a:extLst>
           </p:cNvPr>
@@ -13738,7 +13771,7 @@
           <p:cNvPr id="33" name="Google Shape;887;p73">
             <a:extLst>
               <a:ext uri="{FF2B5EF4-FFF2-40B4-BE49-F238E27FC236}">
-                <a16:creationId xmlns:a16="http://schemas.microsoft.com/office/drawing/2014/main" id="{D285D71E-6278-4663-852C-CC69E73C3EBF}"/>
+                <a16:creationId xmlns:a16="http://schemas.microsoft.com/office/drawing/2014/main" xmlns="" id="{D285D71E-6278-4663-852C-CC69E73C3EBF}"/>
               </a:ext>
             </a:extLst>
           </p:cNvPr>
@@ -14037,13 +14070,13 @@
   <p:clrMapOvr>
     <a:masterClrMapping/>
   </p:clrMapOvr>
-  <mc:AlternateContent xmlns:mc="http://schemas.openxmlformats.org/markup-compatibility/2006">
-    <mc:Choice xmlns:p14="http://schemas.microsoft.com/office/powerpoint/2010/main" Requires="p14">
+  <mc:AlternateContent xmlns:mc="http://schemas.openxmlformats.org/markup-compatibility/2006" xmlns:p14="http://schemas.microsoft.com/office/powerpoint/2010/main">
+    <mc:Choice Requires="p14">
       <p:transition spd="slow" p14:dur="800">
         <p14:flythrough/>
       </p:transition>
     </mc:Choice>
-    <mc:Fallback>
+    <mc:Fallback xmlns="">
       <p:transition spd="slow">
         <p:fade/>
       </p:transition>
@@ -14074,7 +14107,7 @@
           <p:cNvPr id="3" name="Imagem 2" descr="Linha do tempo&#10;&#10;Descrição gerada automaticamente">
             <a:extLst>
               <a:ext uri="{FF2B5EF4-FFF2-40B4-BE49-F238E27FC236}">
-                <a16:creationId xmlns:a16="http://schemas.microsoft.com/office/drawing/2014/main" id="{D52999EF-F20A-4E08-A1A5-628CC3076F53}"/>
+                <a16:creationId xmlns:a16="http://schemas.microsoft.com/office/drawing/2014/main" xmlns="" id="{D52999EF-F20A-4E08-A1A5-628CC3076F53}"/>
               </a:ext>
             </a:extLst>
           </p:cNvPr>
@@ -14109,13 +14142,13 @@
   <p:clrMapOvr>
     <a:masterClrMapping/>
   </p:clrMapOvr>
-  <mc:AlternateContent xmlns:mc="http://schemas.openxmlformats.org/markup-compatibility/2006">
-    <mc:Choice xmlns:p14="http://schemas.microsoft.com/office/powerpoint/2010/main" Requires="p14">
+  <mc:AlternateContent xmlns:mc="http://schemas.openxmlformats.org/markup-compatibility/2006" xmlns:p14="http://schemas.microsoft.com/office/powerpoint/2010/main">
+    <mc:Choice Requires="p14">
       <p:transition spd="slow" p14:dur="800">
         <p14:flythrough/>
       </p:transition>
     </mc:Choice>
-    <mc:Fallback>
+    <mc:Fallback xmlns="">
       <p:transition spd="slow">
         <p:fade/>
       </p:transition>
@@ -14146,7 +14179,7 @@
           <p:cNvPr id="21" name="Retângulo 20">
             <a:extLst>
               <a:ext uri="{FF2B5EF4-FFF2-40B4-BE49-F238E27FC236}">
-                <a16:creationId xmlns:a16="http://schemas.microsoft.com/office/drawing/2014/main" id="{7B938AF4-719E-4AB4-88BE-4357C82DF926}"/>
+                <a16:creationId xmlns:a16="http://schemas.microsoft.com/office/drawing/2014/main" xmlns="" id="{7B938AF4-719E-4AB4-88BE-4357C82DF926}"/>
               </a:ext>
             </a:extLst>
           </p:cNvPr>
@@ -14526,7 +14559,7 @@
           <p:cNvPr id="1026" name="Picture 2">
             <a:extLst>
               <a:ext uri="{FF2B5EF4-FFF2-40B4-BE49-F238E27FC236}">
-                <a16:creationId xmlns:a16="http://schemas.microsoft.com/office/drawing/2014/main" id="{E7C79143-28EE-4D5E-94D8-5FEA59D258F3}"/>
+                <a16:creationId xmlns:a16="http://schemas.microsoft.com/office/drawing/2014/main" xmlns="" id="{E7C79143-28EE-4D5E-94D8-5FEA59D258F3}"/>
               </a:ext>
             </a:extLst>
           </p:cNvPr>
@@ -14578,7 +14611,7 @@
           <p:cNvPr id="14" name="Text Box 11">
             <a:extLst>
               <a:ext uri="{FF2B5EF4-FFF2-40B4-BE49-F238E27FC236}">
-                <a16:creationId xmlns:a16="http://schemas.microsoft.com/office/drawing/2014/main" id="{435F1C02-2DE8-4823-AF55-31EB7DDA0B79}"/>
+                <a16:creationId xmlns:a16="http://schemas.microsoft.com/office/drawing/2014/main" xmlns="" id="{435F1C02-2DE8-4823-AF55-31EB7DDA0B79}"/>
               </a:ext>
             </a:extLst>
           </p:cNvPr>
@@ -14653,7 +14686,7 @@
           <p:cNvPr id="23" name="Google Shape;374;p44">
             <a:extLst>
               <a:ext uri="{FF2B5EF4-FFF2-40B4-BE49-F238E27FC236}">
-                <a16:creationId xmlns:a16="http://schemas.microsoft.com/office/drawing/2014/main" id="{2F33C80D-5F69-4325-9EED-F885BD6D4EA3}"/>
+                <a16:creationId xmlns:a16="http://schemas.microsoft.com/office/drawing/2014/main" xmlns="" id="{2F33C80D-5F69-4325-9EED-F885BD6D4EA3}"/>
               </a:ext>
             </a:extLst>
           </p:cNvPr>
@@ -14961,7 +14994,7 @@
           <p:cNvPr id="24" name="Google Shape;374;p44">
             <a:extLst>
               <a:ext uri="{FF2B5EF4-FFF2-40B4-BE49-F238E27FC236}">
-                <a16:creationId xmlns:a16="http://schemas.microsoft.com/office/drawing/2014/main" id="{4A5D79FB-B7F5-424E-958E-83CEEE54F1D2}"/>
+                <a16:creationId xmlns:a16="http://schemas.microsoft.com/office/drawing/2014/main" xmlns="" id="{4A5D79FB-B7F5-424E-958E-83CEEE54F1D2}"/>
               </a:ext>
             </a:extLst>
           </p:cNvPr>
@@ -15269,7 +15302,7 @@
           <p:cNvPr id="25" name="Google Shape;374;p44">
             <a:extLst>
               <a:ext uri="{FF2B5EF4-FFF2-40B4-BE49-F238E27FC236}">
-                <a16:creationId xmlns:a16="http://schemas.microsoft.com/office/drawing/2014/main" id="{21CC74BA-FCA9-4D81-AF53-EF1BDDAF993F}"/>
+                <a16:creationId xmlns:a16="http://schemas.microsoft.com/office/drawing/2014/main" xmlns="" id="{21CC74BA-FCA9-4D81-AF53-EF1BDDAF993F}"/>
               </a:ext>
             </a:extLst>
           </p:cNvPr>
@@ -15578,7 +15611,7 @@
           <p:cNvPr id="27" name="Google Shape;374;p44">
             <a:extLst>
               <a:ext uri="{FF2B5EF4-FFF2-40B4-BE49-F238E27FC236}">
-                <a16:creationId xmlns:a16="http://schemas.microsoft.com/office/drawing/2014/main" id="{F5A648B4-9982-4A73-94AB-5F308433C4AC}"/>
+                <a16:creationId xmlns:a16="http://schemas.microsoft.com/office/drawing/2014/main" xmlns="" id="{F5A648B4-9982-4A73-94AB-5F308433C4AC}"/>
               </a:ext>
             </a:extLst>
           </p:cNvPr>
@@ -15886,7 +15919,7 @@
           <p:cNvPr id="15" name="Imagem 14" descr="Desenho com traços pretos em fundo branco&#10;&#10;Descrição gerada automaticamente com confiança baixa">
             <a:extLst>
               <a:ext uri="{FF2B5EF4-FFF2-40B4-BE49-F238E27FC236}">
-                <a16:creationId xmlns:a16="http://schemas.microsoft.com/office/drawing/2014/main" id="{62430470-260F-42BC-97DA-B65C2CE3898C}"/>
+                <a16:creationId xmlns:a16="http://schemas.microsoft.com/office/drawing/2014/main" xmlns="" id="{62430470-260F-42BC-97DA-B65C2CE3898C}"/>
               </a:ext>
             </a:extLst>
           </p:cNvPr>
@@ -15916,13 +15949,13 @@
   <p:clrMapOvr>
     <a:masterClrMapping/>
   </p:clrMapOvr>
-  <mc:AlternateContent xmlns:mc="http://schemas.openxmlformats.org/markup-compatibility/2006">
-    <mc:Choice xmlns:p14="http://schemas.microsoft.com/office/powerpoint/2010/main" Requires="p14">
+  <mc:AlternateContent xmlns:mc="http://schemas.openxmlformats.org/markup-compatibility/2006" xmlns:p14="http://schemas.microsoft.com/office/powerpoint/2010/main">
+    <mc:Choice Requires="p14">
       <p:transition spd="slow" p14:dur="800">
         <p14:flythrough/>
       </p:transition>
     </mc:Choice>
-    <mc:Fallback>
+    <mc:Fallback xmlns="">
       <p:transition spd="slow">
         <p:fade/>
       </p:transition>
@@ -15953,7 +15986,7 @@
           <p:cNvPr id="6" name="Retângulo 5">
             <a:extLst>
               <a:ext uri="{FF2B5EF4-FFF2-40B4-BE49-F238E27FC236}">
-                <a16:creationId xmlns:a16="http://schemas.microsoft.com/office/drawing/2014/main" id="{42CCE9F3-2997-4665-9932-A81CB78FFD9C}"/>
+                <a16:creationId xmlns:a16="http://schemas.microsoft.com/office/drawing/2014/main" xmlns="" id="{42CCE9F3-2997-4665-9932-A81CB78FFD9C}"/>
               </a:ext>
             </a:extLst>
           </p:cNvPr>
@@ -16041,7 +16074,7 @@
           <p:cNvPr id="4" name="Imagem 3" descr="Desenho com traços pretos em fundo branco&#10;&#10;Descrição gerada automaticamente com confiança baixa">
             <a:extLst>
               <a:ext uri="{FF2B5EF4-FFF2-40B4-BE49-F238E27FC236}">
-                <a16:creationId xmlns:a16="http://schemas.microsoft.com/office/drawing/2014/main" id="{4D8FEDAC-3813-4084-9334-0DA2140347BE}"/>
+                <a16:creationId xmlns:a16="http://schemas.microsoft.com/office/drawing/2014/main" xmlns="" id="{4D8FEDAC-3813-4084-9334-0DA2140347BE}"/>
               </a:ext>
             </a:extLst>
           </p:cNvPr>
@@ -16071,7 +16104,7 @@
           <p:cNvPr id="2" name="Fluxograma: Armazenamento Interno 1">
             <a:extLst>
               <a:ext uri="{FF2B5EF4-FFF2-40B4-BE49-F238E27FC236}">
-                <a16:creationId xmlns:a16="http://schemas.microsoft.com/office/drawing/2014/main" id="{8C8C27EE-27AF-4727-ACD7-5DBB48B8489C}"/>
+                <a16:creationId xmlns:a16="http://schemas.microsoft.com/office/drawing/2014/main" xmlns="" id="{8C8C27EE-27AF-4727-ACD7-5DBB48B8489C}"/>
               </a:ext>
             </a:extLst>
           </p:cNvPr>
@@ -16233,7 +16266,7 @@
           <p:cNvPr id="9" name="Google Shape;417;p46">
             <a:extLst>
               <a:ext uri="{FF2B5EF4-FFF2-40B4-BE49-F238E27FC236}">
-                <a16:creationId xmlns:a16="http://schemas.microsoft.com/office/drawing/2014/main" id="{CB77E218-4C4B-4752-9724-0C29165E785A}"/>
+                <a16:creationId xmlns:a16="http://schemas.microsoft.com/office/drawing/2014/main" xmlns="" id="{CB77E218-4C4B-4752-9724-0C29165E785A}"/>
               </a:ext>
             </a:extLst>
           </p:cNvPr>
@@ -16535,7 +16568,7 @@
           <p:cNvPr id="13" name="Fluxograma: Armazenamento Interno 12">
             <a:extLst>
               <a:ext uri="{FF2B5EF4-FFF2-40B4-BE49-F238E27FC236}">
-                <a16:creationId xmlns:a16="http://schemas.microsoft.com/office/drawing/2014/main" id="{8802DC62-15A1-4456-8081-0685431C7D48}"/>
+                <a16:creationId xmlns:a16="http://schemas.microsoft.com/office/drawing/2014/main" xmlns="" id="{8802DC62-15A1-4456-8081-0685431C7D48}"/>
               </a:ext>
             </a:extLst>
           </p:cNvPr>
@@ -16697,7 +16730,7 @@
           <p:cNvPr id="14" name="Google Shape;417;p46">
             <a:extLst>
               <a:ext uri="{FF2B5EF4-FFF2-40B4-BE49-F238E27FC236}">
-                <a16:creationId xmlns:a16="http://schemas.microsoft.com/office/drawing/2014/main" id="{826FD412-A1C1-4ACC-9E7E-7084820E6AC6}"/>
+                <a16:creationId xmlns:a16="http://schemas.microsoft.com/office/drawing/2014/main" xmlns="" id="{826FD412-A1C1-4ACC-9E7E-7084820E6AC6}"/>
               </a:ext>
             </a:extLst>
           </p:cNvPr>
@@ -17004,13 +17037,13 @@
   <p:clrMapOvr>
     <a:masterClrMapping/>
   </p:clrMapOvr>
-  <mc:AlternateContent xmlns:mc="http://schemas.openxmlformats.org/markup-compatibility/2006">
-    <mc:Choice xmlns:p14="http://schemas.microsoft.com/office/powerpoint/2010/main" Requires="p14">
+  <mc:AlternateContent xmlns:mc="http://schemas.openxmlformats.org/markup-compatibility/2006" xmlns:p14="http://schemas.microsoft.com/office/powerpoint/2010/main">
+    <mc:Choice Requires="p14">
       <p:transition spd="slow" p14:dur="800">
         <p14:flythrough/>
       </p:transition>
     </mc:Choice>
-    <mc:Fallback>
+    <mc:Fallback xmlns="">
       <p:transition spd="slow">
         <p:fade/>
       </p:transition>
@@ -17041,7 +17074,7 @@
           <p:cNvPr id="7" name="Retângulo 6">
             <a:extLst>
               <a:ext uri="{FF2B5EF4-FFF2-40B4-BE49-F238E27FC236}">
-                <a16:creationId xmlns:a16="http://schemas.microsoft.com/office/drawing/2014/main" id="{6B01100F-B5E6-43F2-9776-A2050830B858}"/>
+                <a16:creationId xmlns:a16="http://schemas.microsoft.com/office/drawing/2014/main" xmlns="" id="{6B01100F-B5E6-43F2-9776-A2050830B858}"/>
               </a:ext>
             </a:extLst>
           </p:cNvPr>
@@ -17087,7 +17120,7 @@
           <p:cNvPr id="4" name="Imagem 3" descr="Desenho com traços pretos em fundo branco&#10;&#10;Descrição gerada automaticamente com confiança baixa">
             <a:extLst>
               <a:ext uri="{FF2B5EF4-FFF2-40B4-BE49-F238E27FC236}">
-                <a16:creationId xmlns:a16="http://schemas.microsoft.com/office/drawing/2014/main" id="{4D8FEDAC-3813-4084-9334-0DA2140347BE}"/>
+                <a16:creationId xmlns:a16="http://schemas.microsoft.com/office/drawing/2014/main" xmlns="" id="{4D8FEDAC-3813-4084-9334-0DA2140347BE}"/>
               </a:ext>
             </a:extLst>
           </p:cNvPr>
@@ -17117,7 +17150,7 @@
           <p:cNvPr id="10" name="Imagem 9" descr="Logotipo&#10;&#10;Descrição gerada automaticamente">
             <a:extLst>
               <a:ext uri="{FF2B5EF4-FFF2-40B4-BE49-F238E27FC236}">
-                <a16:creationId xmlns:a16="http://schemas.microsoft.com/office/drawing/2014/main" id="{5D3DE0BE-69EE-4B8E-80B2-F6B18548253F}"/>
+                <a16:creationId xmlns:a16="http://schemas.microsoft.com/office/drawing/2014/main" xmlns="" id="{5D3DE0BE-69EE-4B8E-80B2-F6B18548253F}"/>
               </a:ext>
             </a:extLst>
           </p:cNvPr>
@@ -17147,7 +17180,7 @@
           <p:cNvPr id="11" name="CaixaDeTexto 10">
             <a:extLst>
               <a:ext uri="{FF2B5EF4-FFF2-40B4-BE49-F238E27FC236}">
-                <a16:creationId xmlns:a16="http://schemas.microsoft.com/office/drawing/2014/main" id="{323481BB-041C-4A66-9771-857BA21CA2D7}"/>
+                <a16:creationId xmlns:a16="http://schemas.microsoft.com/office/drawing/2014/main" xmlns="" id="{323481BB-041C-4A66-9771-857BA21CA2D7}"/>
               </a:ext>
             </a:extLst>
           </p:cNvPr>
@@ -17156,8 +17189,8 @@
         </p:nvSpPr>
         <p:spPr>
           <a:xfrm>
-            <a:off x="2988608" y="3918281"/>
-            <a:ext cx="3166783" cy="307777"/>
+            <a:off x="2885867" y="4060404"/>
+            <a:ext cx="3699868" cy="461665"/>
           </a:xfrm>
           <a:prstGeom prst="rect">
             <a:avLst/>
@@ -17171,10 +17204,11 @@
           <a:lstStyle/>
           <a:p>
             <a:r>
-              <a:rPr lang="pt-BR" dirty="0">
+              <a:rPr lang="pt-BR" sz="2400" dirty="0">
                 <a:solidFill>
                   <a:schemeClr val="bg1"/>
                 </a:solidFill>
+                <a:latin typeface="Brush Script MT" panose="03060802040406070304" pitchFamily="66" charset="0"/>
               </a:rPr>
               <a:t>Os conhecimentos do amanhã, hoje.</a:t>
             </a:r>
@@ -17191,13 +17225,13 @@
   <p:clrMapOvr>
     <a:masterClrMapping/>
   </p:clrMapOvr>
-  <mc:AlternateContent xmlns:mc="http://schemas.openxmlformats.org/markup-compatibility/2006">
-    <mc:Choice xmlns:p14="http://schemas.microsoft.com/office/powerpoint/2010/main" Requires="p14">
+  <mc:AlternateContent xmlns:mc="http://schemas.openxmlformats.org/markup-compatibility/2006" xmlns:p14="http://schemas.microsoft.com/office/powerpoint/2010/main">
+    <mc:Choice Requires="p14">
       <p:transition spd="slow" p14:dur="800">
         <p14:flythrough/>
       </p:transition>
     </mc:Choice>
-    <mc:Fallback>
+    <mc:Fallback xmlns="">
       <p:transition spd="slow">
         <p:fade/>
       </p:transition>
@@ -17236,7 +17270,7 @@
           <p:cNvPr id="21" name="Imagem 20" descr="Desenho com traços pretos em fundo branco&#10;&#10;Descrição gerada automaticamente com confiança baixa">
             <a:extLst>
               <a:ext uri="{FF2B5EF4-FFF2-40B4-BE49-F238E27FC236}">
-                <a16:creationId xmlns:a16="http://schemas.microsoft.com/office/drawing/2014/main" id="{23EDA186-09B1-46EA-B62A-18E3D84C1473}"/>
+                <a16:creationId xmlns:a16="http://schemas.microsoft.com/office/drawing/2014/main" xmlns="" id="{23EDA186-09B1-46EA-B62A-18E3D84C1473}"/>
               </a:ext>
             </a:extLst>
           </p:cNvPr>
@@ -17266,7 +17300,7 @@
           <p:cNvPr id="3" name="Título 2">
             <a:extLst>
               <a:ext uri="{FF2B5EF4-FFF2-40B4-BE49-F238E27FC236}">
-                <a16:creationId xmlns:a16="http://schemas.microsoft.com/office/drawing/2014/main" id="{8CA70183-A154-44A8-9ED0-7A342B243339}"/>
+                <a16:creationId xmlns:a16="http://schemas.microsoft.com/office/drawing/2014/main" xmlns="" id="{8CA70183-A154-44A8-9ED0-7A342B243339}"/>
               </a:ext>
             </a:extLst>
           </p:cNvPr>
@@ -17291,7 +17325,7 @@
           <p:cNvPr id="22" name="Imagem 21" descr="Interface gráfica do usuário, Aplicativo&#10;&#10;Descrição gerada automaticamente">
             <a:extLst>
               <a:ext uri="{FF2B5EF4-FFF2-40B4-BE49-F238E27FC236}">
-                <a16:creationId xmlns:a16="http://schemas.microsoft.com/office/drawing/2014/main" id="{61C8B5FA-6D89-4BDE-B2EF-4BF4F12ED340}"/>
+                <a16:creationId xmlns:a16="http://schemas.microsoft.com/office/drawing/2014/main" xmlns="" id="{61C8B5FA-6D89-4BDE-B2EF-4BF4F12ED340}"/>
               </a:ext>
             </a:extLst>
           </p:cNvPr>
@@ -17321,13 +17355,13 @@
   <p:clrMapOvr>
     <a:masterClrMapping/>
   </p:clrMapOvr>
-  <mc:AlternateContent xmlns:mc="http://schemas.openxmlformats.org/markup-compatibility/2006">
-    <mc:Choice xmlns:p14="http://schemas.microsoft.com/office/powerpoint/2010/main" Requires="p14">
+  <mc:AlternateContent xmlns:mc="http://schemas.openxmlformats.org/markup-compatibility/2006" xmlns:p14="http://schemas.microsoft.com/office/powerpoint/2010/main">
+    <mc:Choice Requires="p14">
       <p:transition spd="slow" p14:dur="800">
         <p14:flythrough/>
       </p:transition>
     </mc:Choice>
-    <mc:Fallback>
+    <mc:Fallback xmlns="">
       <p:transition spd="slow">
         <p:fade/>
       </p:transition>
@@ -17366,7 +17400,7 @@
           <p:cNvPr id="4" name="Retângulo 3">
             <a:extLst>
               <a:ext uri="{FF2B5EF4-FFF2-40B4-BE49-F238E27FC236}">
-                <a16:creationId xmlns:a16="http://schemas.microsoft.com/office/drawing/2014/main" id="{9E7A767D-7089-48B5-B2C9-07B484AC7577}"/>
+                <a16:creationId xmlns:a16="http://schemas.microsoft.com/office/drawing/2014/main" xmlns="" id="{9E7A767D-7089-48B5-B2C9-07B484AC7577}"/>
               </a:ext>
             </a:extLst>
           </p:cNvPr>
@@ -17611,7 +17645,7 @@
           <p:cNvPr id="3" name="Imagem 2">
             <a:extLst>
               <a:ext uri="{FF2B5EF4-FFF2-40B4-BE49-F238E27FC236}">
-                <a16:creationId xmlns:a16="http://schemas.microsoft.com/office/drawing/2014/main" id="{DD6EA363-A002-4559-9448-FBE9D6E67C93}"/>
+                <a16:creationId xmlns:a16="http://schemas.microsoft.com/office/drawing/2014/main" xmlns="" id="{DD6EA363-A002-4559-9448-FBE9D6E67C93}"/>
               </a:ext>
             </a:extLst>
           </p:cNvPr>
@@ -17641,7 +17675,7 @@
           <p:cNvPr id="9" name="Imagem 8" descr="Desenho com traços pretos em fundo branco&#10;&#10;Descrição gerada automaticamente com confiança baixa">
             <a:extLst>
               <a:ext uri="{FF2B5EF4-FFF2-40B4-BE49-F238E27FC236}">
-                <a16:creationId xmlns:a16="http://schemas.microsoft.com/office/drawing/2014/main" id="{913DED4F-9272-43AC-A541-ABDBFDDA508D}"/>
+                <a16:creationId xmlns:a16="http://schemas.microsoft.com/office/drawing/2014/main" xmlns="" id="{913DED4F-9272-43AC-A541-ABDBFDDA508D}"/>
               </a:ext>
             </a:extLst>
           </p:cNvPr>
@@ -17671,13 +17705,13 @@
   <p:clrMapOvr>
     <a:masterClrMapping/>
   </p:clrMapOvr>
-  <mc:AlternateContent xmlns:mc="http://schemas.openxmlformats.org/markup-compatibility/2006">
-    <mc:Choice xmlns:p14="http://schemas.microsoft.com/office/powerpoint/2010/main" Requires="p14">
+  <mc:AlternateContent xmlns:mc="http://schemas.openxmlformats.org/markup-compatibility/2006" xmlns:p14="http://schemas.microsoft.com/office/powerpoint/2010/main">
+    <mc:Choice Requires="p14">
       <p:transition spd="slow" p14:dur="800">
         <p14:flythrough/>
       </p:transition>
     </mc:Choice>
-    <mc:Fallback>
+    <mc:Fallback xmlns="">
       <p:transition spd="slow">
         <p:fade/>
       </p:transition>
@@ -17978,7 +18012,7 @@
           <p:cNvPr id="8" name="Imagem 7">
             <a:extLst>
               <a:ext uri="{FF2B5EF4-FFF2-40B4-BE49-F238E27FC236}">
-                <a16:creationId xmlns:a16="http://schemas.microsoft.com/office/drawing/2014/main" id="{C3BB9D16-CEFD-44A4-AEED-C0E24B505976}"/>
+                <a16:creationId xmlns:a16="http://schemas.microsoft.com/office/drawing/2014/main" xmlns="" id="{C3BB9D16-CEFD-44A4-AEED-C0E24B505976}"/>
               </a:ext>
             </a:extLst>
           </p:cNvPr>
@@ -18008,7 +18042,7 @@
           <p:cNvPr id="9" name="Imagem 8" descr="Desenho com traços pretos em fundo branco&#10;&#10;Descrição gerada automaticamente com confiança baixa">
             <a:extLst>
               <a:ext uri="{FF2B5EF4-FFF2-40B4-BE49-F238E27FC236}">
-                <a16:creationId xmlns:a16="http://schemas.microsoft.com/office/drawing/2014/main" id="{F181E95B-B182-4EB0-B67D-FAF4D35D477B}"/>
+                <a16:creationId xmlns:a16="http://schemas.microsoft.com/office/drawing/2014/main" xmlns="" id="{F181E95B-B182-4EB0-B67D-FAF4D35D477B}"/>
               </a:ext>
             </a:extLst>
           </p:cNvPr>
@@ -18043,13 +18077,13 @@
   <p:clrMapOvr>
     <a:masterClrMapping/>
   </p:clrMapOvr>
-  <mc:AlternateContent xmlns:mc="http://schemas.openxmlformats.org/markup-compatibility/2006">
-    <mc:Choice xmlns:p14="http://schemas.microsoft.com/office/powerpoint/2010/main" Requires="p14">
+  <mc:AlternateContent xmlns:mc="http://schemas.openxmlformats.org/markup-compatibility/2006" xmlns:p14="http://schemas.microsoft.com/office/powerpoint/2010/main">
+    <mc:Choice Requires="p14">
       <p:transition spd="slow" p14:dur="800">
         <p14:flythrough/>
       </p:transition>
     </mc:Choice>
-    <mc:Fallback>
+    <mc:Fallback xmlns="">
       <p:transition spd="slow">
         <p:fade/>
       </p:transition>

--- a/Apresentação.pptx
+++ b/Apresentação.pptx
@@ -24,12 +24,12 @@
   <p:notesSz cx="6858000" cy="9144000"/>
   <p:embeddedFontLst>
     <p:embeddedFont>
-      <p:font typeface="Didact Gothic" panose="020B0604020202020204" charset="0"/>
-      <p:regular r:id="rId14"/>
+      <p:font typeface="Brush Script MT" panose="03060802040406070304" pitchFamily="66" charset="0"/>
+      <p:italic r:id="rId14"/>
     </p:embeddedFont>
     <p:embeddedFont>
-      <p:font typeface="Brush Script MT" panose="03060802040406070304" pitchFamily="66" charset="0"/>
-      <p:italic r:id="rId15"/>
+      <p:font typeface="Didact Gothic" panose="020B0604020202020204" charset="0"/>
+      <p:regular r:id="rId15"/>
     </p:embeddedFont>
     <p:embeddedFont>
       <p:font typeface="Michroma" panose="020B0604020202020204" charset="0"/>
@@ -815,6 +815,56 @@
               <a:rPr lang="pt-BR" dirty="0"/>
               <a:t>Thais</a:t>
             </a:r>
+          </a:p>
+          <a:p>
+            <a:pPr marL="0" lvl="0" indent="0" algn="l" rtl="0">
+              <a:spcBef>
+                <a:spcPts val="0"/>
+              </a:spcBef>
+              <a:spcAft>
+                <a:spcPts val="0"/>
+              </a:spcAft>
+              <a:buNone/>
+            </a:pPr>
+            <a:endParaRPr lang="pt-BR" dirty="0"/>
+          </a:p>
+          <a:p>
+            <a:pPr marL="0" lvl="0" indent="0" algn="l" rtl="0">
+              <a:spcBef>
+                <a:spcPts val="0"/>
+              </a:spcBef>
+              <a:spcAft>
+                <a:spcPts val="0"/>
+              </a:spcAft>
+              <a:buNone/>
+            </a:pPr>
+            <a:r>
+              <a:rPr lang="pt-BR" dirty="0"/>
+              <a:t>Olá, boa noite a todos. </a:t>
+            </a:r>
+          </a:p>
+          <a:p>
+            <a:pPr marL="0" lvl="0" indent="0" algn="l" rtl="0">
+              <a:spcBef>
+                <a:spcPts val="0"/>
+              </a:spcBef>
+              <a:spcAft>
+                <a:spcPts val="0"/>
+              </a:spcAft>
+              <a:buNone/>
+            </a:pPr>
+            <a:r>
+              <a:rPr lang="pt-BR" dirty="0"/>
+              <a:t>Nós somos a empresa </a:t>
+            </a:r>
+            <a:r>
+              <a:rPr lang="pt-BR" dirty="0" err="1"/>
+              <a:t>Geli’s</a:t>
+            </a:r>
+            <a:r>
+              <a:rPr lang="pt-BR" dirty="0"/>
+              <a:t> e estamos aqui para garantir o monitoramento do hardware do seu computador enquanto seus vídeos são renderizados.</a:t>
+            </a:r>
             <a:endParaRPr dirty="0"/>
           </a:p>
         </p:txBody>
@@ -1165,6 +1215,68 @@
               <a:rPr lang="pt-BR" dirty="0"/>
               <a:t>Thais</a:t>
             </a:r>
+          </a:p>
+          <a:p>
+            <a:pPr marL="0" lvl="0" indent="0" algn="l" rtl="0">
+              <a:spcBef>
+                <a:spcPts val="0"/>
+              </a:spcBef>
+              <a:spcAft>
+                <a:spcPts val="0"/>
+              </a:spcAft>
+              <a:buNone/>
+            </a:pPr>
+            <a:endParaRPr lang="pt-BR" dirty="0"/>
+          </a:p>
+          <a:p>
+            <a:pPr marL="0" lvl="0" indent="0" algn="l" rtl="0">
+              <a:spcBef>
+                <a:spcPts val="0"/>
+              </a:spcBef>
+              <a:spcAft>
+                <a:spcPts val="0"/>
+              </a:spcAft>
+              <a:buNone/>
+            </a:pPr>
+            <a:r>
+              <a:rPr lang="pt-BR" dirty="0"/>
+              <a:t>Nossa equipe é composta pelos seguintes integrantes: &lt;nomes&gt;&lt;/nomes&gt;</a:t>
+            </a:r>
+          </a:p>
+          <a:p>
+            <a:pPr marL="0" lvl="0" indent="0" algn="l" rtl="0">
+              <a:spcBef>
+                <a:spcPts val="0"/>
+              </a:spcBef>
+              <a:spcAft>
+                <a:spcPts val="0"/>
+              </a:spcAft>
+              <a:buNone/>
+            </a:pPr>
+            <a:endParaRPr lang="pt-BR" dirty="0"/>
+          </a:p>
+          <a:p>
+            <a:pPr marL="0" lvl="0" indent="0" algn="l" rtl="0">
+              <a:spcBef>
+                <a:spcPts val="0"/>
+              </a:spcBef>
+              <a:spcAft>
+                <a:spcPts val="0"/>
+              </a:spcAft>
+              <a:buNone/>
+            </a:pPr>
+            <a:r>
+              <a:rPr lang="pt-BR" dirty="0"/>
+              <a:t>Agora passarei a fala para o Gabriel que irá falar a respeito da nossa contextualização de negocio e nosso </a:t>
+            </a:r>
+            <a:r>
+              <a:rPr lang="pt-BR" dirty="0" err="1"/>
+              <a:t>storyboard</a:t>
+            </a:r>
+            <a:r>
+              <a:rPr lang="pt-BR" dirty="0"/>
+              <a:t>.</a:t>
+            </a:r>
             <a:endParaRPr dirty="0"/>
           </a:p>
         </p:txBody>
@@ -1344,9 +1456,50 @@
           <a:bodyPr/>
           <a:lstStyle/>
           <a:p>
+            <a:pPr marL="158750" indent="0">
+              <a:buNone/>
+            </a:pPr>
             <a:r>
               <a:rPr lang="pt-BR" dirty="0"/>
               <a:t>Thais</a:t>
+            </a:r>
+          </a:p>
+          <a:p>
+            <a:pPr marL="158750" indent="0">
+              <a:buNone/>
+            </a:pPr>
+            <a:endParaRPr lang="pt-BR" dirty="0"/>
+          </a:p>
+          <a:p>
+            <a:pPr marL="158750" indent="0">
+              <a:buNone/>
+            </a:pPr>
+            <a:r>
+              <a:rPr lang="pt-BR" dirty="0"/>
+              <a:t>Com o objetivo de traçar melhor as dores, necessidades, comportamento e motivações do nosso cliente. Criamos a nossa </a:t>
+            </a:r>
+            <a:r>
+              <a:rPr lang="pt-BR" dirty="0" err="1"/>
+              <a:t>protopersona</a:t>
+            </a:r>
+            <a:r>
+              <a:rPr lang="pt-BR" dirty="0"/>
+              <a:t>, que será nossa representação de personagem fictício que utilizará nossa solução.  </a:t>
+            </a:r>
+          </a:p>
+          <a:p>
+            <a:pPr marL="158750" indent="0">
+              <a:buNone/>
+            </a:pPr>
+            <a:endParaRPr lang="pt-BR" dirty="0"/>
+          </a:p>
+          <a:p>
+            <a:pPr marL="158750" indent="0">
+              <a:buNone/>
+            </a:pPr>
+            <a:r>
+              <a:rPr lang="pt-BR" i="1" dirty="0"/>
+              <a:t>Começar por Palavras e Frases &gt; Dores e Necessidades &gt; Quem?</a:t>
             </a:r>
           </a:p>
         </p:txBody>
@@ -4140,7 +4293,7 @@
                 <a:hlinkClick r:id="rId2">
                   <a:extLst>
                     <a:ext uri="{A12FA001-AC4F-418D-AE19-62706E023703}">
-                      <ahyp:hlinkClr xmlns:ahyp="http://schemas.microsoft.com/office/drawing/2018/hyperlinkcolor" xmlns="" val="tx"/>
+                      <ahyp:hlinkClr xmlns:ahyp="http://schemas.microsoft.com/office/drawing/2018/hyperlinkcolor" val="tx"/>
                     </a:ext>
                   </a:extLst>
                 </a:hlinkClick>
@@ -4174,7 +4327,7 @@
                 <a:hlinkClick r:id="rId3">
                   <a:extLst>
                     <a:ext uri="{A12FA001-AC4F-418D-AE19-62706E023703}">
-                      <ahyp:hlinkClr xmlns:ahyp="http://schemas.microsoft.com/office/drawing/2018/hyperlinkcolor" xmlns="" val="tx"/>
+                      <ahyp:hlinkClr xmlns:ahyp="http://schemas.microsoft.com/office/drawing/2018/hyperlinkcolor" val="tx"/>
                     </a:ext>
                   </a:extLst>
                 </a:hlinkClick>
@@ -4208,7 +4361,7 @@
                 <a:hlinkClick r:id="rId4">
                   <a:extLst>
                     <a:ext uri="{A12FA001-AC4F-418D-AE19-62706E023703}">
-                      <ahyp:hlinkClr xmlns:ahyp="http://schemas.microsoft.com/office/drawing/2018/hyperlinkcolor" xmlns="" val="tx"/>
+                      <ahyp:hlinkClr xmlns:ahyp="http://schemas.microsoft.com/office/drawing/2018/hyperlinkcolor" val="tx"/>
                     </a:ext>
                   </a:extLst>
                 </a:hlinkClick>
@@ -11094,7 +11247,7 @@
           <p:cNvPr id="10" name="Imagem 9" descr="Desenho com traços pretos em fundo branco&#10;&#10;Descrição gerada automaticamente com confiança baixa">
             <a:extLst>
               <a:ext uri="{FF2B5EF4-FFF2-40B4-BE49-F238E27FC236}">
-                <a16:creationId xmlns:a16="http://schemas.microsoft.com/office/drawing/2014/main" xmlns="" id="{71756BF8-A283-4F27-B2A8-51EBC71121CF}"/>
+                <a16:creationId xmlns:a16="http://schemas.microsoft.com/office/drawing/2014/main" id="{71756BF8-A283-4F27-B2A8-51EBC71121CF}"/>
               </a:ext>
             </a:extLst>
           </p:cNvPr>
@@ -11800,7 +11953,7 @@
           <p:cNvPr id="3" name="Imagem 2">
             <a:extLst>
               <a:ext uri="{FF2B5EF4-FFF2-40B4-BE49-F238E27FC236}">
-                <a16:creationId xmlns:a16="http://schemas.microsoft.com/office/drawing/2014/main" xmlns="" id="{4D0B2BF1-B08C-422A-8BE5-3C2DFDCA1225}"/>
+                <a16:creationId xmlns:a16="http://schemas.microsoft.com/office/drawing/2014/main" id="{4D0B2BF1-B08C-422A-8BE5-3C2DFDCA1225}"/>
               </a:ext>
             </a:extLst>
           </p:cNvPr>
@@ -12072,7 +12225,7 @@
           <p:cNvPr id="6" name="Retângulo 5">
             <a:extLst>
               <a:ext uri="{FF2B5EF4-FFF2-40B4-BE49-F238E27FC236}">
-                <a16:creationId xmlns:a16="http://schemas.microsoft.com/office/drawing/2014/main" xmlns="" id="{9590ADF8-6AFF-4C6B-92F7-E44DA4715CD0}"/>
+                <a16:creationId xmlns:a16="http://schemas.microsoft.com/office/drawing/2014/main" id="{9590ADF8-6AFF-4C6B-92F7-E44DA4715CD0}"/>
               </a:ext>
             </a:extLst>
           </p:cNvPr>
@@ -12118,7 +12271,7 @@
           <p:cNvPr id="3" name="Imagem 2" descr="Logotipo&#10;&#10;Descrição gerada automaticamente">
             <a:extLst>
               <a:ext uri="{FF2B5EF4-FFF2-40B4-BE49-F238E27FC236}">
-                <a16:creationId xmlns:a16="http://schemas.microsoft.com/office/drawing/2014/main" xmlns="" id="{FADC4038-F57E-4F7D-ADC3-0B909A05A33B}"/>
+                <a16:creationId xmlns:a16="http://schemas.microsoft.com/office/drawing/2014/main" id="{FADC4038-F57E-4F7D-ADC3-0B909A05A33B}"/>
               </a:ext>
             </a:extLst>
           </p:cNvPr>
@@ -12148,7 +12301,7 @@
           <p:cNvPr id="18" name="Google Shape;894;p73">
             <a:extLst>
               <a:ext uri="{FF2B5EF4-FFF2-40B4-BE49-F238E27FC236}">
-                <a16:creationId xmlns:a16="http://schemas.microsoft.com/office/drawing/2014/main" xmlns="" id="{0FD784DE-A7F8-4B82-9CBA-85AFDB66D5CA}"/>
+                <a16:creationId xmlns:a16="http://schemas.microsoft.com/office/drawing/2014/main" id="{0FD784DE-A7F8-4B82-9CBA-85AFDB66D5CA}"/>
               </a:ext>
             </a:extLst>
           </p:cNvPr>
@@ -12198,7 +12351,7 @@
           <p:cNvPr id="5" name="Imagem 4" descr="Logotipo&#10;&#10;Descrição gerada automaticamente">
             <a:extLst>
               <a:ext uri="{FF2B5EF4-FFF2-40B4-BE49-F238E27FC236}">
-                <a16:creationId xmlns:a16="http://schemas.microsoft.com/office/drawing/2014/main" xmlns="" id="{893A936E-20B5-42F0-B003-402A90E58F9A}"/>
+                <a16:creationId xmlns:a16="http://schemas.microsoft.com/office/drawing/2014/main" id="{893A936E-20B5-42F0-B003-402A90E58F9A}"/>
               </a:ext>
             </a:extLst>
           </p:cNvPr>
@@ -12250,7 +12403,7 @@
           <p:cNvPr id="21" name="Google Shape;894;p73">
             <a:extLst>
               <a:ext uri="{FF2B5EF4-FFF2-40B4-BE49-F238E27FC236}">
-                <a16:creationId xmlns:a16="http://schemas.microsoft.com/office/drawing/2014/main" xmlns="" id="{640D94A8-1216-45C5-A607-1536378FE2F0}"/>
+                <a16:creationId xmlns:a16="http://schemas.microsoft.com/office/drawing/2014/main" id="{640D94A8-1216-45C5-A607-1536378FE2F0}"/>
               </a:ext>
             </a:extLst>
           </p:cNvPr>
@@ -12300,7 +12453,7 @@
           <p:cNvPr id="2" name="Retângulo 1">
             <a:extLst>
               <a:ext uri="{FF2B5EF4-FFF2-40B4-BE49-F238E27FC236}">
-                <a16:creationId xmlns:a16="http://schemas.microsoft.com/office/drawing/2014/main" xmlns="" id="{763DB53B-4A1B-4006-BC38-A9D6DEAD6E27}"/>
+                <a16:creationId xmlns:a16="http://schemas.microsoft.com/office/drawing/2014/main" id="{763DB53B-4A1B-4006-BC38-A9D6DEAD6E27}"/>
               </a:ext>
             </a:extLst>
           </p:cNvPr>
@@ -12346,7 +12499,7 @@
           <p:cNvPr id="7" name="Imagem 6" descr="Desenho com traços pretos em fundo branco&#10;&#10;Descrição gerada automaticamente com confiança baixa">
             <a:extLst>
               <a:ext uri="{FF2B5EF4-FFF2-40B4-BE49-F238E27FC236}">
-                <a16:creationId xmlns:a16="http://schemas.microsoft.com/office/drawing/2014/main" xmlns="" id="{2870108A-08B9-4FB6-8B53-394D832035AA}"/>
+                <a16:creationId xmlns:a16="http://schemas.microsoft.com/office/drawing/2014/main" id="{2870108A-08B9-4FB6-8B53-394D832035AA}"/>
               </a:ext>
             </a:extLst>
           </p:cNvPr>
@@ -12376,7 +12529,7 @@
           <p:cNvPr id="9" name="CaixaDeTexto 8">
             <a:extLst>
               <a:ext uri="{FF2B5EF4-FFF2-40B4-BE49-F238E27FC236}">
-                <a16:creationId xmlns:a16="http://schemas.microsoft.com/office/drawing/2014/main" xmlns="" id="{82EA96C9-9457-4663-95D6-8DBE7CDE52B9}"/>
+                <a16:creationId xmlns:a16="http://schemas.microsoft.com/office/drawing/2014/main" id="{82EA96C9-9457-4663-95D6-8DBE7CDE52B9}"/>
               </a:ext>
             </a:extLst>
           </p:cNvPr>
@@ -12415,7 +12568,7 @@
           <p:cNvPr id="19" name="Google Shape;9442;p90">
             <a:extLst>
               <a:ext uri="{FF2B5EF4-FFF2-40B4-BE49-F238E27FC236}">
-                <a16:creationId xmlns:a16="http://schemas.microsoft.com/office/drawing/2014/main" xmlns="" id="{0F10B794-8545-4939-A269-8FDE5D06159A}"/>
+                <a16:creationId xmlns:a16="http://schemas.microsoft.com/office/drawing/2014/main" id="{0F10B794-8545-4939-A269-8FDE5D06159A}"/>
               </a:ext>
             </a:extLst>
           </p:cNvPr>
@@ -12753,7 +12906,7 @@
           <p:cNvPr id="3" name="Imagem 2" descr="Desenho com traços pretos em fundo branco&#10;&#10;Descrição gerada automaticamente com confiança baixa">
             <a:extLst>
               <a:ext uri="{FF2B5EF4-FFF2-40B4-BE49-F238E27FC236}">
-                <a16:creationId xmlns:a16="http://schemas.microsoft.com/office/drawing/2014/main" xmlns="" id="{B4DC6BF9-6BD6-4AFF-9859-9FD26ABFCDDF}"/>
+                <a16:creationId xmlns:a16="http://schemas.microsoft.com/office/drawing/2014/main" id="{B4DC6BF9-6BD6-4AFF-9859-9FD26ABFCDDF}"/>
               </a:ext>
             </a:extLst>
           </p:cNvPr>
@@ -12783,7 +12936,7 @@
           <p:cNvPr id="7" name="Imagem 6" descr="Foto editada de homem com óculos de grau&#10;&#10;Descrição gerada automaticamente">
             <a:extLst>
               <a:ext uri="{FF2B5EF4-FFF2-40B4-BE49-F238E27FC236}">
-                <a16:creationId xmlns:a16="http://schemas.microsoft.com/office/drawing/2014/main" xmlns="" id="{67D53509-AEA2-4729-994A-DA0FA518DB76}"/>
+                <a16:creationId xmlns:a16="http://schemas.microsoft.com/office/drawing/2014/main" id="{67D53509-AEA2-4729-994A-DA0FA518DB76}"/>
               </a:ext>
             </a:extLst>
           </p:cNvPr>
@@ -12857,7 +13010,7 @@
           <p:cNvPr id="9" name="Imagem 8" descr="Tela de celular com foto de homem&#10;&#10;Descrição gerada automaticamente com confiança média">
             <a:extLst>
               <a:ext uri="{FF2B5EF4-FFF2-40B4-BE49-F238E27FC236}">
-                <a16:creationId xmlns:a16="http://schemas.microsoft.com/office/drawing/2014/main" xmlns="" id="{B1DCEF26-ABE1-4ED1-A39E-9A710624C1AA}"/>
+                <a16:creationId xmlns:a16="http://schemas.microsoft.com/office/drawing/2014/main" id="{B1DCEF26-ABE1-4ED1-A39E-9A710624C1AA}"/>
               </a:ext>
             </a:extLst>
           </p:cNvPr>
@@ -12935,7 +13088,7 @@
           <p:cNvPr id="23" name="Imagem 22" descr="Desenho de uma pessoa&#10;&#10;Descrição gerada automaticamente com confiança média">
             <a:extLst>
               <a:ext uri="{FF2B5EF4-FFF2-40B4-BE49-F238E27FC236}">
-                <a16:creationId xmlns:a16="http://schemas.microsoft.com/office/drawing/2014/main" xmlns="" id="{AAE81B5D-3D43-4958-8696-FCC846D1203A}"/>
+                <a16:creationId xmlns:a16="http://schemas.microsoft.com/office/drawing/2014/main" id="{AAE81B5D-3D43-4958-8696-FCC846D1203A}"/>
               </a:ext>
             </a:extLst>
           </p:cNvPr>
@@ -12965,7 +13118,7 @@
           <p:cNvPr id="24" name="Google Shape;892;p73">
             <a:extLst>
               <a:ext uri="{FF2B5EF4-FFF2-40B4-BE49-F238E27FC236}">
-                <a16:creationId xmlns:a16="http://schemas.microsoft.com/office/drawing/2014/main" xmlns="" id="{5921E98B-0DD7-40EF-87E0-5D235D17ADB9}"/>
+                <a16:creationId xmlns:a16="http://schemas.microsoft.com/office/drawing/2014/main" id="{5921E98B-0DD7-40EF-87E0-5D235D17ADB9}"/>
               </a:ext>
             </a:extLst>
           </p:cNvPr>
@@ -13015,7 +13168,7 @@
           <p:cNvPr id="25" name="Google Shape;887;p73">
             <a:extLst>
               <a:ext uri="{FF2B5EF4-FFF2-40B4-BE49-F238E27FC236}">
-                <a16:creationId xmlns:a16="http://schemas.microsoft.com/office/drawing/2014/main" xmlns="" id="{AA2C1B67-D26B-4635-8D6D-F5E403CA61FB}"/>
+                <a16:creationId xmlns:a16="http://schemas.microsoft.com/office/drawing/2014/main" id="{AA2C1B67-D26B-4635-8D6D-F5E403CA61FB}"/>
               </a:ext>
             </a:extLst>
           </p:cNvPr>
@@ -13298,12 +13451,8 @@
           <a:p>
             <a:pPr algn="l"/>
             <a:r>
-              <a:rPr lang="pt-BR" sz="1600" dirty="0" smtClean="0"/>
-              <a:t>Júlia </a:t>
-            </a:r>
-            <a:r>
               <a:rPr lang="pt-BR" sz="1600" dirty="0"/>
-              <a:t>Budavicius</a:t>
+              <a:t>Júlia Budavicius</a:t>
             </a:r>
           </a:p>
         </p:txBody>
@@ -13313,7 +13462,7 @@
           <p:cNvPr id="28" name="Imagem 27" descr="Pessoa com cabelo roxo&#10;&#10;Descrição gerada automaticamente com confiança média">
             <a:extLst>
               <a:ext uri="{FF2B5EF4-FFF2-40B4-BE49-F238E27FC236}">
-                <a16:creationId xmlns:a16="http://schemas.microsoft.com/office/drawing/2014/main" xmlns="" id="{E0A9C958-8E14-45C9-9F27-A0DF71D15DB4}"/>
+                <a16:creationId xmlns:a16="http://schemas.microsoft.com/office/drawing/2014/main" id="{E0A9C958-8E14-45C9-9F27-A0DF71D15DB4}"/>
               </a:ext>
             </a:extLst>
           </p:cNvPr>
@@ -13343,7 +13492,7 @@
           <p:cNvPr id="29" name="Google Shape;894;p73">
             <a:extLst>
               <a:ext uri="{FF2B5EF4-FFF2-40B4-BE49-F238E27FC236}">
-                <a16:creationId xmlns:a16="http://schemas.microsoft.com/office/drawing/2014/main" xmlns="" id="{06280BD7-AA72-46ED-81BE-93081D5219F7}"/>
+                <a16:creationId xmlns:a16="http://schemas.microsoft.com/office/drawing/2014/main" id="{06280BD7-AA72-46ED-81BE-93081D5219F7}"/>
               </a:ext>
             </a:extLst>
           </p:cNvPr>
@@ -13397,7 +13546,7 @@
           <p:cNvPr id="30" name="Google Shape;889;p73">
             <a:extLst>
               <a:ext uri="{FF2B5EF4-FFF2-40B4-BE49-F238E27FC236}">
-                <a16:creationId xmlns:a16="http://schemas.microsoft.com/office/drawing/2014/main" xmlns="" id="{9B3D5A38-0CAF-4238-8C3F-10C385A83AB6}"/>
+                <a16:creationId xmlns:a16="http://schemas.microsoft.com/office/drawing/2014/main" id="{9B3D5A38-0CAF-4238-8C3F-10C385A83AB6}"/>
               </a:ext>
             </a:extLst>
           </p:cNvPr>
@@ -13691,7 +13840,7 @@
           <p:cNvPr id="31" name="Imagem 30" descr="Foto de rosto de pessoa visto de perto&#10;&#10;Descrição gerada automaticamente com confiança média">
             <a:extLst>
               <a:ext uri="{FF2B5EF4-FFF2-40B4-BE49-F238E27FC236}">
-                <a16:creationId xmlns:a16="http://schemas.microsoft.com/office/drawing/2014/main" xmlns="" id="{35436FC8-B467-4A32-9998-24CB24348A5A}"/>
+                <a16:creationId xmlns:a16="http://schemas.microsoft.com/office/drawing/2014/main" id="{35436FC8-B467-4A32-9998-24CB24348A5A}"/>
               </a:ext>
             </a:extLst>
           </p:cNvPr>
@@ -13721,7 +13870,7 @@
           <p:cNvPr id="32" name="Google Shape;892;p73">
             <a:extLst>
               <a:ext uri="{FF2B5EF4-FFF2-40B4-BE49-F238E27FC236}">
-                <a16:creationId xmlns:a16="http://schemas.microsoft.com/office/drawing/2014/main" xmlns="" id="{0539093D-FF4E-4B14-B1C2-80B1EE827D4A}"/>
+                <a16:creationId xmlns:a16="http://schemas.microsoft.com/office/drawing/2014/main" id="{0539093D-FF4E-4B14-B1C2-80B1EE827D4A}"/>
               </a:ext>
             </a:extLst>
           </p:cNvPr>
@@ -13771,7 +13920,7 @@
           <p:cNvPr id="33" name="Google Shape;887;p73">
             <a:extLst>
               <a:ext uri="{FF2B5EF4-FFF2-40B4-BE49-F238E27FC236}">
-                <a16:creationId xmlns:a16="http://schemas.microsoft.com/office/drawing/2014/main" xmlns="" id="{D285D71E-6278-4663-852C-CC69E73C3EBF}"/>
+                <a16:creationId xmlns:a16="http://schemas.microsoft.com/office/drawing/2014/main" id="{D285D71E-6278-4663-852C-CC69E73C3EBF}"/>
               </a:ext>
             </a:extLst>
           </p:cNvPr>
@@ -14107,7 +14256,7 @@
           <p:cNvPr id="3" name="Imagem 2" descr="Linha do tempo&#10;&#10;Descrição gerada automaticamente">
             <a:extLst>
               <a:ext uri="{FF2B5EF4-FFF2-40B4-BE49-F238E27FC236}">
-                <a16:creationId xmlns:a16="http://schemas.microsoft.com/office/drawing/2014/main" xmlns="" id="{D52999EF-F20A-4E08-A1A5-628CC3076F53}"/>
+                <a16:creationId xmlns:a16="http://schemas.microsoft.com/office/drawing/2014/main" id="{D52999EF-F20A-4E08-A1A5-628CC3076F53}"/>
               </a:ext>
             </a:extLst>
           </p:cNvPr>
@@ -14179,7 +14328,7 @@
           <p:cNvPr id="21" name="Retângulo 20">
             <a:extLst>
               <a:ext uri="{FF2B5EF4-FFF2-40B4-BE49-F238E27FC236}">
-                <a16:creationId xmlns:a16="http://schemas.microsoft.com/office/drawing/2014/main" xmlns="" id="{7B938AF4-719E-4AB4-88BE-4357C82DF926}"/>
+                <a16:creationId xmlns:a16="http://schemas.microsoft.com/office/drawing/2014/main" id="{7B938AF4-719E-4AB4-88BE-4357C82DF926}"/>
               </a:ext>
             </a:extLst>
           </p:cNvPr>
@@ -14559,7 +14708,7 @@
           <p:cNvPr id="1026" name="Picture 2">
             <a:extLst>
               <a:ext uri="{FF2B5EF4-FFF2-40B4-BE49-F238E27FC236}">
-                <a16:creationId xmlns:a16="http://schemas.microsoft.com/office/drawing/2014/main" xmlns="" id="{E7C79143-28EE-4D5E-94D8-5FEA59D258F3}"/>
+                <a16:creationId xmlns:a16="http://schemas.microsoft.com/office/drawing/2014/main" id="{E7C79143-28EE-4D5E-94D8-5FEA59D258F3}"/>
               </a:ext>
             </a:extLst>
           </p:cNvPr>
@@ -14611,7 +14760,7 @@
           <p:cNvPr id="14" name="Text Box 11">
             <a:extLst>
               <a:ext uri="{FF2B5EF4-FFF2-40B4-BE49-F238E27FC236}">
-                <a16:creationId xmlns:a16="http://schemas.microsoft.com/office/drawing/2014/main" xmlns="" id="{435F1C02-2DE8-4823-AF55-31EB7DDA0B79}"/>
+                <a16:creationId xmlns:a16="http://schemas.microsoft.com/office/drawing/2014/main" id="{435F1C02-2DE8-4823-AF55-31EB7DDA0B79}"/>
               </a:ext>
             </a:extLst>
           </p:cNvPr>
@@ -14686,7 +14835,7 @@
           <p:cNvPr id="23" name="Google Shape;374;p44">
             <a:extLst>
               <a:ext uri="{FF2B5EF4-FFF2-40B4-BE49-F238E27FC236}">
-                <a16:creationId xmlns:a16="http://schemas.microsoft.com/office/drawing/2014/main" xmlns="" id="{2F33C80D-5F69-4325-9EED-F885BD6D4EA3}"/>
+                <a16:creationId xmlns:a16="http://schemas.microsoft.com/office/drawing/2014/main" id="{2F33C80D-5F69-4325-9EED-F885BD6D4EA3}"/>
               </a:ext>
             </a:extLst>
           </p:cNvPr>
@@ -14994,7 +15143,7 @@
           <p:cNvPr id="24" name="Google Shape;374;p44">
             <a:extLst>
               <a:ext uri="{FF2B5EF4-FFF2-40B4-BE49-F238E27FC236}">
-                <a16:creationId xmlns:a16="http://schemas.microsoft.com/office/drawing/2014/main" xmlns="" id="{4A5D79FB-B7F5-424E-958E-83CEEE54F1D2}"/>
+                <a16:creationId xmlns:a16="http://schemas.microsoft.com/office/drawing/2014/main" id="{4A5D79FB-B7F5-424E-958E-83CEEE54F1D2}"/>
               </a:ext>
             </a:extLst>
           </p:cNvPr>
@@ -15302,7 +15451,7 @@
           <p:cNvPr id="25" name="Google Shape;374;p44">
             <a:extLst>
               <a:ext uri="{FF2B5EF4-FFF2-40B4-BE49-F238E27FC236}">
-                <a16:creationId xmlns:a16="http://schemas.microsoft.com/office/drawing/2014/main" xmlns="" id="{21CC74BA-FCA9-4D81-AF53-EF1BDDAF993F}"/>
+                <a16:creationId xmlns:a16="http://schemas.microsoft.com/office/drawing/2014/main" id="{21CC74BA-FCA9-4D81-AF53-EF1BDDAF993F}"/>
               </a:ext>
             </a:extLst>
           </p:cNvPr>
@@ -15611,7 +15760,7 @@
           <p:cNvPr id="27" name="Google Shape;374;p44">
             <a:extLst>
               <a:ext uri="{FF2B5EF4-FFF2-40B4-BE49-F238E27FC236}">
-                <a16:creationId xmlns:a16="http://schemas.microsoft.com/office/drawing/2014/main" xmlns="" id="{F5A648B4-9982-4A73-94AB-5F308433C4AC}"/>
+                <a16:creationId xmlns:a16="http://schemas.microsoft.com/office/drawing/2014/main" id="{F5A648B4-9982-4A73-94AB-5F308433C4AC}"/>
               </a:ext>
             </a:extLst>
           </p:cNvPr>
@@ -15919,7 +16068,7 @@
           <p:cNvPr id="15" name="Imagem 14" descr="Desenho com traços pretos em fundo branco&#10;&#10;Descrição gerada automaticamente com confiança baixa">
             <a:extLst>
               <a:ext uri="{FF2B5EF4-FFF2-40B4-BE49-F238E27FC236}">
-                <a16:creationId xmlns:a16="http://schemas.microsoft.com/office/drawing/2014/main" xmlns="" id="{62430470-260F-42BC-97DA-B65C2CE3898C}"/>
+                <a16:creationId xmlns:a16="http://schemas.microsoft.com/office/drawing/2014/main" id="{62430470-260F-42BC-97DA-B65C2CE3898C}"/>
               </a:ext>
             </a:extLst>
           </p:cNvPr>
@@ -15986,7 +16135,7 @@
           <p:cNvPr id="6" name="Retângulo 5">
             <a:extLst>
               <a:ext uri="{FF2B5EF4-FFF2-40B4-BE49-F238E27FC236}">
-                <a16:creationId xmlns:a16="http://schemas.microsoft.com/office/drawing/2014/main" xmlns="" id="{42CCE9F3-2997-4665-9932-A81CB78FFD9C}"/>
+                <a16:creationId xmlns:a16="http://schemas.microsoft.com/office/drawing/2014/main" id="{42CCE9F3-2997-4665-9932-A81CB78FFD9C}"/>
               </a:ext>
             </a:extLst>
           </p:cNvPr>
@@ -16074,7 +16223,7 @@
           <p:cNvPr id="4" name="Imagem 3" descr="Desenho com traços pretos em fundo branco&#10;&#10;Descrição gerada automaticamente com confiança baixa">
             <a:extLst>
               <a:ext uri="{FF2B5EF4-FFF2-40B4-BE49-F238E27FC236}">
-                <a16:creationId xmlns:a16="http://schemas.microsoft.com/office/drawing/2014/main" xmlns="" id="{4D8FEDAC-3813-4084-9334-0DA2140347BE}"/>
+                <a16:creationId xmlns:a16="http://schemas.microsoft.com/office/drawing/2014/main" id="{4D8FEDAC-3813-4084-9334-0DA2140347BE}"/>
               </a:ext>
             </a:extLst>
           </p:cNvPr>
@@ -16104,7 +16253,7 @@
           <p:cNvPr id="2" name="Fluxograma: Armazenamento Interno 1">
             <a:extLst>
               <a:ext uri="{FF2B5EF4-FFF2-40B4-BE49-F238E27FC236}">
-                <a16:creationId xmlns:a16="http://schemas.microsoft.com/office/drawing/2014/main" xmlns="" id="{8C8C27EE-27AF-4727-ACD7-5DBB48B8489C}"/>
+                <a16:creationId xmlns:a16="http://schemas.microsoft.com/office/drawing/2014/main" id="{8C8C27EE-27AF-4727-ACD7-5DBB48B8489C}"/>
               </a:ext>
             </a:extLst>
           </p:cNvPr>
@@ -16266,7 +16415,7 @@
           <p:cNvPr id="9" name="Google Shape;417;p46">
             <a:extLst>
               <a:ext uri="{FF2B5EF4-FFF2-40B4-BE49-F238E27FC236}">
-                <a16:creationId xmlns:a16="http://schemas.microsoft.com/office/drawing/2014/main" xmlns="" id="{CB77E218-4C4B-4752-9724-0C29165E785A}"/>
+                <a16:creationId xmlns:a16="http://schemas.microsoft.com/office/drawing/2014/main" id="{CB77E218-4C4B-4752-9724-0C29165E785A}"/>
               </a:ext>
             </a:extLst>
           </p:cNvPr>
@@ -16568,7 +16717,7 @@
           <p:cNvPr id="13" name="Fluxograma: Armazenamento Interno 12">
             <a:extLst>
               <a:ext uri="{FF2B5EF4-FFF2-40B4-BE49-F238E27FC236}">
-                <a16:creationId xmlns:a16="http://schemas.microsoft.com/office/drawing/2014/main" xmlns="" id="{8802DC62-15A1-4456-8081-0685431C7D48}"/>
+                <a16:creationId xmlns:a16="http://schemas.microsoft.com/office/drawing/2014/main" id="{8802DC62-15A1-4456-8081-0685431C7D48}"/>
               </a:ext>
             </a:extLst>
           </p:cNvPr>
@@ -16730,7 +16879,7 @@
           <p:cNvPr id="14" name="Google Shape;417;p46">
             <a:extLst>
               <a:ext uri="{FF2B5EF4-FFF2-40B4-BE49-F238E27FC236}">
-                <a16:creationId xmlns:a16="http://schemas.microsoft.com/office/drawing/2014/main" xmlns="" id="{826FD412-A1C1-4ACC-9E7E-7084820E6AC6}"/>
+                <a16:creationId xmlns:a16="http://schemas.microsoft.com/office/drawing/2014/main" id="{826FD412-A1C1-4ACC-9E7E-7084820E6AC6}"/>
               </a:ext>
             </a:extLst>
           </p:cNvPr>
@@ -17074,7 +17223,7 @@
           <p:cNvPr id="7" name="Retângulo 6">
             <a:extLst>
               <a:ext uri="{FF2B5EF4-FFF2-40B4-BE49-F238E27FC236}">
-                <a16:creationId xmlns:a16="http://schemas.microsoft.com/office/drawing/2014/main" xmlns="" id="{6B01100F-B5E6-43F2-9776-A2050830B858}"/>
+                <a16:creationId xmlns:a16="http://schemas.microsoft.com/office/drawing/2014/main" id="{6B01100F-B5E6-43F2-9776-A2050830B858}"/>
               </a:ext>
             </a:extLst>
           </p:cNvPr>
@@ -17120,7 +17269,7 @@
           <p:cNvPr id="4" name="Imagem 3" descr="Desenho com traços pretos em fundo branco&#10;&#10;Descrição gerada automaticamente com confiança baixa">
             <a:extLst>
               <a:ext uri="{FF2B5EF4-FFF2-40B4-BE49-F238E27FC236}">
-                <a16:creationId xmlns:a16="http://schemas.microsoft.com/office/drawing/2014/main" xmlns="" id="{4D8FEDAC-3813-4084-9334-0DA2140347BE}"/>
+                <a16:creationId xmlns:a16="http://schemas.microsoft.com/office/drawing/2014/main" id="{4D8FEDAC-3813-4084-9334-0DA2140347BE}"/>
               </a:ext>
             </a:extLst>
           </p:cNvPr>
@@ -17150,7 +17299,7 @@
           <p:cNvPr id="10" name="Imagem 9" descr="Logotipo&#10;&#10;Descrição gerada automaticamente">
             <a:extLst>
               <a:ext uri="{FF2B5EF4-FFF2-40B4-BE49-F238E27FC236}">
-                <a16:creationId xmlns:a16="http://schemas.microsoft.com/office/drawing/2014/main" xmlns="" id="{5D3DE0BE-69EE-4B8E-80B2-F6B18548253F}"/>
+                <a16:creationId xmlns:a16="http://schemas.microsoft.com/office/drawing/2014/main" id="{5D3DE0BE-69EE-4B8E-80B2-F6B18548253F}"/>
               </a:ext>
             </a:extLst>
           </p:cNvPr>
@@ -17180,7 +17329,7 @@
           <p:cNvPr id="11" name="CaixaDeTexto 10">
             <a:extLst>
               <a:ext uri="{FF2B5EF4-FFF2-40B4-BE49-F238E27FC236}">
-                <a16:creationId xmlns:a16="http://schemas.microsoft.com/office/drawing/2014/main" xmlns="" id="{323481BB-041C-4A66-9771-857BA21CA2D7}"/>
+                <a16:creationId xmlns:a16="http://schemas.microsoft.com/office/drawing/2014/main" id="{323481BB-041C-4A66-9771-857BA21CA2D7}"/>
               </a:ext>
             </a:extLst>
           </p:cNvPr>
@@ -17270,7 +17419,7 @@
           <p:cNvPr id="21" name="Imagem 20" descr="Desenho com traços pretos em fundo branco&#10;&#10;Descrição gerada automaticamente com confiança baixa">
             <a:extLst>
               <a:ext uri="{FF2B5EF4-FFF2-40B4-BE49-F238E27FC236}">
-                <a16:creationId xmlns:a16="http://schemas.microsoft.com/office/drawing/2014/main" xmlns="" id="{23EDA186-09B1-46EA-B62A-18E3D84C1473}"/>
+                <a16:creationId xmlns:a16="http://schemas.microsoft.com/office/drawing/2014/main" id="{23EDA186-09B1-46EA-B62A-18E3D84C1473}"/>
               </a:ext>
             </a:extLst>
           </p:cNvPr>
@@ -17300,7 +17449,7 @@
           <p:cNvPr id="3" name="Título 2">
             <a:extLst>
               <a:ext uri="{FF2B5EF4-FFF2-40B4-BE49-F238E27FC236}">
-                <a16:creationId xmlns:a16="http://schemas.microsoft.com/office/drawing/2014/main" xmlns="" id="{8CA70183-A154-44A8-9ED0-7A342B243339}"/>
+                <a16:creationId xmlns:a16="http://schemas.microsoft.com/office/drawing/2014/main" id="{8CA70183-A154-44A8-9ED0-7A342B243339}"/>
               </a:ext>
             </a:extLst>
           </p:cNvPr>
@@ -17325,7 +17474,7 @@
           <p:cNvPr id="22" name="Imagem 21" descr="Interface gráfica do usuário, Aplicativo&#10;&#10;Descrição gerada automaticamente">
             <a:extLst>
               <a:ext uri="{FF2B5EF4-FFF2-40B4-BE49-F238E27FC236}">
-                <a16:creationId xmlns:a16="http://schemas.microsoft.com/office/drawing/2014/main" xmlns="" id="{61C8B5FA-6D89-4BDE-B2EF-4BF4F12ED340}"/>
+                <a16:creationId xmlns:a16="http://schemas.microsoft.com/office/drawing/2014/main" id="{61C8B5FA-6D89-4BDE-B2EF-4BF4F12ED340}"/>
               </a:ext>
             </a:extLst>
           </p:cNvPr>
@@ -17400,7 +17549,7 @@
           <p:cNvPr id="4" name="Retângulo 3">
             <a:extLst>
               <a:ext uri="{FF2B5EF4-FFF2-40B4-BE49-F238E27FC236}">
-                <a16:creationId xmlns:a16="http://schemas.microsoft.com/office/drawing/2014/main" xmlns="" id="{9E7A767D-7089-48B5-B2C9-07B484AC7577}"/>
+                <a16:creationId xmlns:a16="http://schemas.microsoft.com/office/drawing/2014/main" id="{9E7A767D-7089-48B5-B2C9-07B484AC7577}"/>
               </a:ext>
             </a:extLst>
           </p:cNvPr>
@@ -17645,7 +17794,7 @@
           <p:cNvPr id="3" name="Imagem 2">
             <a:extLst>
               <a:ext uri="{FF2B5EF4-FFF2-40B4-BE49-F238E27FC236}">
-                <a16:creationId xmlns:a16="http://schemas.microsoft.com/office/drawing/2014/main" xmlns="" id="{DD6EA363-A002-4559-9448-FBE9D6E67C93}"/>
+                <a16:creationId xmlns:a16="http://schemas.microsoft.com/office/drawing/2014/main" id="{DD6EA363-A002-4559-9448-FBE9D6E67C93}"/>
               </a:ext>
             </a:extLst>
           </p:cNvPr>
@@ -17675,7 +17824,7 @@
           <p:cNvPr id="9" name="Imagem 8" descr="Desenho com traços pretos em fundo branco&#10;&#10;Descrição gerada automaticamente com confiança baixa">
             <a:extLst>
               <a:ext uri="{FF2B5EF4-FFF2-40B4-BE49-F238E27FC236}">
-                <a16:creationId xmlns:a16="http://schemas.microsoft.com/office/drawing/2014/main" xmlns="" id="{913DED4F-9272-43AC-A541-ABDBFDDA508D}"/>
+                <a16:creationId xmlns:a16="http://schemas.microsoft.com/office/drawing/2014/main" id="{913DED4F-9272-43AC-A541-ABDBFDDA508D}"/>
               </a:ext>
             </a:extLst>
           </p:cNvPr>
@@ -18012,7 +18161,7 @@
           <p:cNvPr id="8" name="Imagem 7">
             <a:extLst>
               <a:ext uri="{FF2B5EF4-FFF2-40B4-BE49-F238E27FC236}">
-                <a16:creationId xmlns:a16="http://schemas.microsoft.com/office/drawing/2014/main" xmlns="" id="{C3BB9D16-CEFD-44A4-AEED-C0E24B505976}"/>
+                <a16:creationId xmlns:a16="http://schemas.microsoft.com/office/drawing/2014/main" id="{C3BB9D16-CEFD-44A4-AEED-C0E24B505976}"/>
               </a:ext>
             </a:extLst>
           </p:cNvPr>
@@ -18042,7 +18191,7 @@
           <p:cNvPr id="9" name="Imagem 8" descr="Desenho com traços pretos em fundo branco&#10;&#10;Descrição gerada automaticamente com confiança baixa">
             <a:extLst>
               <a:ext uri="{FF2B5EF4-FFF2-40B4-BE49-F238E27FC236}">
-                <a16:creationId xmlns:a16="http://schemas.microsoft.com/office/drawing/2014/main" xmlns="" id="{F181E95B-B182-4EB0-B67D-FAF4D35D477B}"/>
+                <a16:creationId xmlns:a16="http://schemas.microsoft.com/office/drawing/2014/main" id="{F181E95B-B182-4EB0-B67D-FAF4D35D477B}"/>
               </a:ext>
             </a:extLst>
           </p:cNvPr>

--- a/Apresentação.pptx
+++ b/Apresentação.pptx
@@ -24,12 +24,12 @@
   <p:notesSz cx="6858000" cy="9144000"/>
   <p:embeddedFontLst>
     <p:embeddedFont>
-      <p:font typeface="Brush Script MT" panose="03060802040406070304" pitchFamily="66" charset="0"/>
-      <p:italic r:id="rId14"/>
+      <p:font typeface="Didact Gothic" panose="020B0604020202020204" charset="0"/>
+      <p:regular r:id="rId14"/>
     </p:embeddedFont>
     <p:embeddedFont>
-      <p:font typeface="Didact Gothic" panose="020B0604020202020204" charset="0"/>
-      <p:regular r:id="rId15"/>
+      <p:font typeface="Brush Script MT" panose="03060802040406070304" pitchFamily="66" charset="0"/>
+      <p:italic r:id="rId15"/>
     </p:embeddedFont>
     <p:embeddedFont>
       <p:font typeface="Michroma" panose="020B0604020202020204" charset="0"/>
@@ -4293,7 +4293,7 @@
                 <a:hlinkClick r:id="rId2">
                   <a:extLst>
                     <a:ext uri="{A12FA001-AC4F-418D-AE19-62706E023703}">
-                      <ahyp:hlinkClr xmlns:ahyp="http://schemas.microsoft.com/office/drawing/2018/hyperlinkcolor" val="tx"/>
+                      <ahyp:hlinkClr xmlns:ahyp="http://schemas.microsoft.com/office/drawing/2018/hyperlinkcolor" xmlns="" val="tx"/>
                     </a:ext>
                   </a:extLst>
                 </a:hlinkClick>
@@ -4327,7 +4327,7 @@
                 <a:hlinkClick r:id="rId3">
                   <a:extLst>
                     <a:ext uri="{A12FA001-AC4F-418D-AE19-62706E023703}">
-                      <ahyp:hlinkClr xmlns:ahyp="http://schemas.microsoft.com/office/drawing/2018/hyperlinkcolor" val="tx"/>
+                      <ahyp:hlinkClr xmlns:ahyp="http://schemas.microsoft.com/office/drawing/2018/hyperlinkcolor" xmlns="" val="tx"/>
                     </a:ext>
                   </a:extLst>
                 </a:hlinkClick>
@@ -4361,7 +4361,7 @@
                 <a:hlinkClick r:id="rId4">
                   <a:extLst>
                     <a:ext uri="{A12FA001-AC4F-418D-AE19-62706E023703}">
-                      <ahyp:hlinkClr xmlns:ahyp="http://schemas.microsoft.com/office/drawing/2018/hyperlinkcolor" val="tx"/>
+                      <ahyp:hlinkClr xmlns:ahyp="http://schemas.microsoft.com/office/drawing/2018/hyperlinkcolor" xmlns="" val="tx"/>
                     </a:ext>
                   </a:extLst>
                 </a:hlinkClick>
@@ -11247,7 +11247,7 @@
           <p:cNvPr id="10" name="Imagem 9" descr="Desenho com traços pretos em fundo branco&#10;&#10;Descrição gerada automaticamente com confiança baixa">
             <a:extLst>
               <a:ext uri="{FF2B5EF4-FFF2-40B4-BE49-F238E27FC236}">
-                <a16:creationId xmlns:a16="http://schemas.microsoft.com/office/drawing/2014/main" id="{71756BF8-A283-4F27-B2A8-51EBC71121CF}"/>
+                <a16:creationId xmlns:a16="http://schemas.microsoft.com/office/drawing/2014/main" xmlns="" id="{71756BF8-A283-4F27-B2A8-51EBC71121CF}"/>
               </a:ext>
             </a:extLst>
           </p:cNvPr>
@@ -11953,7 +11953,7 @@
           <p:cNvPr id="3" name="Imagem 2">
             <a:extLst>
               <a:ext uri="{FF2B5EF4-FFF2-40B4-BE49-F238E27FC236}">
-                <a16:creationId xmlns:a16="http://schemas.microsoft.com/office/drawing/2014/main" id="{4D0B2BF1-B08C-422A-8BE5-3C2DFDCA1225}"/>
+                <a16:creationId xmlns:a16="http://schemas.microsoft.com/office/drawing/2014/main" xmlns="" id="{4D0B2BF1-B08C-422A-8BE5-3C2DFDCA1225}"/>
               </a:ext>
             </a:extLst>
           </p:cNvPr>
@@ -12225,7 +12225,7 @@
           <p:cNvPr id="6" name="Retângulo 5">
             <a:extLst>
               <a:ext uri="{FF2B5EF4-FFF2-40B4-BE49-F238E27FC236}">
-                <a16:creationId xmlns:a16="http://schemas.microsoft.com/office/drawing/2014/main" id="{9590ADF8-6AFF-4C6B-92F7-E44DA4715CD0}"/>
+                <a16:creationId xmlns:a16="http://schemas.microsoft.com/office/drawing/2014/main" xmlns="" id="{9590ADF8-6AFF-4C6B-92F7-E44DA4715CD0}"/>
               </a:ext>
             </a:extLst>
           </p:cNvPr>
@@ -12271,7 +12271,7 @@
           <p:cNvPr id="3" name="Imagem 2" descr="Logotipo&#10;&#10;Descrição gerada automaticamente">
             <a:extLst>
               <a:ext uri="{FF2B5EF4-FFF2-40B4-BE49-F238E27FC236}">
-                <a16:creationId xmlns:a16="http://schemas.microsoft.com/office/drawing/2014/main" id="{FADC4038-F57E-4F7D-ADC3-0B909A05A33B}"/>
+                <a16:creationId xmlns:a16="http://schemas.microsoft.com/office/drawing/2014/main" xmlns="" id="{FADC4038-F57E-4F7D-ADC3-0B909A05A33B}"/>
               </a:ext>
             </a:extLst>
           </p:cNvPr>
@@ -12301,7 +12301,7 @@
           <p:cNvPr id="18" name="Google Shape;894;p73">
             <a:extLst>
               <a:ext uri="{FF2B5EF4-FFF2-40B4-BE49-F238E27FC236}">
-                <a16:creationId xmlns:a16="http://schemas.microsoft.com/office/drawing/2014/main" id="{0FD784DE-A7F8-4B82-9CBA-85AFDB66D5CA}"/>
+                <a16:creationId xmlns:a16="http://schemas.microsoft.com/office/drawing/2014/main" xmlns="" id="{0FD784DE-A7F8-4B82-9CBA-85AFDB66D5CA}"/>
               </a:ext>
             </a:extLst>
           </p:cNvPr>
@@ -12351,7 +12351,7 @@
           <p:cNvPr id="5" name="Imagem 4" descr="Logotipo&#10;&#10;Descrição gerada automaticamente">
             <a:extLst>
               <a:ext uri="{FF2B5EF4-FFF2-40B4-BE49-F238E27FC236}">
-                <a16:creationId xmlns:a16="http://schemas.microsoft.com/office/drawing/2014/main" id="{893A936E-20B5-42F0-B003-402A90E58F9A}"/>
+                <a16:creationId xmlns:a16="http://schemas.microsoft.com/office/drawing/2014/main" xmlns="" id="{893A936E-20B5-42F0-B003-402A90E58F9A}"/>
               </a:ext>
             </a:extLst>
           </p:cNvPr>
@@ -12403,7 +12403,7 @@
           <p:cNvPr id="21" name="Google Shape;894;p73">
             <a:extLst>
               <a:ext uri="{FF2B5EF4-FFF2-40B4-BE49-F238E27FC236}">
-                <a16:creationId xmlns:a16="http://schemas.microsoft.com/office/drawing/2014/main" id="{640D94A8-1216-45C5-A607-1536378FE2F0}"/>
+                <a16:creationId xmlns:a16="http://schemas.microsoft.com/office/drawing/2014/main" xmlns="" id="{640D94A8-1216-45C5-A607-1536378FE2F0}"/>
               </a:ext>
             </a:extLst>
           </p:cNvPr>
@@ -12453,7 +12453,7 @@
           <p:cNvPr id="2" name="Retângulo 1">
             <a:extLst>
               <a:ext uri="{FF2B5EF4-FFF2-40B4-BE49-F238E27FC236}">
-                <a16:creationId xmlns:a16="http://schemas.microsoft.com/office/drawing/2014/main" id="{763DB53B-4A1B-4006-BC38-A9D6DEAD6E27}"/>
+                <a16:creationId xmlns:a16="http://schemas.microsoft.com/office/drawing/2014/main" xmlns="" id="{763DB53B-4A1B-4006-BC38-A9D6DEAD6E27}"/>
               </a:ext>
             </a:extLst>
           </p:cNvPr>
@@ -12499,7 +12499,7 @@
           <p:cNvPr id="7" name="Imagem 6" descr="Desenho com traços pretos em fundo branco&#10;&#10;Descrição gerada automaticamente com confiança baixa">
             <a:extLst>
               <a:ext uri="{FF2B5EF4-FFF2-40B4-BE49-F238E27FC236}">
-                <a16:creationId xmlns:a16="http://schemas.microsoft.com/office/drawing/2014/main" id="{2870108A-08B9-4FB6-8B53-394D832035AA}"/>
+                <a16:creationId xmlns:a16="http://schemas.microsoft.com/office/drawing/2014/main" xmlns="" id="{2870108A-08B9-4FB6-8B53-394D832035AA}"/>
               </a:ext>
             </a:extLst>
           </p:cNvPr>
@@ -12529,7 +12529,7 @@
           <p:cNvPr id="9" name="CaixaDeTexto 8">
             <a:extLst>
               <a:ext uri="{FF2B5EF4-FFF2-40B4-BE49-F238E27FC236}">
-                <a16:creationId xmlns:a16="http://schemas.microsoft.com/office/drawing/2014/main" id="{82EA96C9-9457-4663-95D6-8DBE7CDE52B9}"/>
+                <a16:creationId xmlns:a16="http://schemas.microsoft.com/office/drawing/2014/main" xmlns="" id="{82EA96C9-9457-4663-95D6-8DBE7CDE52B9}"/>
               </a:ext>
             </a:extLst>
           </p:cNvPr>
@@ -12568,7 +12568,7 @@
           <p:cNvPr id="19" name="Google Shape;9442;p90">
             <a:extLst>
               <a:ext uri="{FF2B5EF4-FFF2-40B4-BE49-F238E27FC236}">
-                <a16:creationId xmlns:a16="http://schemas.microsoft.com/office/drawing/2014/main" id="{0F10B794-8545-4939-A269-8FDE5D06159A}"/>
+                <a16:creationId xmlns:a16="http://schemas.microsoft.com/office/drawing/2014/main" xmlns="" id="{0F10B794-8545-4939-A269-8FDE5D06159A}"/>
               </a:ext>
             </a:extLst>
           </p:cNvPr>
@@ -12906,7 +12906,7 @@
           <p:cNvPr id="3" name="Imagem 2" descr="Desenho com traços pretos em fundo branco&#10;&#10;Descrição gerada automaticamente com confiança baixa">
             <a:extLst>
               <a:ext uri="{FF2B5EF4-FFF2-40B4-BE49-F238E27FC236}">
-                <a16:creationId xmlns:a16="http://schemas.microsoft.com/office/drawing/2014/main" id="{B4DC6BF9-6BD6-4AFF-9859-9FD26ABFCDDF}"/>
+                <a16:creationId xmlns:a16="http://schemas.microsoft.com/office/drawing/2014/main" xmlns="" id="{B4DC6BF9-6BD6-4AFF-9859-9FD26ABFCDDF}"/>
               </a:ext>
             </a:extLst>
           </p:cNvPr>
@@ -12936,7 +12936,7 @@
           <p:cNvPr id="7" name="Imagem 6" descr="Foto editada de homem com óculos de grau&#10;&#10;Descrição gerada automaticamente">
             <a:extLst>
               <a:ext uri="{FF2B5EF4-FFF2-40B4-BE49-F238E27FC236}">
-                <a16:creationId xmlns:a16="http://schemas.microsoft.com/office/drawing/2014/main" id="{67D53509-AEA2-4729-994A-DA0FA518DB76}"/>
+                <a16:creationId xmlns:a16="http://schemas.microsoft.com/office/drawing/2014/main" xmlns="" id="{67D53509-AEA2-4729-994A-DA0FA518DB76}"/>
               </a:ext>
             </a:extLst>
           </p:cNvPr>
@@ -13010,7 +13010,7 @@
           <p:cNvPr id="9" name="Imagem 8" descr="Tela de celular com foto de homem&#10;&#10;Descrição gerada automaticamente com confiança média">
             <a:extLst>
               <a:ext uri="{FF2B5EF4-FFF2-40B4-BE49-F238E27FC236}">
-                <a16:creationId xmlns:a16="http://schemas.microsoft.com/office/drawing/2014/main" id="{B1DCEF26-ABE1-4ED1-A39E-9A710624C1AA}"/>
+                <a16:creationId xmlns:a16="http://schemas.microsoft.com/office/drawing/2014/main" xmlns="" id="{B1DCEF26-ABE1-4ED1-A39E-9A710624C1AA}"/>
               </a:ext>
             </a:extLst>
           </p:cNvPr>
@@ -13088,7 +13088,7 @@
           <p:cNvPr id="23" name="Imagem 22" descr="Desenho de uma pessoa&#10;&#10;Descrição gerada automaticamente com confiança média">
             <a:extLst>
               <a:ext uri="{FF2B5EF4-FFF2-40B4-BE49-F238E27FC236}">
-                <a16:creationId xmlns:a16="http://schemas.microsoft.com/office/drawing/2014/main" id="{AAE81B5D-3D43-4958-8696-FCC846D1203A}"/>
+                <a16:creationId xmlns:a16="http://schemas.microsoft.com/office/drawing/2014/main" xmlns="" id="{AAE81B5D-3D43-4958-8696-FCC846D1203A}"/>
               </a:ext>
             </a:extLst>
           </p:cNvPr>
@@ -13118,7 +13118,7 @@
           <p:cNvPr id="24" name="Google Shape;892;p73">
             <a:extLst>
               <a:ext uri="{FF2B5EF4-FFF2-40B4-BE49-F238E27FC236}">
-                <a16:creationId xmlns:a16="http://schemas.microsoft.com/office/drawing/2014/main" id="{5921E98B-0DD7-40EF-87E0-5D235D17ADB9}"/>
+                <a16:creationId xmlns:a16="http://schemas.microsoft.com/office/drawing/2014/main" xmlns="" id="{5921E98B-0DD7-40EF-87E0-5D235D17ADB9}"/>
               </a:ext>
             </a:extLst>
           </p:cNvPr>
@@ -13168,7 +13168,7 @@
           <p:cNvPr id="25" name="Google Shape;887;p73">
             <a:extLst>
               <a:ext uri="{FF2B5EF4-FFF2-40B4-BE49-F238E27FC236}">
-                <a16:creationId xmlns:a16="http://schemas.microsoft.com/office/drawing/2014/main" id="{AA2C1B67-D26B-4635-8D6D-F5E403CA61FB}"/>
+                <a16:creationId xmlns:a16="http://schemas.microsoft.com/office/drawing/2014/main" xmlns="" id="{AA2C1B67-D26B-4635-8D6D-F5E403CA61FB}"/>
               </a:ext>
             </a:extLst>
           </p:cNvPr>
@@ -13462,7 +13462,7 @@
           <p:cNvPr id="28" name="Imagem 27" descr="Pessoa com cabelo roxo&#10;&#10;Descrição gerada automaticamente com confiança média">
             <a:extLst>
               <a:ext uri="{FF2B5EF4-FFF2-40B4-BE49-F238E27FC236}">
-                <a16:creationId xmlns:a16="http://schemas.microsoft.com/office/drawing/2014/main" id="{E0A9C958-8E14-45C9-9F27-A0DF71D15DB4}"/>
+                <a16:creationId xmlns:a16="http://schemas.microsoft.com/office/drawing/2014/main" xmlns="" id="{E0A9C958-8E14-45C9-9F27-A0DF71D15DB4}"/>
               </a:ext>
             </a:extLst>
           </p:cNvPr>
@@ -13492,7 +13492,7 @@
           <p:cNvPr id="29" name="Google Shape;894;p73">
             <a:extLst>
               <a:ext uri="{FF2B5EF4-FFF2-40B4-BE49-F238E27FC236}">
-                <a16:creationId xmlns:a16="http://schemas.microsoft.com/office/drawing/2014/main" id="{06280BD7-AA72-46ED-81BE-93081D5219F7}"/>
+                <a16:creationId xmlns:a16="http://schemas.microsoft.com/office/drawing/2014/main" xmlns="" id="{06280BD7-AA72-46ED-81BE-93081D5219F7}"/>
               </a:ext>
             </a:extLst>
           </p:cNvPr>
@@ -13546,7 +13546,7 @@
           <p:cNvPr id="30" name="Google Shape;889;p73">
             <a:extLst>
               <a:ext uri="{FF2B5EF4-FFF2-40B4-BE49-F238E27FC236}">
-                <a16:creationId xmlns:a16="http://schemas.microsoft.com/office/drawing/2014/main" id="{9B3D5A38-0CAF-4238-8C3F-10C385A83AB6}"/>
+                <a16:creationId xmlns:a16="http://schemas.microsoft.com/office/drawing/2014/main" xmlns="" id="{9B3D5A38-0CAF-4238-8C3F-10C385A83AB6}"/>
               </a:ext>
             </a:extLst>
           </p:cNvPr>
@@ -13840,7 +13840,7 @@
           <p:cNvPr id="31" name="Imagem 30" descr="Foto de rosto de pessoa visto de perto&#10;&#10;Descrição gerada automaticamente com confiança média">
             <a:extLst>
               <a:ext uri="{FF2B5EF4-FFF2-40B4-BE49-F238E27FC236}">
-                <a16:creationId xmlns:a16="http://schemas.microsoft.com/office/drawing/2014/main" id="{35436FC8-B467-4A32-9998-24CB24348A5A}"/>
+                <a16:creationId xmlns:a16="http://schemas.microsoft.com/office/drawing/2014/main" xmlns="" id="{35436FC8-B467-4A32-9998-24CB24348A5A}"/>
               </a:ext>
             </a:extLst>
           </p:cNvPr>
@@ -13870,7 +13870,7 @@
           <p:cNvPr id="32" name="Google Shape;892;p73">
             <a:extLst>
               <a:ext uri="{FF2B5EF4-FFF2-40B4-BE49-F238E27FC236}">
-                <a16:creationId xmlns:a16="http://schemas.microsoft.com/office/drawing/2014/main" id="{0539093D-FF4E-4B14-B1C2-80B1EE827D4A}"/>
+                <a16:creationId xmlns:a16="http://schemas.microsoft.com/office/drawing/2014/main" xmlns="" id="{0539093D-FF4E-4B14-B1C2-80B1EE827D4A}"/>
               </a:ext>
             </a:extLst>
           </p:cNvPr>
@@ -13920,7 +13920,7 @@
           <p:cNvPr id="33" name="Google Shape;887;p73">
             <a:extLst>
               <a:ext uri="{FF2B5EF4-FFF2-40B4-BE49-F238E27FC236}">
-                <a16:creationId xmlns:a16="http://schemas.microsoft.com/office/drawing/2014/main" id="{D285D71E-6278-4663-852C-CC69E73C3EBF}"/>
+                <a16:creationId xmlns:a16="http://schemas.microsoft.com/office/drawing/2014/main" xmlns="" id="{D285D71E-6278-4663-852C-CC69E73C3EBF}"/>
               </a:ext>
             </a:extLst>
           </p:cNvPr>
@@ -14256,7 +14256,7 @@
           <p:cNvPr id="3" name="Imagem 2" descr="Linha do tempo&#10;&#10;Descrição gerada automaticamente">
             <a:extLst>
               <a:ext uri="{FF2B5EF4-FFF2-40B4-BE49-F238E27FC236}">
-                <a16:creationId xmlns:a16="http://schemas.microsoft.com/office/drawing/2014/main" id="{D52999EF-F20A-4E08-A1A5-628CC3076F53}"/>
+                <a16:creationId xmlns:a16="http://schemas.microsoft.com/office/drawing/2014/main" xmlns="" id="{D52999EF-F20A-4E08-A1A5-628CC3076F53}"/>
               </a:ext>
             </a:extLst>
           </p:cNvPr>
@@ -14328,7 +14328,7 @@
           <p:cNvPr id="21" name="Retângulo 20">
             <a:extLst>
               <a:ext uri="{FF2B5EF4-FFF2-40B4-BE49-F238E27FC236}">
-                <a16:creationId xmlns:a16="http://schemas.microsoft.com/office/drawing/2014/main" id="{7B938AF4-719E-4AB4-88BE-4357C82DF926}"/>
+                <a16:creationId xmlns:a16="http://schemas.microsoft.com/office/drawing/2014/main" xmlns="" id="{7B938AF4-719E-4AB4-88BE-4357C82DF926}"/>
               </a:ext>
             </a:extLst>
           </p:cNvPr>
@@ -14708,7 +14708,7 @@
           <p:cNvPr id="1026" name="Picture 2">
             <a:extLst>
               <a:ext uri="{FF2B5EF4-FFF2-40B4-BE49-F238E27FC236}">
-                <a16:creationId xmlns:a16="http://schemas.microsoft.com/office/drawing/2014/main" id="{E7C79143-28EE-4D5E-94D8-5FEA59D258F3}"/>
+                <a16:creationId xmlns:a16="http://schemas.microsoft.com/office/drawing/2014/main" xmlns="" id="{E7C79143-28EE-4D5E-94D8-5FEA59D258F3}"/>
               </a:ext>
             </a:extLst>
           </p:cNvPr>
@@ -14760,7 +14760,7 @@
           <p:cNvPr id="14" name="Text Box 11">
             <a:extLst>
               <a:ext uri="{FF2B5EF4-FFF2-40B4-BE49-F238E27FC236}">
-                <a16:creationId xmlns:a16="http://schemas.microsoft.com/office/drawing/2014/main" id="{435F1C02-2DE8-4823-AF55-31EB7DDA0B79}"/>
+                <a16:creationId xmlns:a16="http://schemas.microsoft.com/office/drawing/2014/main" xmlns="" id="{435F1C02-2DE8-4823-AF55-31EB7DDA0B79}"/>
               </a:ext>
             </a:extLst>
           </p:cNvPr>
@@ -14835,7 +14835,7 @@
           <p:cNvPr id="23" name="Google Shape;374;p44">
             <a:extLst>
               <a:ext uri="{FF2B5EF4-FFF2-40B4-BE49-F238E27FC236}">
-                <a16:creationId xmlns:a16="http://schemas.microsoft.com/office/drawing/2014/main" id="{2F33C80D-5F69-4325-9EED-F885BD6D4EA3}"/>
+                <a16:creationId xmlns:a16="http://schemas.microsoft.com/office/drawing/2014/main" xmlns="" id="{2F33C80D-5F69-4325-9EED-F885BD6D4EA3}"/>
               </a:ext>
             </a:extLst>
           </p:cNvPr>
@@ -15143,7 +15143,7 @@
           <p:cNvPr id="24" name="Google Shape;374;p44">
             <a:extLst>
               <a:ext uri="{FF2B5EF4-FFF2-40B4-BE49-F238E27FC236}">
-                <a16:creationId xmlns:a16="http://schemas.microsoft.com/office/drawing/2014/main" id="{4A5D79FB-B7F5-424E-958E-83CEEE54F1D2}"/>
+                <a16:creationId xmlns:a16="http://schemas.microsoft.com/office/drawing/2014/main" xmlns="" id="{4A5D79FB-B7F5-424E-958E-83CEEE54F1D2}"/>
               </a:ext>
             </a:extLst>
           </p:cNvPr>
@@ -15451,7 +15451,7 @@
           <p:cNvPr id="25" name="Google Shape;374;p44">
             <a:extLst>
               <a:ext uri="{FF2B5EF4-FFF2-40B4-BE49-F238E27FC236}">
-                <a16:creationId xmlns:a16="http://schemas.microsoft.com/office/drawing/2014/main" id="{21CC74BA-FCA9-4D81-AF53-EF1BDDAF993F}"/>
+                <a16:creationId xmlns:a16="http://schemas.microsoft.com/office/drawing/2014/main" xmlns="" id="{21CC74BA-FCA9-4D81-AF53-EF1BDDAF993F}"/>
               </a:ext>
             </a:extLst>
           </p:cNvPr>
@@ -15760,7 +15760,7 @@
           <p:cNvPr id="27" name="Google Shape;374;p44">
             <a:extLst>
               <a:ext uri="{FF2B5EF4-FFF2-40B4-BE49-F238E27FC236}">
-                <a16:creationId xmlns:a16="http://schemas.microsoft.com/office/drawing/2014/main" id="{F5A648B4-9982-4A73-94AB-5F308433C4AC}"/>
+                <a16:creationId xmlns:a16="http://schemas.microsoft.com/office/drawing/2014/main" xmlns="" id="{F5A648B4-9982-4A73-94AB-5F308433C4AC}"/>
               </a:ext>
             </a:extLst>
           </p:cNvPr>
@@ -16068,7 +16068,7 @@
           <p:cNvPr id="15" name="Imagem 14" descr="Desenho com traços pretos em fundo branco&#10;&#10;Descrição gerada automaticamente com confiança baixa">
             <a:extLst>
               <a:ext uri="{FF2B5EF4-FFF2-40B4-BE49-F238E27FC236}">
-                <a16:creationId xmlns:a16="http://schemas.microsoft.com/office/drawing/2014/main" id="{62430470-260F-42BC-97DA-B65C2CE3898C}"/>
+                <a16:creationId xmlns:a16="http://schemas.microsoft.com/office/drawing/2014/main" xmlns="" id="{62430470-260F-42BC-97DA-B65C2CE3898C}"/>
               </a:ext>
             </a:extLst>
           </p:cNvPr>
@@ -16135,7 +16135,7 @@
           <p:cNvPr id="6" name="Retângulo 5">
             <a:extLst>
               <a:ext uri="{FF2B5EF4-FFF2-40B4-BE49-F238E27FC236}">
-                <a16:creationId xmlns:a16="http://schemas.microsoft.com/office/drawing/2014/main" id="{42CCE9F3-2997-4665-9932-A81CB78FFD9C}"/>
+                <a16:creationId xmlns:a16="http://schemas.microsoft.com/office/drawing/2014/main" xmlns="" id="{42CCE9F3-2997-4665-9932-A81CB78FFD9C}"/>
               </a:ext>
             </a:extLst>
           </p:cNvPr>
@@ -16223,7 +16223,7 @@
           <p:cNvPr id="4" name="Imagem 3" descr="Desenho com traços pretos em fundo branco&#10;&#10;Descrição gerada automaticamente com confiança baixa">
             <a:extLst>
               <a:ext uri="{FF2B5EF4-FFF2-40B4-BE49-F238E27FC236}">
-                <a16:creationId xmlns:a16="http://schemas.microsoft.com/office/drawing/2014/main" id="{4D8FEDAC-3813-4084-9334-0DA2140347BE}"/>
+                <a16:creationId xmlns:a16="http://schemas.microsoft.com/office/drawing/2014/main" xmlns="" id="{4D8FEDAC-3813-4084-9334-0DA2140347BE}"/>
               </a:ext>
             </a:extLst>
           </p:cNvPr>
@@ -16253,7 +16253,7 @@
           <p:cNvPr id="2" name="Fluxograma: Armazenamento Interno 1">
             <a:extLst>
               <a:ext uri="{FF2B5EF4-FFF2-40B4-BE49-F238E27FC236}">
-                <a16:creationId xmlns:a16="http://schemas.microsoft.com/office/drawing/2014/main" id="{8C8C27EE-27AF-4727-ACD7-5DBB48B8489C}"/>
+                <a16:creationId xmlns:a16="http://schemas.microsoft.com/office/drawing/2014/main" xmlns="" id="{8C8C27EE-27AF-4727-ACD7-5DBB48B8489C}"/>
               </a:ext>
             </a:extLst>
           </p:cNvPr>
@@ -16294,7 +16294,7 @@
           <a:bodyPr rtlCol="0" anchor="ctr"/>
           <a:lstStyle/>
           <a:p>
-            <a:pPr marL="0" marR="0" lvl="0" indent="0" algn="ctr" defTabSz="914400" rtl="0" eaLnBrk="1" fontAlgn="auto" latinLnBrk="0" hangingPunct="1">
+            <a:pPr marL="0" marR="0" lvl="0" indent="0" defTabSz="914400" rtl="0" eaLnBrk="1" fontAlgn="auto" latinLnBrk="0" hangingPunct="1">
               <a:lnSpc>
                 <a:spcPct val="100000"/>
               </a:lnSpc>
@@ -16314,7 +16314,7 @@
               <a:defRPr/>
             </a:pPr>
             <a:r>
-              <a:rPr kumimoji="0" lang="pt-BR" sz="2600" b="0" i="0" u="none" strike="noStrike" kern="0" cap="none" spc="0" normalizeH="0" baseline="0" noProof="0" dirty="0">
+              <a:rPr kumimoji="0" lang="pt-BR" sz="2400" b="0" i="0" u="none" strike="noStrike" kern="0" cap="none" spc="0" normalizeH="0" baseline="0" noProof="0" dirty="0">
                 <a:ln>
                   <a:noFill/>
                 </a:ln>
@@ -16331,7 +16331,7 @@
             </a:r>
           </a:p>
           <a:p>
-            <a:pPr marL="0" marR="0" lvl="0" indent="0" algn="ctr" defTabSz="914400" rtl="0" eaLnBrk="1" fontAlgn="auto" latinLnBrk="0" hangingPunct="1">
+            <a:pPr marL="0" marR="0" lvl="0" indent="0" defTabSz="914400" rtl="0" eaLnBrk="1" fontAlgn="auto" latinLnBrk="0" hangingPunct="1">
               <a:lnSpc>
                 <a:spcPct val="100000"/>
               </a:lnSpc>
@@ -16351,7 +16351,7 @@
               <a:defRPr/>
             </a:pPr>
             <a:r>
-              <a:rPr kumimoji="0" lang="pt-BR" sz="2600" b="0" i="0" u="none" strike="noStrike" kern="0" cap="none" spc="0" normalizeH="0" baseline="0" noProof="0" dirty="0">
+              <a:rPr kumimoji="0" lang="pt-BR" sz="2400" b="0" i="0" u="none" strike="noStrike" kern="0" cap="none" spc="0" normalizeH="0" baseline="0" noProof="0" dirty="0" smtClean="0">
                 <a:ln>
                   <a:noFill/>
                 </a:ln>
@@ -16364,31 +16364,10 @@
                 <a:latin typeface="Didact Gothic"/>
                 <a:sym typeface="Didact Gothic"/>
               </a:rPr>
-              <a:t>Quero uma solução</a:t>
+              <a:t>Quero receber</a:t>
             </a:r>
-          </a:p>
-          <a:p>
-            <a:pPr marL="0" marR="0" lvl="0" indent="0" algn="ctr" defTabSz="914400" rtl="0" eaLnBrk="1" fontAlgn="auto" latinLnBrk="0" hangingPunct="1">
-              <a:lnSpc>
-                <a:spcPct val="100000"/>
-              </a:lnSpc>
-              <a:spcBef>
-                <a:spcPts val="0"/>
-              </a:spcBef>
-              <a:spcAft>
-                <a:spcPts val="0"/>
-              </a:spcAft>
-              <a:buClr>
-                <a:srgbClr val="FFFFFF"/>
-              </a:buClr>
-              <a:buSzPts val="2400"/>
-              <a:buFont typeface="Didact Gothic"/>
-              <a:buNone/>
-              <a:tabLst/>
-              <a:defRPr/>
-            </a:pPr>
             <a:r>
-              <a:rPr kumimoji="0" lang="pt-BR" sz="2600" b="0" i="0" u="none" strike="noStrike" kern="0" cap="none" spc="0" normalizeH="0" baseline="0" noProof="0" dirty="0">
+              <a:rPr kumimoji="0" lang="pt-BR" sz="2400" b="0" i="0" u="none" strike="noStrike" kern="0" cap="none" spc="0" normalizeH="0" noProof="0" dirty="0" smtClean="0">
                 <a:ln>
                   <a:noFill/>
                 </a:ln>
@@ -16401,12 +16380,9 @@
                 <a:latin typeface="Didact Gothic"/>
                 <a:sym typeface="Didact Gothic"/>
               </a:rPr>
-              <a:t>Para me avisar antes das máquinas desligarem.</a:t>
+              <a:t> uma mensagem caso alguma maquina superaqueça, para que eu possa agir antes que ela desligue.</a:t>
             </a:r>
-          </a:p>
-          <a:p>
-            <a:pPr algn="ctr"/>
-            <a:endParaRPr lang="pt-BR" dirty="0"/>
+            <a:endParaRPr lang="pt-BR" sz="1200" dirty="0"/>
           </a:p>
         </p:txBody>
       </p:sp>
@@ -16415,7 +16391,7 @@
           <p:cNvPr id="9" name="Google Shape;417;p46">
             <a:extLst>
               <a:ext uri="{FF2B5EF4-FFF2-40B4-BE49-F238E27FC236}">
-                <a16:creationId xmlns:a16="http://schemas.microsoft.com/office/drawing/2014/main" id="{CB77E218-4C4B-4752-9724-0C29165E785A}"/>
+                <a16:creationId xmlns:a16="http://schemas.microsoft.com/office/drawing/2014/main" xmlns="" id="{CB77E218-4C4B-4752-9724-0C29165E785A}"/>
               </a:ext>
             </a:extLst>
           </p:cNvPr>
@@ -16717,7 +16693,7 @@
           <p:cNvPr id="13" name="Fluxograma: Armazenamento Interno 12">
             <a:extLst>
               <a:ext uri="{FF2B5EF4-FFF2-40B4-BE49-F238E27FC236}">
-                <a16:creationId xmlns:a16="http://schemas.microsoft.com/office/drawing/2014/main" id="{8802DC62-15A1-4456-8081-0685431C7D48}"/>
+                <a16:creationId xmlns:a16="http://schemas.microsoft.com/office/drawing/2014/main" xmlns="" id="{8802DC62-15A1-4456-8081-0685431C7D48}"/>
               </a:ext>
             </a:extLst>
           </p:cNvPr>
@@ -16758,7 +16734,7 @@
           <a:bodyPr rtlCol="0" anchor="ctr"/>
           <a:lstStyle/>
           <a:p>
-            <a:pPr marL="0" marR="0" lvl="0" indent="0" algn="ctr" defTabSz="914400" rtl="0" eaLnBrk="1" fontAlgn="auto" latinLnBrk="0" hangingPunct="1">
+            <a:pPr marL="0" marR="0" lvl="0" indent="0" defTabSz="914400" rtl="0" eaLnBrk="1" fontAlgn="auto" latinLnBrk="0" hangingPunct="1">
               <a:lnSpc>
                 <a:spcPct val="100000"/>
               </a:lnSpc>
@@ -16778,7 +16754,7 @@
               <a:defRPr/>
             </a:pPr>
             <a:r>
-              <a:rPr kumimoji="0" lang="pt-BR" sz="2600" b="0" i="0" u="none" strike="noStrike" kern="0" cap="none" spc="0" normalizeH="0" baseline="0" noProof="0" dirty="0">
+              <a:rPr kumimoji="0" lang="pt-BR" sz="2400" b="0" i="0" u="none" strike="noStrike" kern="0" cap="none" spc="0" normalizeH="0" baseline="0" noProof="0" dirty="0">
                 <a:ln>
                   <a:noFill/>
                 </a:ln>
@@ -16795,7 +16771,7 @@
             </a:r>
           </a:p>
           <a:p>
-            <a:pPr marL="0" marR="0" lvl="0" indent="0" algn="ctr" defTabSz="914400" rtl="0" eaLnBrk="1" fontAlgn="auto" latinLnBrk="0" hangingPunct="1">
+            <a:pPr marL="0" marR="0" lvl="0" indent="0" defTabSz="914400" rtl="0" eaLnBrk="1" fontAlgn="auto" latinLnBrk="0" hangingPunct="1">
               <a:lnSpc>
                 <a:spcPct val="100000"/>
               </a:lnSpc>
@@ -16815,7 +16791,7 @@
               <a:defRPr/>
             </a:pPr>
             <a:r>
-              <a:rPr kumimoji="0" lang="pt-BR" sz="2600" b="0" i="0" u="none" strike="noStrike" kern="0" cap="none" spc="0" normalizeH="0" baseline="0" noProof="0" dirty="0">
+              <a:rPr kumimoji="0" lang="pt-BR" sz="2400" b="0" i="0" u="none" strike="noStrike" kern="0" cap="none" spc="0" normalizeH="0" baseline="0" noProof="0" dirty="0" smtClean="0">
                 <a:ln>
                   <a:noFill/>
                 </a:ln>
@@ -16828,31 +16804,10 @@
                 <a:latin typeface="Didact Gothic"/>
                 <a:sym typeface="Didact Gothic"/>
               </a:rPr>
-              <a:t>Quero receber uma mensagem</a:t>
+              <a:t>Quero ter</a:t>
             </a:r>
-          </a:p>
-          <a:p>
-            <a:pPr marL="0" marR="0" lvl="0" indent="0" algn="ctr" defTabSz="914400" rtl="0" eaLnBrk="1" fontAlgn="auto" latinLnBrk="0" hangingPunct="1">
-              <a:lnSpc>
-                <a:spcPct val="100000"/>
-              </a:lnSpc>
-              <a:spcBef>
-                <a:spcPts val="0"/>
-              </a:spcBef>
-              <a:spcAft>
-                <a:spcPts val="0"/>
-              </a:spcAft>
-              <a:buClr>
-                <a:srgbClr val="FFFFFF"/>
-              </a:buClr>
-              <a:buSzPts val="2400"/>
-              <a:buFont typeface="Didact Gothic"/>
-              <a:buNone/>
-              <a:tabLst/>
-              <a:defRPr/>
-            </a:pPr>
             <a:r>
-              <a:rPr kumimoji="0" lang="pt-BR" sz="2600" b="0" i="0" u="none" strike="noStrike" kern="0" cap="none" spc="0" normalizeH="0" baseline="0" noProof="0" dirty="0">
+              <a:rPr kumimoji="0" lang="pt-BR" sz="2400" b="0" i="0" u="none" strike="noStrike" kern="0" cap="none" spc="0" normalizeH="0" noProof="0" dirty="0" smtClean="0">
                 <a:ln>
                   <a:noFill/>
                 </a:ln>
@@ -16865,12 +16820,40 @@
                 <a:latin typeface="Didact Gothic"/>
                 <a:sym typeface="Didact Gothic"/>
               </a:rPr>
-              <a:t>Para saber se existem aplicativos em segundo plano.</a:t>
+              <a:t> as maquinas da empresas sendo monitoradas todo o tempo, para passar segurança</a:t>
             </a:r>
+            <a:r>
+              <a:rPr kumimoji="0" lang="pt-BR" sz="2400" b="0" i="0" u="none" strike="noStrike" kern="0" cap="none" spc="0" normalizeH="0" baseline="0" noProof="0" dirty="0" smtClean="0">
+                <a:ln>
+                  <a:noFill/>
+                </a:ln>
+                <a:solidFill>
+                  <a:srgbClr val="FFFFFF"/>
+                </a:solidFill>
+                <a:effectLst/>
+                <a:uLnTx/>
+                <a:uFillTx/>
+                <a:latin typeface="Didact Gothic"/>
+                <a:sym typeface="Didact Gothic"/>
+              </a:rPr>
+              <a:t>.</a:t>
+            </a:r>
+            <a:endParaRPr kumimoji="0" lang="pt-BR" sz="2400" b="0" i="0" u="none" strike="noStrike" kern="0" cap="none" spc="0" normalizeH="0" baseline="0" noProof="0" dirty="0">
+              <a:ln>
+                <a:noFill/>
+              </a:ln>
+              <a:solidFill>
+                <a:srgbClr val="FFFFFF"/>
+              </a:solidFill>
+              <a:effectLst/>
+              <a:uLnTx/>
+              <a:uFillTx/>
+              <a:latin typeface="Didact Gothic"/>
+              <a:sym typeface="Didact Gothic"/>
+            </a:endParaRPr>
           </a:p>
           <a:p>
-            <a:pPr algn="ctr"/>
-            <a:endParaRPr lang="pt-BR" dirty="0"/>
+            <a:endParaRPr lang="pt-BR" sz="1200" dirty="0"/>
           </a:p>
         </p:txBody>
       </p:sp>
@@ -16879,7 +16862,7 @@
           <p:cNvPr id="14" name="Google Shape;417;p46">
             <a:extLst>
               <a:ext uri="{FF2B5EF4-FFF2-40B4-BE49-F238E27FC236}">
-                <a16:creationId xmlns:a16="http://schemas.microsoft.com/office/drawing/2014/main" id="{826FD412-A1C1-4ACC-9E7E-7084820E6AC6}"/>
+                <a16:creationId xmlns:a16="http://schemas.microsoft.com/office/drawing/2014/main" xmlns="" id="{826FD412-A1C1-4ACC-9E7E-7084820E6AC6}"/>
               </a:ext>
             </a:extLst>
           </p:cNvPr>
@@ -17223,7 +17206,7 @@
           <p:cNvPr id="7" name="Retângulo 6">
             <a:extLst>
               <a:ext uri="{FF2B5EF4-FFF2-40B4-BE49-F238E27FC236}">
-                <a16:creationId xmlns:a16="http://schemas.microsoft.com/office/drawing/2014/main" id="{6B01100F-B5E6-43F2-9776-A2050830B858}"/>
+                <a16:creationId xmlns:a16="http://schemas.microsoft.com/office/drawing/2014/main" xmlns="" id="{6B01100F-B5E6-43F2-9776-A2050830B858}"/>
               </a:ext>
             </a:extLst>
           </p:cNvPr>
@@ -17269,7 +17252,7 @@
           <p:cNvPr id="4" name="Imagem 3" descr="Desenho com traços pretos em fundo branco&#10;&#10;Descrição gerada automaticamente com confiança baixa">
             <a:extLst>
               <a:ext uri="{FF2B5EF4-FFF2-40B4-BE49-F238E27FC236}">
-                <a16:creationId xmlns:a16="http://schemas.microsoft.com/office/drawing/2014/main" id="{4D8FEDAC-3813-4084-9334-0DA2140347BE}"/>
+                <a16:creationId xmlns:a16="http://schemas.microsoft.com/office/drawing/2014/main" xmlns="" id="{4D8FEDAC-3813-4084-9334-0DA2140347BE}"/>
               </a:ext>
             </a:extLst>
           </p:cNvPr>
@@ -17299,7 +17282,7 @@
           <p:cNvPr id="10" name="Imagem 9" descr="Logotipo&#10;&#10;Descrição gerada automaticamente">
             <a:extLst>
               <a:ext uri="{FF2B5EF4-FFF2-40B4-BE49-F238E27FC236}">
-                <a16:creationId xmlns:a16="http://schemas.microsoft.com/office/drawing/2014/main" id="{5D3DE0BE-69EE-4B8E-80B2-F6B18548253F}"/>
+                <a16:creationId xmlns:a16="http://schemas.microsoft.com/office/drawing/2014/main" xmlns="" id="{5D3DE0BE-69EE-4B8E-80B2-F6B18548253F}"/>
               </a:ext>
             </a:extLst>
           </p:cNvPr>
@@ -17329,7 +17312,7 @@
           <p:cNvPr id="11" name="CaixaDeTexto 10">
             <a:extLst>
               <a:ext uri="{FF2B5EF4-FFF2-40B4-BE49-F238E27FC236}">
-                <a16:creationId xmlns:a16="http://schemas.microsoft.com/office/drawing/2014/main" id="{323481BB-041C-4A66-9771-857BA21CA2D7}"/>
+                <a16:creationId xmlns:a16="http://schemas.microsoft.com/office/drawing/2014/main" xmlns="" id="{323481BB-041C-4A66-9771-857BA21CA2D7}"/>
               </a:ext>
             </a:extLst>
           </p:cNvPr>
@@ -17338,8 +17321,8 @@
         </p:nvSpPr>
         <p:spPr>
           <a:xfrm>
-            <a:off x="2885867" y="4060404"/>
-            <a:ext cx="3699868" cy="461665"/>
+            <a:off x="2406650" y="4194403"/>
+            <a:ext cx="4330700" cy="523220"/>
           </a:xfrm>
           <a:prstGeom prst="rect">
             <a:avLst/>
@@ -17353,7 +17336,7 @@
           <a:lstStyle/>
           <a:p>
             <a:r>
-              <a:rPr lang="pt-BR" sz="2400" dirty="0">
+              <a:rPr lang="pt-BR" sz="2800" dirty="0">
                 <a:solidFill>
                   <a:schemeClr val="bg1"/>
                 </a:solidFill>
@@ -17419,7 +17402,7 @@
           <p:cNvPr id="21" name="Imagem 20" descr="Desenho com traços pretos em fundo branco&#10;&#10;Descrição gerada automaticamente com confiança baixa">
             <a:extLst>
               <a:ext uri="{FF2B5EF4-FFF2-40B4-BE49-F238E27FC236}">
-                <a16:creationId xmlns:a16="http://schemas.microsoft.com/office/drawing/2014/main" id="{23EDA186-09B1-46EA-B62A-18E3D84C1473}"/>
+                <a16:creationId xmlns:a16="http://schemas.microsoft.com/office/drawing/2014/main" xmlns="" id="{23EDA186-09B1-46EA-B62A-18E3D84C1473}"/>
               </a:ext>
             </a:extLst>
           </p:cNvPr>
@@ -17449,7 +17432,7 @@
           <p:cNvPr id="3" name="Título 2">
             <a:extLst>
               <a:ext uri="{FF2B5EF4-FFF2-40B4-BE49-F238E27FC236}">
-                <a16:creationId xmlns:a16="http://schemas.microsoft.com/office/drawing/2014/main" id="{8CA70183-A154-44A8-9ED0-7A342B243339}"/>
+                <a16:creationId xmlns:a16="http://schemas.microsoft.com/office/drawing/2014/main" xmlns="" id="{8CA70183-A154-44A8-9ED0-7A342B243339}"/>
               </a:ext>
             </a:extLst>
           </p:cNvPr>
@@ -17474,7 +17457,7 @@
           <p:cNvPr id="22" name="Imagem 21" descr="Interface gráfica do usuário, Aplicativo&#10;&#10;Descrição gerada automaticamente">
             <a:extLst>
               <a:ext uri="{FF2B5EF4-FFF2-40B4-BE49-F238E27FC236}">
-                <a16:creationId xmlns:a16="http://schemas.microsoft.com/office/drawing/2014/main" id="{61C8B5FA-6D89-4BDE-B2EF-4BF4F12ED340}"/>
+                <a16:creationId xmlns:a16="http://schemas.microsoft.com/office/drawing/2014/main" xmlns="" id="{61C8B5FA-6D89-4BDE-B2EF-4BF4F12ED340}"/>
               </a:ext>
             </a:extLst>
           </p:cNvPr>
@@ -17549,7 +17532,7 @@
           <p:cNvPr id="4" name="Retângulo 3">
             <a:extLst>
               <a:ext uri="{FF2B5EF4-FFF2-40B4-BE49-F238E27FC236}">
-                <a16:creationId xmlns:a16="http://schemas.microsoft.com/office/drawing/2014/main" id="{9E7A767D-7089-48B5-B2C9-07B484AC7577}"/>
+                <a16:creationId xmlns:a16="http://schemas.microsoft.com/office/drawing/2014/main" xmlns="" id="{9E7A767D-7089-48B5-B2C9-07B484AC7577}"/>
               </a:ext>
             </a:extLst>
           </p:cNvPr>
@@ -17794,7 +17777,7 @@
           <p:cNvPr id="3" name="Imagem 2">
             <a:extLst>
               <a:ext uri="{FF2B5EF4-FFF2-40B4-BE49-F238E27FC236}">
-                <a16:creationId xmlns:a16="http://schemas.microsoft.com/office/drawing/2014/main" id="{DD6EA363-A002-4559-9448-FBE9D6E67C93}"/>
+                <a16:creationId xmlns:a16="http://schemas.microsoft.com/office/drawing/2014/main" xmlns="" id="{DD6EA363-A002-4559-9448-FBE9D6E67C93}"/>
               </a:ext>
             </a:extLst>
           </p:cNvPr>
@@ -17824,7 +17807,7 @@
           <p:cNvPr id="9" name="Imagem 8" descr="Desenho com traços pretos em fundo branco&#10;&#10;Descrição gerada automaticamente com confiança baixa">
             <a:extLst>
               <a:ext uri="{FF2B5EF4-FFF2-40B4-BE49-F238E27FC236}">
-                <a16:creationId xmlns:a16="http://schemas.microsoft.com/office/drawing/2014/main" id="{913DED4F-9272-43AC-A541-ABDBFDDA508D}"/>
+                <a16:creationId xmlns:a16="http://schemas.microsoft.com/office/drawing/2014/main" xmlns="" id="{913DED4F-9272-43AC-A541-ABDBFDDA508D}"/>
               </a:ext>
             </a:extLst>
           </p:cNvPr>
@@ -18161,7 +18144,7 @@
           <p:cNvPr id="8" name="Imagem 7">
             <a:extLst>
               <a:ext uri="{FF2B5EF4-FFF2-40B4-BE49-F238E27FC236}">
-                <a16:creationId xmlns:a16="http://schemas.microsoft.com/office/drawing/2014/main" id="{C3BB9D16-CEFD-44A4-AEED-C0E24B505976}"/>
+                <a16:creationId xmlns:a16="http://schemas.microsoft.com/office/drawing/2014/main" xmlns="" id="{C3BB9D16-CEFD-44A4-AEED-C0E24B505976}"/>
               </a:ext>
             </a:extLst>
           </p:cNvPr>
@@ -18191,7 +18174,7 @@
           <p:cNvPr id="9" name="Imagem 8" descr="Desenho com traços pretos em fundo branco&#10;&#10;Descrição gerada automaticamente com confiança baixa">
             <a:extLst>
               <a:ext uri="{FF2B5EF4-FFF2-40B4-BE49-F238E27FC236}">
-                <a16:creationId xmlns:a16="http://schemas.microsoft.com/office/drawing/2014/main" id="{F181E95B-B182-4EB0-B67D-FAF4D35D477B}"/>
+                <a16:creationId xmlns:a16="http://schemas.microsoft.com/office/drawing/2014/main" xmlns="" id="{F181E95B-B182-4EB0-B67D-FAF4D35D477B}"/>
               </a:ext>
             </a:extLst>
           </p:cNvPr>

--- a/Apresentação.pptx
+++ b/Apresentação.pptx
@@ -5,35 +5,37 @@
     <p:sldMasterId id="2147483687" r:id="rId1"/>
   </p:sldMasterIdLst>
   <p:notesMasterIdLst>
-    <p:notesMasterId r:id="rId13"/>
+    <p:notesMasterId r:id="rId15"/>
   </p:notesMasterIdLst>
   <p:sldIdLst>
     <p:sldId id="256" r:id="rId2"/>
     <p:sldId id="315" r:id="rId3"/>
-    <p:sldId id="312" r:id="rId4"/>
-    <p:sldId id="313" r:id="rId5"/>
-    <p:sldId id="317" r:id="rId6"/>
-    <p:sldId id="318" r:id="rId7"/>
-    <p:sldId id="258" r:id="rId8"/>
-    <p:sldId id="277" r:id="rId9"/>
-    <p:sldId id="314" r:id="rId10"/>
-    <p:sldId id="278" r:id="rId11"/>
-    <p:sldId id="291" r:id="rId12"/>
+    <p:sldId id="264" r:id="rId4"/>
+    <p:sldId id="270" r:id="rId5"/>
+    <p:sldId id="313" r:id="rId6"/>
+    <p:sldId id="317" r:id="rId7"/>
+    <p:sldId id="318" r:id="rId8"/>
+    <p:sldId id="258" r:id="rId9"/>
+    <p:sldId id="312" r:id="rId10"/>
+    <p:sldId id="277" r:id="rId11"/>
+    <p:sldId id="314" r:id="rId12"/>
+    <p:sldId id="278" r:id="rId13"/>
+    <p:sldId id="291" r:id="rId14"/>
   </p:sldIdLst>
   <p:sldSz cx="9144000" cy="5143500" type="screen16x9"/>
   <p:notesSz cx="6858000" cy="9144000"/>
   <p:embeddedFontLst>
     <p:embeddedFont>
-      <p:font typeface="Didact Gothic" panose="020B0604020202020204" charset="0"/>
-      <p:regular r:id="rId14"/>
+      <p:font typeface="Brush Script MT" panose="03060802040406070304" pitchFamily="66" charset="0"/>
+      <p:italic r:id="rId16"/>
     </p:embeddedFont>
     <p:embeddedFont>
-      <p:font typeface="Brush Script MT" panose="03060802040406070304" pitchFamily="66" charset="0"/>
-      <p:italic r:id="rId15"/>
+      <p:font typeface="Didact Gothic" panose="020B0604020202020204" charset="0"/>
+      <p:regular r:id="rId17"/>
     </p:embeddedFont>
     <p:embeddedFont>
       <p:font typeface="Michroma" panose="020B0604020202020204" charset="0"/>
-      <p:regular r:id="rId16"/>
+      <p:regular r:id="rId18"/>
     </p:embeddedFont>
   </p:embeddedFontLst>
   <p:defaultTextStyle>
@@ -887,6 +889,232 @@
   <p:cSld>
     <p:spTree>
       <p:nvGrpSpPr>
+        <p:cNvPr id="1" name="Shape 649"/>
+        <p:cNvGrpSpPr/>
+        <p:nvPr/>
+      </p:nvGrpSpPr>
+      <p:grpSpPr>
+        <a:xfrm>
+          <a:off x="0" y="0"/>
+          <a:ext cx="0" cy="0"/>
+          <a:chOff x="0" y="0"/>
+          <a:chExt cx="0" cy="0"/>
+        </a:xfrm>
+      </p:grpSpPr>
+      <p:sp>
+        <p:nvSpPr>
+          <p:cNvPr id="650" name="Google Shape;650;ga3244cfb57_0_1283:notes"/>
+          <p:cNvSpPr>
+            <a:spLocks noGrp="1" noRot="1" noChangeAspect="1"/>
+          </p:cNvSpPr>
+          <p:nvPr>
+            <p:ph type="sldImg" idx="2"/>
+          </p:nvPr>
+        </p:nvSpPr>
+        <p:spPr>
+          <a:xfrm>
+            <a:off x="381000" y="685800"/>
+            <a:ext cx="6096000" cy="3429000"/>
+          </a:xfrm>
+          <a:custGeom>
+            <a:avLst/>
+            <a:gdLst/>
+            <a:ahLst/>
+            <a:cxnLst/>
+            <a:rect l="l" t="t" r="r" b="b"/>
+            <a:pathLst>
+              <a:path w="120000" h="120000" extrusionOk="0">
+                <a:moveTo>
+                  <a:pt x="0" y="0"/>
+                </a:moveTo>
+                <a:lnTo>
+                  <a:pt x="120000" y="0"/>
+                </a:lnTo>
+                <a:lnTo>
+                  <a:pt x="120000" y="120000"/>
+                </a:lnTo>
+                <a:lnTo>
+                  <a:pt x="0" y="120000"/>
+                </a:lnTo>
+                <a:close/>
+              </a:path>
+            </a:pathLst>
+          </a:custGeom>
+        </p:spPr>
+      </p:sp>
+      <p:sp>
+        <p:nvSpPr>
+          <p:cNvPr id="651" name="Google Shape;651;ga3244cfb57_0_1283:notes"/>
+          <p:cNvSpPr txBox="1">
+            <a:spLocks noGrp="1"/>
+          </p:cNvSpPr>
+          <p:nvPr>
+            <p:ph type="body" idx="1"/>
+          </p:nvPr>
+        </p:nvSpPr>
+        <p:spPr>
+          <a:xfrm>
+            <a:off x="685800" y="4343400"/>
+            <a:ext cx="5486400" cy="4114800"/>
+          </a:xfrm>
+          <a:prstGeom prst="rect">
+            <a:avLst/>
+          </a:prstGeom>
+        </p:spPr>
+        <p:txBody>
+          <a:bodyPr spcFirstLastPara="1" wrap="square" lIns="91425" tIns="91425" rIns="91425" bIns="91425" anchor="t" anchorCtr="0">
+            <a:noAutofit/>
+          </a:bodyPr>
+          <a:lstStyle/>
+          <a:p>
+            <a:pPr marL="0" lvl="0" indent="0" algn="l" rtl="0">
+              <a:spcBef>
+                <a:spcPts val="0"/>
+              </a:spcBef>
+              <a:spcAft>
+                <a:spcPts val="0"/>
+              </a:spcAft>
+              <a:buNone/>
+            </a:pPr>
+            <a:r>
+              <a:rPr lang="pt-BR" dirty="0"/>
+              <a:t>Gustavo</a:t>
+            </a:r>
+            <a:endParaRPr dirty="0"/>
+          </a:p>
+        </p:txBody>
+      </p:sp>
+    </p:spTree>
+    <p:extLst>
+      <p:ext uri="{BB962C8B-B14F-4D97-AF65-F5344CB8AC3E}">
+        <p14:creationId xmlns:p14="http://schemas.microsoft.com/office/powerpoint/2010/main" val="3422372567"/>
+      </p:ext>
+    </p:extLst>
+  </p:cSld>
+  <p:clrMapOvr>
+    <a:masterClrMapping/>
+  </p:clrMapOvr>
+</p:notes>
+</file>
+
+<file path=ppt/notesSlides/notesSlide11.xml><?xml version="1.0" encoding="utf-8"?>
+<p:notes xmlns:a="http://schemas.openxmlformats.org/drawingml/2006/main" xmlns:r="http://schemas.openxmlformats.org/officeDocument/2006/relationships" xmlns:p="http://schemas.openxmlformats.org/presentationml/2006/main" showMasterSp="0" showMasterPhAnim="0">
+  <p:cSld>
+    <p:spTree>
+      <p:nvGrpSpPr>
+        <p:cNvPr id="1" name="Shape 895"/>
+        <p:cNvGrpSpPr/>
+        <p:nvPr/>
+      </p:nvGrpSpPr>
+      <p:grpSpPr>
+        <a:xfrm>
+          <a:off x="0" y="0"/>
+          <a:ext cx="0" cy="0"/>
+          <a:chOff x="0" y="0"/>
+          <a:chExt cx="0" cy="0"/>
+        </a:xfrm>
+      </p:grpSpPr>
+      <p:sp>
+        <p:nvSpPr>
+          <p:cNvPr id="896" name="Google Shape;896;ga3244cfb57_0_3061:notes"/>
+          <p:cNvSpPr>
+            <a:spLocks noGrp="1" noRot="1" noChangeAspect="1"/>
+          </p:cNvSpPr>
+          <p:nvPr>
+            <p:ph type="sldImg" idx="2"/>
+          </p:nvPr>
+        </p:nvSpPr>
+        <p:spPr>
+          <a:xfrm>
+            <a:off x="381000" y="685800"/>
+            <a:ext cx="6096000" cy="3429000"/>
+          </a:xfrm>
+          <a:custGeom>
+            <a:avLst/>
+            <a:gdLst/>
+            <a:ahLst/>
+            <a:cxnLst/>
+            <a:rect l="l" t="t" r="r" b="b"/>
+            <a:pathLst>
+              <a:path w="120000" h="120000" extrusionOk="0">
+                <a:moveTo>
+                  <a:pt x="0" y="0"/>
+                </a:moveTo>
+                <a:lnTo>
+                  <a:pt x="120000" y="0"/>
+                </a:lnTo>
+                <a:lnTo>
+                  <a:pt x="120000" y="120000"/>
+                </a:lnTo>
+                <a:lnTo>
+                  <a:pt x="0" y="120000"/>
+                </a:lnTo>
+                <a:close/>
+              </a:path>
+            </a:pathLst>
+          </a:custGeom>
+        </p:spPr>
+      </p:sp>
+      <p:sp>
+        <p:nvSpPr>
+          <p:cNvPr id="897" name="Google Shape;897;ga3244cfb57_0_3061:notes"/>
+          <p:cNvSpPr txBox="1">
+            <a:spLocks noGrp="1"/>
+          </p:cNvSpPr>
+          <p:nvPr>
+            <p:ph type="body" idx="1"/>
+          </p:nvPr>
+        </p:nvSpPr>
+        <p:spPr>
+          <a:xfrm>
+            <a:off x="685800" y="4343400"/>
+            <a:ext cx="5486400" cy="4114800"/>
+          </a:xfrm>
+          <a:prstGeom prst="rect">
+            <a:avLst/>
+          </a:prstGeom>
+        </p:spPr>
+        <p:txBody>
+          <a:bodyPr spcFirstLastPara="1" wrap="square" lIns="91425" tIns="91425" rIns="91425" bIns="91425" anchor="t" anchorCtr="0">
+            <a:noAutofit/>
+          </a:bodyPr>
+          <a:lstStyle/>
+          <a:p>
+            <a:pPr marL="0" lvl="0" indent="0" algn="l" rtl="0">
+              <a:spcBef>
+                <a:spcPts val="0"/>
+              </a:spcBef>
+              <a:spcAft>
+                <a:spcPts val="0"/>
+              </a:spcAft>
+              <a:buNone/>
+            </a:pPr>
+            <a:r>
+              <a:rPr lang="pt-BR" dirty="0"/>
+              <a:t>Gustavo e Gabriel</a:t>
+            </a:r>
+            <a:endParaRPr dirty="0"/>
+          </a:p>
+        </p:txBody>
+      </p:sp>
+    </p:spTree>
+    <p:extLst>
+      <p:ext uri="{BB962C8B-B14F-4D97-AF65-F5344CB8AC3E}">
+        <p14:creationId xmlns:p14="http://schemas.microsoft.com/office/powerpoint/2010/main" val="2420130604"/>
+      </p:ext>
+    </p:extLst>
+  </p:cSld>
+  <p:clrMapOvr>
+    <a:masterClrMapping/>
+  </p:clrMapOvr>
+</p:notes>
+</file>
+
+<file path=ppt/notesSlides/notesSlide12.xml><?xml version="1.0" encoding="utf-8"?>
+<p:notes xmlns:a="http://schemas.openxmlformats.org/drawingml/2006/main" xmlns:r="http://schemas.openxmlformats.org/officeDocument/2006/relationships" xmlns:p="http://schemas.openxmlformats.org/presentationml/2006/main" showMasterSp="0" showMasterPhAnim="0">
+  <p:cSld>
+    <p:spTree>
+      <p:nvGrpSpPr>
         <p:cNvPr id="1" name="Shape 665"/>
         <p:cNvGrpSpPr/>
         <p:nvPr/>
@@ -995,7 +1223,7 @@
 </p:notes>
 </file>
 
-<file path=ppt/notesSlides/notesSlide11.xml><?xml version="1.0" encoding="utf-8"?>
+<file path=ppt/notesSlides/notesSlide13.xml><?xml version="1.0" encoding="utf-8"?>
 <p:notes xmlns:a="http://schemas.openxmlformats.org/drawingml/2006/main" xmlns:r="http://schemas.openxmlformats.org/officeDocument/2006/relationships" xmlns:p="http://schemas.openxmlformats.org/presentationml/2006/main" showMasterSp="0" showMasterPhAnim="0">
   <p:cSld>
     <p:spTree>
@@ -1299,7 +1527,7 @@
   <p:cSld>
     <p:spTree>
       <p:nvGrpSpPr>
-        <p:cNvPr id="1" name="Shape 838"/>
+        <p:cNvPr id="1" name="Shape 458"/>
         <p:cNvGrpSpPr/>
         <p:nvPr/>
       </p:nvGrpSpPr>
@@ -1313,7 +1541,7 @@
       </p:grpSpPr>
       <p:sp>
         <p:nvSpPr>
-          <p:cNvPr id="839" name="Google Shape;839;ga3244cfb57_0_2101:notes"/>
+          <p:cNvPr id="459" name="Google Shape;459;g7348ee11bb_0_3800:notes"/>
           <p:cNvSpPr>
             <a:spLocks noGrp="1" noRot="1" noChangeAspect="1"/>
           </p:cNvSpPr>
@@ -1354,7 +1582,7 @@
       </p:sp>
       <p:sp>
         <p:nvSpPr>
-          <p:cNvPr id="840" name="Google Shape;840;ga3244cfb57_0_2101:notes"/>
+          <p:cNvPr id="460" name="Google Shape;460;g7348ee11bb_0_3800:notes"/>
           <p:cNvSpPr txBox="1">
             <a:spLocks noGrp="1"/>
           </p:cNvSpPr>
@@ -1386,20 +1614,11 @@
               </a:spcAft>
               <a:buNone/>
             </a:pPr>
-            <a:r>
-              <a:rPr lang="pt-BR" dirty="0"/>
-              <a:t>Gabriel</a:t>
-            </a:r>
-            <a:endParaRPr dirty="0"/>
+            <a:endParaRPr/>
           </a:p>
         </p:txBody>
       </p:sp>
     </p:spTree>
-    <p:extLst>
-      <p:ext uri="{BB962C8B-B14F-4D97-AF65-F5344CB8AC3E}">
-        <p14:creationId xmlns:p14="http://schemas.microsoft.com/office/powerpoint/2010/main" val="4108026751"/>
-      </p:ext>
-    </p:extLst>
   </p:cSld>
   <p:clrMapOvr>
     <a:masterClrMapping/>
@@ -1408,6 +1627,110 @@
 </file>
 
 <file path=ppt/notesSlides/notesSlide4.xml><?xml version="1.0" encoding="utf-8"?>
+<p:notes xmlns:a="http://schemas.openxmlformats.org/drawingml/2006/main" xmlns:r="http://schemas.openxmlformats.org/officeDocument/2006/relationships" xmlns:p="http://schemas.openxmlformats.org/presentationml/2006/main" showMasterSp="0" showMasterPhAnim="0">
+  <p:cSld>
+    <p:spTree>
+      <p:nvGrpSpPr>
+        <p:cNvPr id="1" name="Shape 557"/>
+        <p:cNvGrpSpPr/>
+        <p:nvPr/>
+      </p:nvGrpSpPr>
+      <p:grpSpPr>
+        <a:xfrm>
+          <a:off x="0" y="0"/>
+          <a:ext cx="0" cy="0"/>
+          <a:chOff x="0" y="0"/>
+          <a:chExt cx="0" cy="0"/>
+        </a:xfrm>
+      </p:grpSpPr>
+      <p:sp>
+        <p:nvSpPr>
+          <p:cNvPr id="558" name="Google Shape;558;ga3244cfb57_0_515:notes"/>
+          <p:cNvSpPr>
+            <a:spLocks noGrp="1" noRot="1" noChangeAspect="1"/>
+          </p:cNvSpPr>
+          <p:nvPr>
+            <p:ph type="sldImg" idx="2"/>
+          </p:nvPr>
+        </p:nvSpPr>
+        <p:spPr>
+          <a:xfrm>
+            <a:off x="381000" y="685800"/>
+            <a:ext cx="6096000" cy="3429000"/>
+          </a:xfrm>
+          <a:custGeom>
+            <a:avLst/>
+            <a:gdLst/>
+            <a:ahLst/>
+            <a:cxnLst/>
+            <a:rect l="l" t="t" r="r" b="b"/>
+            <a:pathLst>
+              <a:path w="120000" h="120000" extrusionOk="0">
+                <a:moveTo>
+                  <a:pt x="0" y="0"/>
+                </a:moveTo>
+                <a:lnTo>
+                  <a:pt x="120000" y="0"/>
+                </a:lnTo>
+                <a:lnTo>
+                  <a:pt x="120000" y="120000"/>
+                </a:lnTo>
+                <a:lnTo>
+                  <a:pt x="0" y="120000"/>
+                </a:lnTo>
+                <a:close/>
+              </a:path>
+            </a:pathLst>
+          </a:custGeom>
+        </p:spPr>
+      </p:sp>
+      <p:sp>
+        <p:nvSpPr>
+          <p:cNvPr id="559" name="Google Shape;559;ga3244cfb57_0_515:notes"/>
+          <p:cNvSpPr txBox="1">
+            <a:spLocks noGrp="1"/>
+          </p:cNvSpPr>
+          <p:nvPr>
+            <p:ph type="body" idx="1"/>
+          </p:nvPr>
+        </p:nvSpPr>
+        <p:spPr>
+          <a:xfrm>
+            <a:off x="685800" y="4343400"/>
+            <a:ext cx="5486400" cy="4114800"/>
+          </a:xfrm>
+          <a:prstGeom prst="rect">
+            <a:avLst/>
+          </a:prstGeom>
+        </p:spPr>
+        <p:txBody>
+          <a:bodyPr spcFirstLastPara="1" wrap="square" lIns="91425" tIns="91425" rIns="91425" bIns="91425" anchor="t" anchorCtr="0">
+            <a:noAutofit/>
+          </a:bodyPr>
+          <a:lstStyle/>
+          <a:p>
+            <a:pPr marL="0" lvl="0" indent="0" algn="l" rtl="0">
+              <a:spcBef>
+                <a:spcPts val="0"/>
+              </a:spcBef>
+              <a:spcAft>
+                <a:spcPts val="0"/>
+              </a:spcAft>
+              <a:buNone/>
+            </a:pPr>
+            <a:endParaRPr/>
+          </a:p>
+        </p:txBody>
+      </p:sp>
+    </p:spTree>
+  </p:cSld>
+  <p:clrMapOvr>
+    <a:masterClrMapping/>
+  </p:clrMapOvr>
+</p:notes>
+</file>
+
+<file path=ppt/notesSlides/notesSlide5.xml><?xml version="1.0" encoding="utf-8"?>
 <p:notes xmlns:a="http://schemas.openxmlformats.org/drawingml/2006/main" xmlns:r="http://schemas.openxmlformats.org/officeDocument/2006/relationships" xmlns:p="http://schemas.openxmlformats.org/presentationml/2006/main">
   <p:cSld>
     <p:spTree>
@@ -1508,119 +1831,6 @@
     <p:extLst>
       <p:ext uri="{BB962C8B-B14F-4D97-AF65-F5344CB8AC3E}">
         <p14:creationId xmlns:p14="http://schemas.microsoft.com/office/powerpoint/2010/main" val="4218175004"/>
-      </p:ext>
-    </p:extLst>
-  </p:cSld>
-  <p:clrMapOvr>
-    <a:masterClrMapping/>
-  </p:clrMapOvr>
-</p:notes>
-</file>
-
-<file path=ppt/notesSlides/notesSlide5.xml><?xml version="1.0" encoding="utf-8"?>
-<p:notes xmlns:a="http://schemas.openxmlformats.org/drawingml/2006/main" xmlns:r="http://schemas.openxmlformats.org/officeDocument/2006/relationships" xmlns:p="http://schemas.openxmlformats.org/presentationml/2006/main" showMasterSp="0" showMasterPhAnim="0">
-  <p:cSld>
-    <p:spTree>
-      <p:nvGrpSpPr>
-        <p:cNvPr id="1" name="Shape 413"/>
-        <p:cNvGrpSpPr/>
-        <p:nvPr/>
-      </p:nvGrpSpPr>
-      <p:grpSpPr>
-        <a:xfrm>
-          <a:off x="0" y="0"/>
-          <a:ext cx="0" cy="0"/>
-          <a:chOff x="0" y="0"/>
-          <a:chExt cx="0" cy="0"/>
-        </a:xfrm>
-      </p:grpSpPr>
-      <p:sp>
-        <p:nvSpPr>
-          <p:cNvPr id="414" name="Google Shape;414;g7395e1ec2a_0_71:notes"/>
-          <p:cNvSpPr>
-            <a:spLocks noGrp="1" noRot="1" noChangeAspect="1"/>
-          </p:cNvSpPr>
-          <p:nvPr>
-            <p:ph type="sldImg" idx="2"/>
-          </p:nvPr>
-        </p:nvSpPr>
-        <p:spPr>
-          <a:xfrm>
-            <a:off x="381000" y="685800"/>
-            <a:ext cx="6096000" cy="3429000"/>
-          </a:xfrm>
-          <a:custGeom>
-            <a:avLst/>
-            <a:gdLst/>
-            <a:ahLst/>
-            <a:cxnLst/>
-            <a:rect l="l" t="t" r="r" b="b"/>
-            <a:pathLst>
-              <a:path w="120000" h="120000" extrusionOk="0">
-                <a:moveTo>
-                  <a:pt x="0" y="0"/>
-                </a:moveTo>
-                <a:lnTo>
-                  <a:pt x="120000" y="0"/>
-                </a:lnTo>
-                <a:lnTo>
-                  <a:pt x="120000" y="120000"/>
-                </a:lnTo>
-                <a:lnTo>
-                  <a:pt x="0" y="120000"/>
-                </a:lnTo>
-                <a:close/>
-              </a:path>
-            </a:pathLst>
-          </a:custGeom>
-        </p:spPr>
-      </p:sp>
-      <p:sp>
-        <p:nvSpPr>
-          <p:cNvPr id="415" name="Google Shape;415;g7395e1ec2a_0_71:notes"/>
-          <p:cNvSpPr txBox="1">
-            <a:spLocks noGrp="1"/>
-          </p:cNvSpPr>
-          <p:nvPr>
-            <p:ph type="body" idx="1"/>
-          </p:nvPr>
-        </p:nvSpPr>
-        <p:spPr>
-          <a:xfrm>
-            <a:off x="685800" y="4343400"/>
-            <a:ext cx="5486400" cy="4114800"/>
-          </a:xfrm>
-          <a:prstGeom prst="rect">
-            <a:avLst/>
-          </a:prstGeom>
-        </p:spPr>
-        <p:txBody>
-          <a:bodyPr spcFirstLastPara="1" wrap="square" lIns="91425" tIns="91425" rIns="91425" bIns="91425" anchor="t" anchorCtr="0">
-            <a:noAutofit/>
-          </a:bodyPr>
-          <a:lstStyle/>
-          <a:p>
-            <a:pPr marL="0" lvl="0" indent="0" algn="l" rtl="0">
-              <a:spcBef>
-                <a:spcPts val="0"/>
-              </a:spcBef>
-              <a:spcAft>
-                <a:spcPts val="0"/>
-              </a:spcAft>
-              <a:buNone/>
-            </a:pPr>
-            <a:r>
-              <a:rPr lang="pt-BR" dirty="0"/>
-              <a:t>Julia</a:t>
-            </a:r>
-            <a:endParaRPr dirty="0"/>
-          </a:p>
-        </p:txBody>
-      </p:sp>
-    </p:spTree>
-    <p:extLst>
-      <p:ext uri="{BB962C8B-B14F-4D97-AF65-F5344CB8AC3E}">
-        <p14:creationId xmlns:p14="http://schemas.microsoft.com/office/powerpoint/2010/main" val="459850798"/>
       </p:ext>
     </p:extLst>
   </p:cSld>
@@ -1733,6 +1943,119 @@
     </p:spTree>
     <p:extLst>
       <p:ext uri="{BB962C8B-B14F-4D97-AF65-F5344CB8AC3E}">
+        <p14:creationId xmlns:p14="http://schemas.microsoft.com/office/powerpoint/2010/main" val="459850798"/>
+      </p:ext>
+    </p:extLst>
+  </p:cSld>
+  <p:clrMapOvr>
+    <a:masterClrMapping/>
+  </p:clrMapOvr>
+</p:notes>
+</file>
+
+<file path=ppt/notesSlides/notesSlide7.xml><?xml version="1.0" encoding="utf-8"?>
+<p:notes xmlns:a="http://schemas.openxmlformats.org/drawingml/2006/main" xmlns:r="http://schemas.openxmlformats.org/officeDocument/2006/relationships" xmlns:p="http://schemas.openxmlformats.org/presentationml/2006/main" showMasterSp="0" showMasterPhAnim="0">
+  <p:cSld>
+    <p:spTree>
+      <p:nvGrpSpPr>
+        <p:cNvPr id="1" name="Shape 413"/>
+        <p:cNvGrpSpPr/>
+        <p:nvPr/>
+      </p:nvGrpSpPr>
+      <p:grpSpPr>
+        <a:xfrm>
+          <a:off x="0" y="0"/>
+          <a:ext cx="0" cy="0"/>
+          <a:chOff x="0" y="0"/>
+          <a:chExt cx="0" cy="0"/>
+        </a:xfrm>
+      </p:grpSpPr>
+      <p:sp>
+        <p:nvSpPr>
+          <p:cNvPr id="414" name="Google Shape;414;g7395e1ec2a_0_71:notes"/>
+          <p:cNvSpPr>
+            <a:spLocks noGrp="1" noRot="1" noChangeAspect="1"/>
+          </p:cNvSpPr>
+          <p:nvPr>
+            <p:ph type="sldImg" idx="2"/>
+          </p:nvPr>
+        </p:nvSpPr>
+        <p:spPr>
+          <a:xfrm>
+            <a:off x="381000" y="685800"/>
+            <a:ext cx="6096000" cy="3429000"/>
+          </a:xfrm>
+          <a:custGeom>
+            <a:avLst/>
+            <a:gdLst/>
+            <a:ahLst/>
+            <a:cxnLst/>
+            <a:rect l="l" t="t" r="r" b="b"/>
+            <a:pathLst>
+              <a:path w="120000" h="120000" extrusionOk="0">
+                <a:moveTo>
+                  <a:pt x="0" y="0"/>
+                </a:moveTo>
+                <a:lnTo>
+                  <a:pt x="120000" y="0"/>
+                </a:lnTo>
+                <a:lnTo>
+                  <a:pt x="120000" y="120000"/>
+                </a:lnTo>
+                <a:lnTo>
+                  <a:pt x="0" y="120000"/>
+                </a:lnTo>
+                <a:close/>
+              </a:path>
+            </a:pathLst>
+          </a:custGeom>
+        </p:spPr>
+      </p:sp>
+      <p:sp>
+        <p:nvSpPr>
+          <p:cNvPr id="415" name="Google Shape;415;g7395e1ec2a_0_71:notes"/>
+          <p:cNvSpPr txBox="1">
+            <a:spLocks noGrp="1"/>
+          </p:cNvSpPr>
+          <p:nvPr>
+            <p:ph type="body" idx="1"/>
+          </p:nvPr>
+        </p:nvSpPr>
+        <p:spPr>
+          <a:xfrm>
+            <a:off x="685800" y="4343400"/>
+            <a:ext cx="5486400" cy="4114800"/>
+          </a:xfrm>
+          <a:prstGeom prst="rect">
+            <a:avLst/>
+          </a:prstGeom>
+        </p:spPr>
+        <p:txBody>
+          <a:bodyPr spcFirstLastPara="1" wrap="square" lIns="91425" tIns="91425" rIns="91425" bIns="91425" anchor="t" anchorCtr="0">
+            <a:noAutofit/>
+          </a:bodyPr>
+          <a:lstStyle/>
+          <a:p>
+            <a:pPr marL="0" lvl="0" indent="0" algn="l" rtl="0">
+              <a:spcBef>
+                <a:spcPts val="0"/>
+              </a:spcBef>
+              <a:spcAft>
+                <a:spcPts val="0"/>
+              </a:spcAft>
+              <a:buNone/>
+            </a:pPr>
+            <a:r>
+              <a:rPr lang="pt-BR" dirty="0"/>
+              <a:t>Julia</a:t>
+            </a:r>
+            <a:endParaRPr dirty="0"/>
+          </a:p>
+        </p:txBody>
+      </p:sp>
+    </p:spTree>
+    <p:extLst>
+      <p:ext uri="{BB962C8B-B14F-4D97-AF65-F5344CB8AC3E}">
         <p14:creationId xmlns:p14="http://schemas.microsoft.com/office/powerpoint/2010/main" val="904723324"/>
       </p:ext>
     </p:extLst>
@@ -1743,7 +2066,7 @@
 </p:notes>
 </file>
 
-<file path=ppt/notesSlides/notesSlide7.xml><?xml version="1.0" encoding="utf-8"?>
+<file path=ppt/notesSlides/notesSlide8.xml><?xml version="1.0" encoding="utf-8"?>
 <p:notes xmlns:a="http://schemas.openxmlformats.org/drawingml/2006/main" xmlns:r="http://schemas.openxmlformats.org/officeDocument/2006/relationships" xmlns:p="http://schemas.openxmlformats.org/presentationml/2006/main" showMasterSp="0" showMasterPhAnim="0">
   <p:cSld>
     <p:spTree>
@@ -1856,12 +2179,12 @@
 </p:notes>
 </file>
 
-<file path=ppt/notesSlides/notesSlide8.xml><?xml version="1.0" encoding="utf-8"?>
+<file path=ppt/notesSlides/notesSlide9.xml><?xml version="1.0" encoding="utf-8"?>
 <p:notes xmlns:a="http://schemas.openxmlformats.org/drawingml/2006/main" xmlns:r="http://schemas.openxmlformats.org/officeDocument/2006/relationships" xmlns:p="http://schemas.openxmlformats.org/presentationml/2006/main" showMasterSp="0" showMasterPhAnim="0">
   <p:cSld>
     <p:spTree>
       <p:nvGrpSpPr>
-        <p:cNvPr id="1" name="Shape 649"/>
+        <p:cNvPr id="1" name="Shape 838"/>
         <p:cNvGrpSpPr/>
         <p:nvPr/>
       </p:nvGrpSpPr>
@@ -1875,7 +2198,7 @@
       </p:grpSpPr>
       <p:sp>
         <p:nvSpPr>
-          <p:cNvPr id="650" name="Google Shape;650;ga3244cfb57_0_1283:notes"/>
+          <p:cNvPr id="839" name="Google Shape;839;ga3244cfb57_0_2101:notes"/>
           <p:cNvSpPr>
             <a:spLocks noGrp="1" noRot="1" noChangeAspect="1"/>
           </p:cNvSpPr>
@@ -1916,7 +2239,7 @@
       </p:sp>
       <p:sp>
         <p:nvSpPr>
-          <p:cNvPr id="651" name="Google Shape;651;ga3244cfb57_0_1283:notes"/>
+          <p:cNvPr id="840" name="Google Shape;840;ga3244cfb57_0_2101:notes"/>
           <p:cNvSpPr txBox="1">
             <a:spLocks noGrp="1"/>
           </p:cNvSpPr>
@@ -1950,7 +2273,7 @@
             </a:pPr>
             <a:r>
               <a:rPr lang="pt-BR" dirty="0"/>
-              <a:t>Gustavo</a:t>
+              <a:t>Gabriel</a:t>
             </a:r>
             <a:endParaRPr dirty="0"/>
           </a:p>
@@ -1959,120 +2282,7 @@
     </p:spTree>
     <p:extLst>
       <p:ext uri="{BB962C8B-B14F-4D97-AF65-F5344CB8AC3E}">
-        <p14:creationId xmlns:p14="http://schemas.microsoft.com/office/powerpoint/2010/main" val="3422372567"/>
-      </p:ext>
-    </p:extLst>
-  </p:cSld>
-  <p:clrMapOvr>
-    <a:masterClrMapping/>
-  </p:clrMapOvr>
-</p:notes>
-</file>
-
-<file path=ppt/notesSlides/notesSlide9.xml><?xml version="1.0" encoding="utf-8"?>
-<p:notes xmlns:a="http://schemas.openxmlformats.org/drawingml/2006/main" xmlns:r="http://schemas.openxmlformats.org/officeDocument/2006/relationships" xmlns:p="http://schemas.openxmlformats.org/presentationml/2006/main" showMasterSp="0" showMasterPhAnim="0">
-  <p:cSld>
-    <p:spTree>
-      <p:nvGrpSpPr>
-        <p:cNvPr id="1" name="Shape 895"/>
-        <p:cNvGrpSpPr/>
-        <p:nvPr/>
-      </p:nvGrpSpPr>
-      <p:grpSpPr>
-        <a:xfrm>
-          <a:off x="0" y="0"/>
-          <a:ext cx="0" cy="0"/>
-          <a:chOff x="0" y="0"/>
-          <a:chExt cx="0" cy="0"/>
-        </a:xfrm>
-      </p:grpSpPr>
-      <p:sp>
-        <p:nvSpPr>
-          <p:cNvPr id="896" name="Google Shape;896;ga3244cfb57_0_3061:notes"/>
-          <p:cNvSpPr>
-            <a:spLocks noGrp="1" noRot="1" noChangeAspect="1"/>
-          </p:cNvSpPr>
-          <p:nvPr>
-            <p:ph type="sldImg" idx="2"/>
-          </p:nvPr>
-        </p:nvSpPr>
-        <p:spPr>
-          <a:xfrm>
-            <a:off x="381000" y="685800"/>
-            <a:ext cx="6096000" cy="3429000"/>
-          </a:xfrm>
-          <a:custGeom>
-            <a:avLst/>
-            <a:gdLst/>
-            <a:ahLst/>
-            <a:cxnLst/>
-            <a:rect l="l" t="t" r="r" b="b"/>
-            <a:pathLst>
-              <a:path w="120000" h="120000" extrusionOk="0">
-                <a:moveTo>
-                  <a:pt x="0" y="0"/>
-                </a:moveTo>
-                <a:lnTo>
-                  <a:pt x="120000" y="0"/>
-                </a:lnTo>
-                <a:lnTo>
-                  <a:pt x="120000" y="120000"/>
-                </a:lnTo>
-                <a:lnTo>
-                  <a:pt x="0" y="120000"/>
-                </a:lnTo>
-                <a:close/>
-              </a:path>
-            </a:pathLst>
-          </a:custGeom>
-        </p:spPr>
-      </p:sp>
-      <p:sp>
-        <p:nvSpPr>
-          <p:cNvPr id="897" name="Google Shape;897;ga3244cfb57_0_3061:notes"/>
-          <p:cNvSpPr txBox="1">
-            <a:spLocks noGrp="1"/>
-          </p:cNvSpPr>
-          <p:nvPr>
-            <p:ph type="body" idx="1"/>
-          </p:nvPr>
-        </p:nvSpPr>
-        <p:spPr>
-          <a:xfrm>
-            <a:off x="685800" y="4343400"/>
-            <a:ext cx="5486400" cy="4114800"/>
-          </a:xfrm>
-          <a:prstGeom prst="rect">
-            <a:avLst/>
-          </a:prstGeom>
-        </p:spPr>
-        <p:txBody>
-          <a:bodyPr spcFirstLastPara="1" wrap="square" lIns="91425" tIns="91425" rIns="91425" bIns="91425" anchor="t" anchorCtr="0">
-            <a:noAutofit/>
-          </a:bodyPr>
-          <a:lstStyle/>
-          <a:p>
-            <a:pPr marL="0" lvl="0" indent="0" algn="l" rtl="0">
-              <a:spcBef>
-                <a:spcPts val="0"/>
-              </a:spcBef>
-              <a:spcAft>
-                <a:spcPts val="0"/>
-              </a:spcAft>
-              <a:buNone/>
-            </a:pPr>
-            <a:r>
-              <a:rPr lang="pt-BR" dirty="0"/>
-              <a:t>Gustavo e Gabriel</a:t>
-            </a:r>
-            <a:endParaRPr dirty="0"/>
-          </a:p>
-        </p:txBody>
-      </p:sp>
-    </p:spTree>
-    <p:extLst>
-      <p:ext uri="{BB962C8B-B14F-4D97-AF65-F5344CB8AC3E}">
-        <p14:creationId xmlns:p14="http://schemas.microsoft.com/office/powerpoint/2010/main" val="2420130604"/>
+        <p14:creationId xmlns:p14="http://schemas.microsoft.com/office/powerpoint/2010/main" val="4108026751"/>
       </p:ext>
     </p:extLst>
   </p:cSld>
@@ -4293,7 +4503,7 @@
                 <a:hlinkClick r:id="rId2">
                   <a:extLst>
                     <a:ext uri="{A12FA001-AC4F-418D-AE19-62706E023703}">
-                      <ahyp:hlinkClr xmlns:ahyp="http://schemas.microsoft.com/office/drawing/2018/hyperlinkcolor" xmlns="" val="tx"/>
+                      <ahyp:hlinkClr xmlns:ahyp="http://schemas.microsoft.com/office/drawing/2018/hyperlinkcolor" val="tx"/>
                     </a:ext>
                   </a:extLst>
                 </a:hlinkClick>
@@ -4327,7 +4537,7 @@
                 <a:hlinkClick r:id="rId3">
                   <a:extLst>
                     <a:ext uri="{A12FA001-AC4F-418D-AE19-62706E023703}">
-                      <ahyp:hlinkClr xmlns:ahyp="http://schemas.microsoft.com/office/drawing/2018/hyperlinkcolor" xmlns="" val="tx"/>
+                      <ahyp:hlinkClr xmlns:ahyp="http://schemas.microsoft.com/office/drawing/2018/hyperlinkcolor" val="tx"/>
                     </a:ext>
                   </a:extLst>
                 </a:hlinkClick>
@@ -4361,7 +4571,7 @@
                 <a:hlinkClick r:id="rId4">
                   <a:extLst>
                     <a:ext uri="{A12FA001-AC4F-418D-AE19-62706E023703}">
-                      <ahyp:hlinkClr xmlns:ahyp="http://schemas.microsoft.com/office/drawing/2018/hyperlinkcolor" xmlns="" val="tx"/>
+                      <ahyp:hlinkClr xmlns:ahyp="http://schemas.microsoft.com/office/drawing/2018/hyperlinkcolor" val="tx"/>
                     </a:ext>
                   </a:extLst>
                 </a:hlinkClick>
@@ -4446,6 +4656,1297 @@
         </a:xfrm>
       </p:grpSpPr>
     </p:spTree>
+  </p:cSld>
+  <p:clrMapOvr>
+    <a:masterClrMapping/>
+  </p:clrMapOvr>
+</p:sldLayout>
+</file>
+
+<file path=ppt/slideLayouts/slideLayout13.xml><?xml version="1.0" encoding="utf-8"?>
+<p:sldLayout xmlns:a="http://schemas.openxmlformats.org/drawingml/2006/main" xmlns:r="http://schemas.openxmlformats.org/officeDocument/2006/relationships" xmlns:p="http://schemas.openxmlformats.org/presentationml/2006/main" matchingName="Title and body" type="tx">
+  <p:cSld name="Title and body">
+    <p:spTree>
+      <p:nvGrpSpPr>
+        <p:cNvPr id="1" name="Shape 32"/>
+        <p:cNvGrpSpPr/>
+        <p:nvPr/>
+      </p:nvGrpSpPr>
+      <p:grpSpPr>
+        <a:xfrm>
+          <a:off x="0" y="0"/>
+          <a:ext cx="0" cy="0"/>
+          <a:chOff x="0" y="0"/>
+          <a:chExt cx="0" cy="0"/>
+        </a:xfrm>
+      </p:grpSpPr>
+      <p:sp>
+        <p:nvSpPr>
+          <p:cNvPr id="33" name="Google Shape;33;p4"/>
+          <p:cNvSpPr/>
+          <p:nvPr/>
+        </p:nvSpPr>
+        <p:spPr>
+          <a:xfrm rot="-447841">
+            <a:off x="5782376" y="1295447"/>
+            <a:ext cx="1799227" cy="25"/>
+          </a:xfrm>
+          <a:custGeom>
+            <a:avLst/>
+            <a:gdLst/>
+            <a:ahLst/>
+            <a:cxnLst/>
+            <a:rect l="l" t="t" r="r" b="b"/>
+            <a:pathLst>
+              <a:path w="71971" h="1" fill="none" extrusionOk="0">
+                <a:moveTo>
+                  <a:pt x="0" y="1"/>
+                </a:moveTo>
+                <a:lnTo>
+                  <a:pt x="71971" y="1"/>
+                </a:lnTo>
+              </a:path>
+            </a:pathLst>
+          </a:custGeom>
+          <a:noFill/>
+          <a:ln w="9525" cap="rnd" cmpd="sng">
+            <a:solidFill>
+              <a:srgbClr val="FEFCFF"/>
+            </a:solidFill>
+            <a:prstDash val="solid"/>
+            <a:round/>
+            <a:headEnd type="none" w="sm" len="sm"/>
+            <a:tailEnd type="none" w="sm" len="sm"/>
+          </a:ln>
+        </p:spPr>
+        <p:txBody>
+          <a:bodyPr spcFirstLastPara="1" wrap="square" lIns="91425" tIns="91425" rIns="91425" bIns="91425" anchor="ctr" anchorCtr="0">
+            <a:noAutofit/>
+          </a:bodyPr>
+          <a:lstStyle/>
+          <a:p>
+            <a:pPr marL="0" lvl="0" indent="0" algn="l" rtl="0">
+              <a:spcBef>
+                <a:spcPts val="0"/>
+              </a:spcBef>
+              <a:spcAft>
+                <a:spcPts val="0"/>
+              </a:spcAft>
+              <a:buNone/>
+            </a:pPr>
+            <a:endParaRPr/>
+          </a:p>
+        </p:txBody>
+      </p:sp>
+      <p:sp>
+        <p:nvSpPr>
+          <p:cNvPr id="34" name="Google Shape;34;p4"/>
+          <p:cNvSpPr/>
+          <p:nvPr/>
+        </p:nvSpPr>
+        <p:spPr>
+          <a:xfrm rot="-447841">
+            <a:off x="5304435" y="1131628"/>
+            <a:ext cx="1799227" cy="25"/>
+          </a:xfrm>
+          <a:custGeom>
+            <a:avLst/>
+            <a:gdLst/>
+            <a:ahLst/>
+            <a:cxnLst/>
+            <a:rect l="l" t="t" r="r" b="b"/>
+            <a:pathLst>
+              <a:path w="71971" h="1" fill="none" extrusionOk="0">
+                <a:moveTo>
+                  <a:pt x="0" y="1"/>
+                </a:moveTo>
+                <a:lnTo>
+                  <a:pt x="71971" y="1"/>
+                </a:lnTo>
+              </a:path>
+            </a:pathLst>
+          </a:custGeom>
+          <a:noFill/>
+          <a:ln w="9525" cap="rnd" cmpd="sng">
+            <a:solidFill>
+              <a:srgbClr val="FEFCFF"/>
+            </a:solidFill>
+            <a:prstDash val="solid"/>
+            <a:round/>
+            <a:headEnd type="none" w="sm" len="sm"/>
+            <a:tailEnd type="none" w="sm" len="sm"/>
+          </a:ln>
+        </p:spPr>
+        <p:txBody>
+          <a:bodyPr spcFirstLastPara="1" wrap="square" lIns="91425" tIns="91425" rIns="91425" bIns="91425" anchor="ctr" anchorCtr="0">
+            <a:noAutofit/>
+          </a:bodyPr>
+          <a:lstStyle/>
+          <a:p>
+            <a:pPr marL="0" lvl="0" indent="0" algn="l" rtl="0">
+              <a:spcBef>
+                <a:spcPts val="0"/>
+              </a:spcBef>
+              <a:spcAft>
+                <a:spcPts val="0"/>
+              </a:spcAft>
+              <a:buNone/>
+            </a:pPr>
+            <a:endParaRPr/>
+          </a:p>
+        </p:txBody>
+      </p:sp>
+      <p:sp>
+        <p:nvSpPr>
+          <p:cNvPr id="35" name="Google Shape;35;p4"/>
+          <p:cNvSpPr/>
+          <p:nvPr/>
+        </p:nvSpPr>
+        <p:spPr>
+          <a:xfrm rot="764106">
+            <a:off x="4162806" y="4691487"/>
+            <a:ext cx="1056987" cy="20"/>
+          </a:xfrm>
+          <a:custGeom>
+            <a:avLst/>
+            <a:gdLst/>
+            <a:ahLst/>
+            <a:cxnLst/>
+            <a:rect l="l" t="t" r="r" b="b"/>
+            <a:pathLst>
+              <a:path w="71971" h="1" fill="none" extrusionOk="0">
+                <a:moveTo>
+                  <a:pt x="0" y="1"/>
+                </a:moveTo>
+                <a:lnTo>
+                  <a:pt x="71971" y="1"/>
+                </a:lnTo>
+              </a:path>
+            </a:pathLst>
+          </a:custGeom>
+          <a:noFill/>
+          <a:ln w="9525" cap="rnd" cmpd="sng">
+            <a:solidFill>
+              <a:srgbClr val="FEFCFF"/>
+            </a:solidFill>
+            <a:prstDash val="solid"/>
+            <a:round/>
+            <a:headEnd type="none" w="sm" len="sm"/>
+            <a:tailEnd type="none" w="sm" len="sm"/>
+          </a:ln>
+        </p:spPr>
+        <p:txBody>
+          <a:bodyPr spcFirstLastPara="1" wrap="square" lIns="91425" tIns="91425" rIns="91425" bIns="91425" anchor="ctr" anchorCtr="0">
+            <a:noAutofit/>
+          </a:bodyPr>
+          <a:lstStyle/>
+          <a:p>
+            <a:pPr marL="0" lvl="0" indent="0" algn="l" rtl="0">
+              <a:spcBef>
+                <a:spcPts val="0"/>
+              </a:spcBef>
+              <a:spcAft>
+                <a:spcPts val="0"/>
+              </a:spcAft>
+              <a:buNone/>
+            </a:pPr>
+            <a:endParaRPr/>
+          </a:p>
+        </p:txBody>
+      </p:sp>
+      <p:sp>
+        <p:nvSpPr>
+          <p:cNvPr id="36" name="Google Shape;36;p4"/>
+          <p:cNvSpPr/>
+          <p:nvPr/>
+        </p:nvSpPr>
+        <p:spPr>
+          <a:xfrm rot="764106">
+            <a:off x="3924212" y="4452490"/>
+            <a:ext cx="1056987" cy="20"/>
+          </a:xfrm>
+          <a:custGeom>
+            <a:avLst/>
+            <a:gdLst/>
+            <a:ahLst/>
+            <a:cxnLst/>
+            <a:rect l="l" t="t" r="r" b="b"/>
+            <a:pathLst>
+              <a:path w="71971" h="1" fill="none" extrusionOk="0">
+                <a:moveTo>
+                  <a:pt x="0" y="1"/>
+                </a:moveTo>
+                <a:lnTo>
+                  <a:pt x="71971" y="1"/>
+                </a:lnTo>
+              </a:path>
+            </a:pathLst>
+          </a:custGeom>
+          <a:noFill/>
+          <a:ln w="9525" cap="rnd" cmpd="sng">
+            <a:solidFill>
+              <a:srgbClr val="FEFCFF"/>
+            </a:solidFill>
+            <a:prstDash val="solid"/>
+            <a:round/>
+            <a:headEnd type="none" w="sm" len="sm"/>
+            <a:tailEnd type="none" w="sm" len="sm"/>
+          </a:ln>
+        </p:spPr>
+        <p:txBody>
+          <a:bodyPr spcFirstLastPara="1" wrap="square" lIns="91425" tIns="91425" rIns="91425" bIns="91425" anchor="ctr" anchorCtr="0">
+            <a:noAutofit/>
+          </a:bodyPr>
+          <a:lstStyle/>
+          <a:p>
+            <a:pPr marL="0" lvl="0" indent="0" algn="l" rtl="0">
+              <a:spcBef>
+                <a:spcPts val="0"/>
+              </a:spcBef>
+              <a:spcAft>
+                <a:spcPts val="0"/>
+              </a:spcAft>
+              <a:buNone/>
+            </a:pPr>
+            <a:endParaRPr/>
+          </a:p>
+        </p:txBody>
+      </p:sp>
+      <p:sp>
+        <p:nvSpPr>
+          <p:cNvPr id="37" name="Google Shape;37;p4"/>
+          <p:cNvSpPr/>
+          <p:nvPr/>
+        </p:nvSpPr>
+        <p:spPr>
+          <a:xfrm>
+            <a:off x="5657604" y="2347652"/>
+            <a:ext cx="1163192" cy="1163192"/>
+          </a:xfrm>
+          <a:custGeom>
+            <a:avLst/>
+            <a:gdLst/>
+            <a:ahLst/>
+            <a:cxnLst/>
+            <a:rect l="l" t="t" r="r" b="b"/>
+            <a:pathLst>
+              <a:path w="19584" h="19584" fill="none" extrusionOk="0">
+                <a:moveTo>
+                  <a:pt x="19583" y="11062"/>
+                </a:moveTo>
+                <a:lnTo>
+                  <a:pt x="12871" y="8435"/>
+                </a:lnTo>
+                <a:lnTo>
+                  <a:pt x="15497" y="1722"/>
+                </a:lnTo>
+                <a:lnTo>
+                  <a:pt x="11061" y="0"/>
+                </a:lnTo>
+                <a:lnTo>
+                  <a:pt x="8435" y="6713"/>
+                </a:lnTo>
+                <a:lnTo>
+                  <a:pt x="1722" y="4086"/>
+                </a:lnTo>
+                <a:lnTo>
+                  <a:pt x="0" y="8523"/>
+                </a:lnTo>
+                <a:lnTo>
+                  <a:pt x="6713" y="11149"/>
+                </a:lnTo>
+                <a:lnTo>
+                  <a:pt x="4086" y="17862"/>
+                </a:lnTo>
+                <a:lnTo>
+                  <a:pt x="8522" y="19584"/>
+                </a:lnTo>
+                <a:lnTo>
+                  <a:pt x="11149" y="12871"/>
+                </a:lnTo>
+                <a:lnTo>
+                  <a:pt x="17832" y="15498"/>
+                </a:lnTo>
+                <a:close/>
+              </a:path>
+            </a:pathLst>
+          </a:custGeom>
+          <a:noFill/>
+          <a:ln w="9525" cap="rnd" cmpd="sng">
+            <a:solidFill>
+              <a:schemeClr val="dk2"/>
+            </a:solidFill>
+            <a:prstDash val="solid"/>
+            <a:round/>
+            <a:headEnd type="none" w="sm" len="sm"/>
+            <a:tailEnd type="none" w="sm" len="sm"/>
+          </a:ln>
+        </p:spPr>
+        <p:txBody>
+          <a:bodyPr spcFirstLastPara="1" wrap="square" lIns="91425" tIns="91425" rIns="91425" bIns="91425" anchor="ctr" anchorCtr="0">
+            <a:noAutofit/>
+          </a:bodyPr>
+          <a:lstStyle/>
+          <a:p>
+            <a:pPr marL="0" lvl="0" indent="0" algn="l" rtl="0">
+              <a:spcBef>
+                <a:spcPts val="0"/>
+              </a:spcBef>
+              <a:spcAft>
+                <a:spcPts val="0"/>
+              </a:spcAft>
+              <a:buNone/>
+            </a:pPr>
+            <a:endParaRPr/>
+          </a:p>
+        </p:txBody>
+      </p:sp>
+      <p:sp>
+        <p:nvSpPr>
+          <p:cNvPr id="38" name="Google Shape;38;p4"/>
+          <p:cNvSpPr/>
+          <p:nvPr/>
+        </p:nvSpPr>
+        <p:spPr>
+          <a:xfrm>
+            <a:off x="7573976" y="1159913"/>
+            <a:ext cx="1025067" cy="634214"/>
+          </a:xfrm>
+          <a:custGeom>
+            <a:avLst/>
+            <a:gdLst/>
+            <a:ahLst/>
+            <a:cxnLst/>
+            <a:rect l="l" t="t" r="r" b="b"/>
+            <a:pathLst>
+              <a:path w="16607" h="10274" fill="none" extrusionOk="0">
+                <a:moveTo>
+                  <a:pt x="1" y="10274"/>
+                </a:moveTo>
+                <a:lnTo>
+                  <a:pt x="16607" y="8494"/>
+                </a:lnTo>
+                <a:lnTo>
+                  <a:pt x="12463" y="1"/>
+                </a:lnTo>
+                <a:close/>
+              </a:path>
+            </a:pathLst>
+          </a:custGeom>
+          <a:noFill/>
+          <a:ln w="9525" cap="rnd" cmpd="sng">
+            <a:solidFill>
+              <a:schemeClr val="lt2"/>
+            </a:solidFill>
+            <a:prstDash val="solid"/>
+            <a:round/>
+            <a:headEnd type="none" w="sm" len="sm"/>
+            <a:tailEnd type="none" w="sm" len="sm"/>
+          </a:ln>
+        </p:spPr>
+        <p:txBody>
+          <a:bodyPr spcFirstLastPara="1" wrap="square" lIns="91425" tIns="91425" rIns="91425" bIns="91425" anchor="ctr" anchorCtr="0">
+            <a:noAutofit/>
+          </a:bodyPr>
+          <a:lstStyle/>
+          <a:p>
+            <a:pPr marL="0" lvl="0" indent="0" algn="l" rtl="0">
+              <a:spcBef>
+                <a:spcPts val="0"/>
+              </a:spcBef>
+              <a:spcAft>
+                <a:spcPts val="0"/>
+              </a:spcAft>
+              <a:buNone/>
+            </a:pPr>
+            <a:endParaRPr/>
+          </a:p>
+        </p:txBody>
+      </p:sp>
+      <p:sp>
+        <p:nvSpPr>
+          <p:cNvPr id="39" name="Google Shape;39;p4"/>
+          <p:cNvSpPr/>
+          <p:nvPr/>
+        </p:nvSpPr>
+        <p:spPr>
+          <a:xfrm>
+            <a:off x="295321" y="1014775"/>
+            <a:ext cx="376523" cy="524335"/>
+          </a:xfrm>
+          <a:custGeom>
+            <a:avLst/>
+            <a:gdLst/>
+            <a:ahLst/>
+            <a:cxnLst/>
+            <a:rect l="l" t="t" r="r" b="b"/>
+            <a:pathLst>
+              <a:path w="6100" h="8494" fill="none" extrusionOk="0">
+                <a:moveTo>
+                  <a:pt x="6100" y="8494"/>
+                </a:moveTo>
+                <a:lnTo>
+                  <a:pt x="0" y="6130"/>
+                </a:lnTo>
+                <a:lnTo>
+                  <a:pt x="1956" y="1"/>
+                </a:lnTo>
+                <a:close/>
+              </a:path>
+            </a:pathLst>
+          </a:custGeom>
+          <a:noFill/>
+          <a:ln w="9525" cap="rnd" cmpd="sng">
+            <a:solidFill>
+              <a:schemeClr val="dk2"/>
+            </a:solidFill>
+            <a:prstDash val="solid"/>
+            <a:round/>
+            <a:headEnd type="none" w="sm" len="sm"/>
+            <a:tailEnd type="none" w="sm" len="sm"/>
+          </a:ln>
+        </p:spPr>
+        <p:txBody>
+          <a:bodyPr spcFirstLastPara="1" wrap="square" lIns="91425" tIns="91425" rIns="91425" bIns="91425" anchor="ctr" anchorCtr="0">
+            <a:noAutofit/>
+          </a:bodyPr>
+          <a:lstStyle/>
+          <a:p>
+            <a:pPr marL="0" lvl="0" indent="0" algn="l" rtl="0">
+              <a:spcBef>
+                <a:spcPts val="0"/>
+              </a:spcBef>
+              <a:spcAft>
+                <a:spcPts val="0"/>
+              </a:spcAft>
+              <a:buNone/>
+            </a:pPr>
+            <a:endParaRPr/>
+          </a:p>
+        </p:txBody>
+      </p:sp>
+      <p:sp>
+        <p:nvSpPr>
+          <p:cNvPr id="40" name="Google Shape;40;p4"/>
+          <p:cNvSpPr txBox="1">
+            <a:spLocks noGrp="1"/>
+          </p:cNvSpPr>
+          <p:nvPr>
+            <p:ph type="body" idx="1"/>
+          </p:nvPr>
+        </p:nvSpPr>
+        <p:spPr>
+          <a:xfrm>
+            <a:off x="859950" y="1733200"/>
+            <a:ext cx="7424100" cy="2309400"/>
+          </a:xfrm>
+          <a:prstGeom prst="rect">
+            <a:avLst/>
+          </a:prstGeom>
+        </p:spPr>
+        <p:txBody>
+          <a:bodyPr spcFirstLastPara="1" wrap="square" lIns="91425" tIns="91425" rIns="91425" bIns="91425" anchor="t" anchorCtr="0">
+            <a:noAutofit/>
+          </a:bodyPr>
+          <a:lstStyle>
+            <a:lvl1pPr marL="457200" lvl="0" indent="-342900">
+              <a:spcBef>
+                <a:spcPts val="0"/>
+              </a:spcBef>
+              <a:spcAft>
+                <a:spcPts val="0"/>
+              </a:spcAft>
+              <a:buClr>
+                <a:schemeClr val="dk1"/>
+              </a:buClr>
+              <a:buSzPts val="1800"/>
+              <a:buFont typeface="Merriweather"/>
+              <a:buChar char="●"/>
+              <a:defRPr sz="1600"/>
+            </a:lvl1pPr>
+            <a:lvl2pPr marL="914400" lvl="1" indent="-317500">
+              <a:spcBef>
+                <a:spcPts val="1600"/>
+              </a:spcBef>
+              <a:spcAft>
+                <a:spcPts val="0"/>
+              </a:spcAft>
+              <a:buClr>
+                <a:schemeClr val="dk1"/>
+              </a:buClr>
+              <a:buSzPts val="1400"/>
+              <a:buFont typeface="Merriweather"/>
+              <a:buChar char="○"/>
+              <a:defRPr sz="1600"/>
+            </a:lvl2pPr>
+            <a:lvl3pPr marL="1371600" lvl="2" indent="-317500">
+              <a:spcBef>
+                <a:spcPts val="1600"/>
+              </a:spcBef>
+              <a:spcAft>
+                <a:spcPts val="0"/>
+              </a:spcAft>
+              <a:buClr>
+                <a:schemeClr val="dk1"/>
+              </a:buClr>
+              <a:buSzPts val="1400"/>
+              <a:buFont typeface="Merriweather"/>
+              <a:buChar char="■"/>
+              <a:defRPr/>
+            </a:lvl3pPr>
+            <a:lvl4pPr marL="1828800" lvl="3" indent="-317500">
+              <a:spcBef>
+                <a:spcPts val="1600"/>
+              </a:spcBef>
+              <a:spcAft>
+                <a:spcPts val="0"/>
+              </a:spcAft>
+              <a:buClr>
+                <a:schemeClr val="dk1"/>
+              </a:buClr>
+              <a:buSzPts val="1400"/>
+              <a:buFont typeface="Merriweather"/>
+              <a:buChar char="●"/>
+              <a:defRPr/>
+            </a:lvl4pPr>
+            <a:lvl5pPr marL="2286000" lvl="4" indent="-317500">
+              <a:spcBef>
+                <a:spcPts val="1600"/>
+              </a:spcBef>
+              <a:spcAft>
+                <a:spcPts val="0"/>
+              </a:spcAft>
+              <a:buClr>
+                <a:schemeClr val="dk1"/>
+              </a:buClr>
+              <a:buSzPts val="1400"/>
+              <a:buFont typeface="Merriweather"/>
+              <a:buChar char="○"/>
+              <a:defRPr/>
+            </a:lvl5pPr>
+            <a:lvl6pPr marL="2743200" lvl="5" indent="-317500">
+              <a:spcBef>
+                <a:spcPts val="1600"/>
+              </a:spcBef>
+              <a:spcAft>
+                <a:spcPts val="0"/>
+              </a:spcAft>
+              <a:buClr>
+                <a:schemeClr val="dk1"/>
+              </a:buClr>
+              <a:buSzPts val="1400"/>
+              <a:buFont typeface="Merriweather"/>
+              <a:buChar char="■"/>
+              <a:defRPr/>
+            </a:lvl6pPr>
+            <a:lvl7pPr marL="3200400" lvl="6" indent="-317500">
+              <a:spcBef>
+                <a:spcPts val="1600"/>
+              </a:spcBef>
+              <a:spcAft>
+                <a:spcPts val="0"/>
+              </a:spcAft>
+              <a:buClr>
+                <a:schemeClr val="dk1"/>
+              </a:buClr>
+              <a:buSzPts val="1400"/>
+              <a:buFont typeface="Merriweather"/>
+              <a:buChar char="●"/>
+              <a:defRPr/>
+            </a:lvl7pPr>
+            <a:lvl8pPr marL="3657600" lvl="7" indent="-317500">
+              <a:spcBef>
+                <a:spcPts val="1600"/>
+              </a:spcBef>
+              <a:spcAft>
+                <a:spcPts val="0"/>
+              </a:spcAft>
+              <a:buClr>
+                <a:schemeClr val="dk1"/>
+              </a:buClr>
+              <a:buSzPts val="1400"/>
+              <a:buFont typeface="Merriweather"/>
+              <a:buChar char="○"/>
+              <a:defRPr/>
+            </a:lvl8pPr>
+            <a:lvl9pPr marL="4114800" lvl="8" indent="-317500">
+              <a:spcBef>
+                <a:spcPts val="1600"/>
+              </a:spcBef>
+              <a:spcAft>
+                <a:spcPts val="1600"/>
+              </a:spcAft>
+              <a:buClr>
+                <a:schemeClr val="dk1"/>
+              </a:buClr>
+              <a:buSzPts val="1400"/>
+              <a:buFont typeface="Merriweather"/>
+              <a:buChar char="■"/>
+              <a:defRPr/>
+            </a:lvl9pPr>
+          </a:lstStyle>
+          <a:p>
+            <a:endParaRPr/>
+          </a:p>
+        </p:txBody>
+      </p:sp>
+      <p:sp>
+        <p:nvSpPr>
+          <p:cNvPr id="41" name="Google Shape;41;p4"/>
+          <p:cNvSpPr txBox="1">
+            <a:spLocks noGrp="1"/>
+          </p:cNvSpPr>
+          <p:nvPr>
+            <p:ph type="title"/>
+          </p:nvPr>
+        </p:nvSpPr>
+        <p:spPr>
+          <a:xfrm>
+            <a:off x="701100" y="569300"/>
+            <a:ext cx="7741800" cy="362100"/>
+          </a:xfrm>
+          <a:prstGeom prst="rect">
+            <a:avLst/>
+          </a:prstGeom>
+        </p:spPr>
+        <p:txBody>
+          <a:bodyPr spcFirstLastPara="1" wrap="square" lIns="91425" tIns="91425" rIns="91425" bIns="91425" anchor="ctr" anchorCtr="0">
+            <a:noAutofit/>
+          </a:bodyPr>
+          <a:lstStyle>
+            <a:lvl1pPr lvl="0" algn="ctr" rtl="0">
+              <a:spcBef>
+                <a:spcPts val="0"/>
+              </a:spcBef>
+              <a:spcAft>
+                <a:spcPts val="0"/>
+              </a:spcAft>
+              <a:buSzPts val="2600"/>
+              <a:buNone/>
+              <a:defRPr sz="2600"/>
+            </a:lvl1pPr>
+            <a:lvl2pPr lvl="1" rtl="0">
+              <a:spcBef>
+                <a:spcPts val="0"/>
+              </a:spcBef>
+              <a:spcAft>
+                <a:spcPts val="0"/>
+              </a:spcAft>
+              <a:buSzPts val="2600"/>
+              <a:buNone/>
+              <a:defRPr sz="2600"/>
+            </a:lvl2pPr>
+            <a:lvl3pPr lvl="2" rtl="0">
+              <a:spcBef>
+                <a:spcPts val="0"/>
+              </a:spcBef>
+              <a:spcAft>
+                <a:spcPts val="0"/>
+              </a:spcAft>
+              <a:buSzPts val="2600"/>
+              <a:buNone/>
+              <a:defRPr sz="2600"/>
+            </a:lvl3pPr>
+            <a:lvl4pPr lvl="3" rtl="0">
+              <a:spcBef>
+                <a:spcPts val="0"/>
+              </a:spcBef>
+              <a:spcAft>
+                <a:spcPts val="0"/>
+              </a:spcAft>
+              <a:buSzPts val="2600"/>
+              <a:buNone/>
+              <a:defRPr sz="2600"/>
+            </a:lvl4pPr>
+            <a:lvl5pPr lvl="4" rtl="0">
+              <a:spcBef>
+                <a:spcPts val="0"/>
+              </a:spcBef>
+              <a:spcAft>
+                <a:spcPts val="0"/>
+              </a:spcAft>
+              <a:buSzPts val="2600"/>
+              <a:buNone/>
+              <a:defRPr sz="2600"/>
+            </a:lvl5pPr>
+            <a:lvl6pPr lvl="5" rtl="0">
+              <a:spcBef>
+                <a:spcPts val="0"/>
+              </a:spcBef>
+              <a:spcAft>
+                <a:spcPts val="0"/>
+              </a:spcAft>
+              <a:buSzPts val="2600"/>
+              <a:buNone/>
+              <a:defRPr sz="2600"/>
+            </a:lvl6pPr>
+            <a:lvl7pPr lvl="6" rtl="0">
+              <a:spcBef>
+                <a:spcPts val="0"/>
+              </a:spcBef>
+              <a:spcAft>
+                <a:spcPts val="0"/>
+              </a:spcAft>
+              <a:buSzPts val="2600"/>
+              <a:buNone/>
+              <a:defRPr sz="2600"/>
+            </a:lvl7pPr>
+            <a:lvl8pPr lvl="7" rtl="0">
+              <a:spcBef>
+                <a:spcPts val="0"/>
+              </a:spcBef>
+              <a:spcAft>
+                <a:spcPts val="0"/>
+              </a:spcAft>
+              <a:buSzPts val="2600"/>
+              <a:buNone/>
+              <a:defRPr sz="2600"/>
+            </a:lvl8pPr>
+            <a:lvl9pPr lvl="8" rtl="0">
+              <a:spcBef>
+                <a:spcPts val="0"/>
+              </a:spcBef>
+              <a:spcAft>
+                <a:spcPts val="0"/>
+              </a:spcAft>
+              <a:buSzPts val="2600"/>
+              <a:buNone/>
+              <a:defRPr sz="2600"/>
+            </a:lvl9pPr>
+          </a:lstStyle>
+          <a:p>
+            <a:endParaRPr/>
+          </a:p>
+        </p:txBody>
+      </p:sp>
+    </p:spTree>
+    <p:extLst>
+      <p:ext uri="{BB962C8B-B14F-4D97-AF65-F5344CB8AC3E}">
+        <p14:creationId xmlns:p14="http://schemas.microsoft.com/office/powerpoint/2010/main" val="3134395606"/>
+      </p:ext>
+    </p:extLst>
+  </p:cSld>
+  <p:clrMapOvr>
+    <a:masterClrMapping/>
+  </p:clrMapOvr>
+</p:sldLayout>
+</file>
+
+<file path=ppt/slideLayouts/slideLayout14.xml><?xml version="1.0" encoding="utf-8"?>
+<p:sldLayout xmlns:a="http://schemas.openxmlformats.org/drawingml/2006/main" xmlns:r="http://schemas.openxmlformats.org/officeDocument/2006/relationships" xmlns:p="http://schemas.openxmlformats.org/presentationml/2006/main" matchingName="One column text">
+  <p:cSld name="One column text">
+    <p:bg>
+      <p:bgPr>
+        <a:solidFill>
+          <a:srgbClr val="000000"/>
+        </a:solidFill>
+        <a:effectLst/>
+      </p:bgPr>
+    </p:bg>
+    <p:spTree>
+      <p:nvGrpSpPr>
+        <p:cNvPr id="1" name="Shape 69"/>
+        <p:cNvGrpSpPr/>
+        <p:nvPr/>
+      </p:nvGrpSpPr>
+      <p:grpSpPr>
+        <a:xfrm>
+          <a:off x="0" y="0"/>
+          <a:ext cx="0" cy="0"/>
+          <a:chOff x="0" y="0"/>
+          <a:chExt cx="0" cy="0"/>
+        </a:xfrm>
+      </p:grpSpPr>
+      <p:sp>
+        <p:nvSpPr>
+          <p:cNvPr id="70" name="Google Shape;70;p7"/>
+          <p:cNvSpPr/>
+          <p:nvPr/>
+        </p:nvSpPr>
+        <p:spPr>
+          <a:xfrm>
+            <a:off x="4239300" y="675915"/>
+            <a:ext cx="3958200" cy="3911700"/>
+          </a:xfrm>
+          <a:prstGeom prst="ellipse">
+            <a:avLst/>
+          </a:prstGeom>
+          <a:noFill/>
+          <a:ln w="9525" cap="flat" cmpd="sng">
+            <a:solidFill>
+              <a:schemeClr val="dk2"/>
+            </a:solidFill>
+            <a:prstDash val="solid"/>
+            <a:round/>
+            <a:headEnd type="none" w="sm" len="sm"/>
+            <a:tailEnd type="none" w="sm" len="sm"/>
+          </a:ln>
+        </p:spPr>
+        <p:txBody>
+          <a:bodyPr spcFirstLastPara="1" wrap="square" lIns="91425" tIns="91425" rIns="91425" bIns="91425" anchor="ctr" anchorCtr="0">
+            <a:noAutofit/>
+          </a:bodyPr>
+          <a:lstStyle/>
+          <a:p>
+            <a:pPr marL="0" lvl="0" indent="0" algn="l" rtl="0">
+              <a:spcBef>
+                <a:spcPts val="0"/>
+              </a:spcBef>
+              <a:spcAft>
+                <a:spcPts val="0"/>
+              </a:spcAft>
+              <a:buNone/>
+            </a:pPr>
+            <a:endParaRPr/>
+          </a:p>
+        </p:txBody>
+      </p:sp>
+      <p:sp>
+        <p:nvSpPr>
+          <p:cNvPr id="71" name="Google Shape;71;p7"/>
+          <p:cNvSpPr/>
+          <p:nvPr/>
+        </p:nvSpPr>
+        <p:spPr>
+          <a:xfrm>
+            <a:off x="2962924" y="403925"/>
+            <a:ext cx="1074806" cy="1207525"/>
+          </a:xfrm>
+          <a:custGeom>
+            <a:avLst/>
+            <a:gdLst/>
+            <a:ahLst/>
+            <a:cxnLst/>
+            <a:rect l="l" t="t" r="r" b="b"/>
+            <a:pathLst>
+              <a:path w="21744" h="24429" fill="none" extrusionOk="0">
+                <a:moveTo>
+                  <a:pt x="21744" y="24428"/>
+                </a:moveTo>
+                <a:lnTo>
+                  <a:pt x="17979" y="0"/>
+                </a:lnTo>
+                <a:lnTo>
+                  <a:pt x="1" y="7909"/>
+                </a:lnTo>
+                <a:close/>
+              </a:path>
+            </a:pathLst>
+          </a:custGeom>
+          <a:noFill/>
+          <a:ln w="9525" cap="rnd" cmpd="sng">
+            <a:solidFill>
+              <a:schemeClr val="lt2"/>
+            </a:solidFill>
+            <a:prstDash val="solid"/>
+            <a:round/>
+            <a:headEnd type="none" w="sm" len="sm"/>
+            <a:tailEnd type="none" w="sm" len="sm"/>
+          </a:ln>
+        </p:spPr>
+        <p:txBody>
+          <a:bodyPr spcFirstLastPara="1" wrap="square" lIns="91425" tIns="91425" rIns="91425" bIns="91425" anchor="ctr" anchorCtr="0">
+            <a:noAutofit/>
+          </a:bodyPr>
+          <a:lstStyle/>
+          <a:p>
+            <a:pPr marL="0" lvl="0" indent="0" algn="l" rtl="0">
+              <a:spcBef>
+                <a:spcPts val="0"/>
+              </a:spcBef>
+              <a:spcAft>
+                <a:spcPts val="0"/>
+              </a:spcAft>
+              <a:buNone/>
+            </a:pPr>
+            <a:endParaRPr/>
+          </a:p>
+        </p:txBody>
+      </p:sp>
+      <p:sp>
+        <p:nvSpPr>
+          <p:cNvPr id="72" name="Google Shape;72;p7"/>
+          <p:cNvSpPr/>
+          <p:nvPr/>
+        </p:nvSpPr>
+        <p:spPr>
+          <a:xfrm rot="756328">
+            <a:off x="2339163" y="4654975"/>
+            <a:ext cx="1429617" cy="25"/>
+          </a:xfrm>
+          <a:custGeom>
+            <a:avLst/>
+            <a:gdLst/>
+            <a:ahLst/>
+            <a:cxnLst/>
+            <a:rect l="l" t="t" r="r" b="b"/>
+            <a:pathLst>
+              <a:path w="71971" h="1" fill="none" extrusionOk="0">
+                <a:moveTo>
+                  <a:pt x="0" y="1"/>
+                </a:moveTo>
+                <a:lnTo>
+                  <a:pt x="71971" y="1"/>
+                </a:lnTo>
+              </a:path>
+            </a:pathLst>
+          </a:custGeom>
+          <a:noFill/>
+          <a:ln w="9525" cap="rnd" cmpd="sng">
+            <a:solidFill>
+              <a:srgbClr val="FEFCFF"/>
+            </a:solidFill>
+            <a:prstDash val="solid"/>
+            <a:round/>
+            <a:headEnd type="none" w="sm" len="sm"/>
+            <a:tailEnd type="none" w="sm" len="sm"/>
+          </a:ln>
+        </p:spPr>
+        <p:txBody>
+          <a:bodyPr spcFirstLastPara="1" wrap="square" lIns="91425" tIns="91425" rIns="91425" bIns="91425" anchor="ctr" anchorCtr="0">
+            <a:noAutofit/>
+          </a:bodyPr>
+          <a:lstStyle/>
+          <a:p>
+            <a:pPr marL="0" lvl="0" indent="0" algn="l" rtl="0">
+              <a:spcBef>
+                <a:spcPts val="0"/>
+              </a:spcBef>
+              <a:spcAft>
+                <a:spcPts val="0"/>
+              </a:spcAft>
+              <a:buNone/>
+            </a:pPr>
+            <a:endParaRPr/>
+          </a:p>
+        </p:txBody>
+      </p:sp>
+      <p:sp>
+        <p:nvSpPr>
+          <p:cNvPr id="73" name="Google Shape;73;p7"/>
+          <p:cNvSpPr/>
+          <p:nvPr/>
+        </p:nvSpPr>
+        <p:spPr>
+          <a:xfrm rot="756328">
+            <a:off x="2018895" y="4355372"/>
+            <a:ext cx="1429617" cy="25"/>
+          </a:xfrm>
+          <a:custGeom>
+            <a:avLst/>
+            <a:gdLst/>
+            <a:ahLst/>
+            <a:cxnLst/>
+            <a:rect l="l" t="t" r="r" b="b"/>
+            <a:pathLst>
+              <a:path w="71971" h="1" fill="none" extrusionOk="0">
+                <a:moveTo>
+                  <a:pt x="0" y="1"/>
+                </a:moveTo>
+                <a:lnTo>
+                  <a:pt x="71971" y="1"/>
+                </a:lnTo>
+              </a:path>
+            </a:pathLst>
+          </a:custGeom>
+          <a:noFill/>
+          <a:ln w="9525" cap="rnd" cmpd="sng">
+            <a:solidFill>
+              <a:srgbClr val="FEFCFF"/>
+            </a:solidFill>
+            <a:prstDash val="solid"/>
+            <a:round/>
+            <a:headEnd type="none" w="sm" len="sm"/>
+            <a:tailEnd type="none" w="sm" len="sm"/>
+          </a:ln>
+        </p:spPr>
+        <p:txBody>
+          <a:bodyPr spcFirstLastPara="1" wrap="square" lIns="91425" tIns="91425" rIns="91425" bIns="91425" anchor="ctr" anchorCtr="0">
+            <a:noAutofit/>
+          </a:bodyPr>
+          <a:lstStyle/>
+          <a:p>
+            <a:pPr marL="0" lvl="0" indent="0" algn="l" rtl="0">
+              <a:spcBef>
+                <a:spcPts val="0"/>
+              </a:spcBef>
+              <a:spcAft>
+                <a:spcPts val="0"/>
+              </a:spcAft>
+              <a:buNone/>
+            </a:pPr>
+            <a:endParaRPr/>
+          </a:p>
+        </p:txBody>
+      </p:sp>
+      <p:sp>
+        <p:nvSpPr>
+          <p:cNvPr id="74" name="Google Shape;74;p7"/>
+          <p:cNvSpPr txBox="1">
+            <a:spLocks noGrp="1"/>
+          </p:cNvSpPr>
+          <p:nvPr>
+            <p:ph type="title"/>
+          </p:nvPr>
+        </p:nvSpPr>
+        <p:spPr>
+          <a:xfrm>
+            <a:off x="909900" y="1241800"/>
+            <a:ext cx="3002100" cy="1848600"/>
+          </a:xfrm>
+          <a:prstGeom prst="rect">
+            <a:avLst/>
+          </a:prstGeom>
+        </p:spPr>
+        <p:txBody>
+          <a:bodyPr spcFirstLastPara="1" wrap="square" lIns="91425" tIns="91425" rIns="91425" bIns="91425" anchor="b" anchorCtr="0">
+            <a:noAutofit/>
+          </a:bodyPr>
+          <a:lstStyle>
+            <a:lvl1pPr lvl="0">
+              <a:spcBef>
+                <a:spcPts val="0"/>
+              </a:spcBef>
+              <a:spcAft>
+                <a:spcPts val="0"/>
+              </a:spcAft>
+              <a:buSzPts val="2600"/>
+              <a:buNone/>
+              <a:defRPr sz="2600"/>
+            </a:lvl1pPr>
+            <a:lvl2pPr lvl="1">
+              <a:spcBef>
+                <a:spcPts val="0"/>
+              </a:spcBef>
+              <a:spcAft>
+                <a:spcPts val="0"/>
+              </a:spcAft>
+              <a:buSzPts val="2400"/>
+              <a:buNone/>
+              <a:defRPr sz="2400"/>
+            </a:lvl2pPr>
+            <a:lvl3pPr lvl="2">
+              <a:spcBef>
+                <a:spcPts val="0"/>
+              </a:spcBef>
+              <a:spcAft>
+                <a:spcPts val="0"/>
+              </a:spcAft>
+              <a:buSzPts val="2400"/>
+              <a:buNone/>
+              <a:defRPr sz="2400"/>
+            </a:lvl3pPr>
+            <a:lvl4pPr lvl="3">
+              <a:spcBef>
+                <a:spcPts val="0"/>
+              </a:spcBef>
+              <a:spcAft>
+                <a:spcPts val="0"/>
+              </a:spcAft>
+              <a:buSzPts val="2400"/>
+              <a:buNone/>
+              <a:defRPr sz="2400"/>
+            </a:lvl4pPr>
+            <a:lvl5pPr lvl="4">
+              <a:spcBef>
+                <a:spcPts val="0"/>
+              </a:spcBef>
+              <a:spcAft>
+                <a:spcPts val="0"/>
+              </a:spcAft>
+              <a:buSzPts val="2400"/>
+              <a:buNone/>
+              <a:defRPr sz="2400"/>
+            </a:lvl5pPr>
+            <a:lvl6pPr lvl="5">
+              <a:spcBef>
+                <a:spcPts val="0"/>
+              </a:spcBef>
+              <a:spcAft>
+                <a:spcPts val="0"/>
+              </a:spcAft>
+              <a:buSzPts val="2400"/>
+              <a:buNone/>
+              <a:defRPr sz="2400"/>
+            </a:lvl6pPr>
+            <a:lvl7pPr lvl="6">
+              <a:spcBef>
+                <a:spcPts val="0"/>
+              </a:spcBef>
+              <a:spcAft>
+                <a:spcPts val="0"/>
+              </a:spcAft>
+              <a:buSzPts val="2400"/>
+              <a:buNone/>
+              <a:defRPr sz="2400"/>
+            </a:lvl7pPr>
+            <a:lvl8pPr lvl="7">
+              <a:spcBef>
+                <a:spcPts val="0"/>
+              </a:spcBef>
+              <a:spcAft>
+                <a:spcPts val="0"/>
+              </a:spcAft>
+              <a:buSzPts val="2400"/>
+              <a:buNone/>
+              <a:defRPr sz="2400"/>
+            </a:lvl8pPr>
+            <a:lvl9pPr lvl="8">
+              <a:spcBef>
+                <a:spcPts val="0"/>
+              </a:spcBef>
+              <a:spcAft>
+                <a:spcPts val="0"/>
+              </a:spcAft>
+              <a:buSzPts val="2400"/>
+              <a:buNone/>
+              <a:defRPr sz="2400"/>
+            </a:lvl9pPr>
+          </a:lstStyle>
+          <a:p>
+            <a:endParaRPr/>
+          </a:p>
+        </p:txBody>
+      </p:sp>
+      <p:sp>
+        <p:nvSpPr>
+          <p:cNvPr id="75" name="Google Shape;75;p7"/>
+          <p:cNvSpPr txBox="1">
+            <a:spLocks noGrp="1"/>
+          </p:cNvSpPr>
+          <p:nvPr>
+            <p:ph type="subTitle" idx="1"/>
+          </p:nvPr>
+        </p:nvSpPr>
+        <p:spPr>
+          <a:xfrm>
+            <a:off x="938275" y="3141000"/>
+            <a:ext cx="2808000" cy="973200"/>
+          </a:xfrm>
+          <a:prstGeom prst="rect">
+            <a:avLst/>
+          </a:prstGeom>
+        </p:spPr>
+        <p:txBody>
+          <a:bodyPr spcFirstLastPara="1" wrap="square" lIns="91425" tIns="91425" rIns="91425" bIns="91425" anchor="ctr" anchorCtr="0">
+            <a:noAutofit/>
+          </a:bodyPr>
+          <a:lstStyle>
+            <a:lvl1pPr lvl="0">
+              <a:spcBef>
+                <a:spcPts val="0"/>
+              </a:spcBef>
+              <a:spcAft>
+                <a:spcPts val="0"/>
+              </a:spcAft>
+              <a:buSzPts val="1800"/>
+              <a:buNone/>
+              <a:defRPr sz="1600">
+                <a:solidFill>
+                  <a:schemeClr val="dk1"/>
+                </a:solidFill>
+              </a:defRPr>
+            </a:lvl1pPr>
+            <a:lvl2pPr lvl="1">
+              <a:spcBef>
+                <a:spcPts val="1600"/>
+              </a:spcBef>
+              <a:spcAft>
+                <a:spcPts val="0"/>
+              </a:spcAft>
+              <a:buSzPts val="1400"/>
+              <a:buNone/>
+              <a:defRPr/>
+            </a:lvl2pPr>
+            <a:lvl3pPr lvl="2">
+              <a:spcBef>
+                <a:spcPts val="1600"/>
+              </a:spcBef>
+              <a:spcAft>
+                <a:spcPts val="0"/>
+              </a:spcAft>
+              <a:buSzPts val="1400"/>
+              <a:buNone/>
+              <a:defRPr/>
+            </a:lvl3pPr>
+            <a:lvl4pPr lvl="3">
+              <a:spcBef>
+                <a:spcPts val="1600"/>
+              </a:spcBef>
+              <a:spcAft>
+                <a:spcPts val="0"/>
+              </a:spcAft>
+              <a:buSzPts val="1400"/>
+              <a:buNone/>
+              <a:defRPr/>
+            </a:lvl4pPr>
+            <a:lvl5pPr lvl="4">
+              <a:spcBef>
+                <a:spcPts val="1600"/>
+              </a:spcBef>
+              <a:spcAft>
+                <a:spcPts val="0"/>
+              </a:spcAft>
+              <a:buSzPts val="1400"/>
+              <a:buNone/>
+              <a:defRPr/>
+            </a:lvl5pPr>
+            <a:lvl6pPr lvl="5">
+              <a:spcBef>
+                <a:spcPts val="1600"/>
+              </a:spcBef>
+              <a:spcAft>
+                <a:spcPts val="0"/>
+              </a:spcAft>
+              <a:buSzPts val="1400"/>
+              <a:buNone/>
+              <a:defRPr/>
+            </a:lvl6pPr>
+            <a:lvl7pPr lvl="6">
+              <a:spcBef>
+                <a:spcPts val="1600"/>
+              </a:spcBef>
+              <a:spcAft>
+                <a:spcPts val="0"/>
+              </a:spcAft>
+              <a:buSzPts val="1400"/>
+              <a:buNone/>
+              <a:defRPr/>
+            </a:lvl7pPr>
+            <a:lvl8pPr lvl="7">
+              <a:spcBef>
+                <a:spcPts val="1600"/>
+              </a:spcBef>
+              <a:spcAft>
+                <a:spcPts val="0"/>
+              </a:spcAft>
+              <a:buSzPts val="1400"/>
+              <a:buNone/>
+              <a:defRPr/>
+            </a:lvl8pPr>
+            <a:lvl9pPr lvl="8">
+              <a:spcBef>
+                <a:spcPts val="1600"/>
+              </a:spcBef>
+              <a:spcAft>
+                <a:spcPts val="1600"/>
+              </a:spcAft>
+              <a:buSzPts val="1400"/>
+              <a:buNone/>
+              <a:defRPr/>
+            </a:lvl9pPr>
+          </a:lstStyle>
+          <a:p>
+            <a:endParaRPr/>
+          </a:p>
+        </p:txBody>
+      </p:sp>
+    </p:spTree>
+    <p:extLst>
+      <p:ext uri="{BB962C8B-B14F-4D97-AF65-F5344CB8AC3E}">
+        <p14:creationId xmlns:p14="http://schemas.microsoft.com/office/powerpoint/2010/main" val="422778706"/>
+      </p:ext>
+    </p:extLst>
   </p:cSld>
   <p:clrMapOvr>
     <a:masterClrMapping/>
@@ -10294,6 +11795,8 @@
     <p:sldLayoutId id="2147483680" r:id="rId10"/>
     <p:sldLayoutId id="2147483684" r:id="rId11"/>
     <p:sldLayoutId id="2147483685" r:id="rId12"/>
+    <p:sldLayoutId id="2147483688" r:id="rId13"/>
+    <p:sldLayoutId id="2147483689" r:id="rId14"/>
   </p:sldLayoutIdLst>
   <p:hf sldNum="0" hdr="0" ftr="0" dt="0"/>
   <p:txStyles>
@@ -11247,7 +12750,7 @@
           <p:cNvPr id="10" name="Imagem 9" descr="Desenho com traços pretos em fundo branco&#10;&#10;Descrição gerada automaticamente com confiança baixa">
             <a:extLst>
               <a:ext uri="{FF2B5EF4-FFF2-40B4-BE49-F238E27FC236}">
-                <a16:creationId xmlns:a16="http://schemas.microsoft.com/office/drawing/2014/main" xmlns="" id="{71756BF8-A283-4F27-B2A8-51EBC71121CF}"/>
+                <a16:creationId xmlns:a16="http://schemas.microsoft.com/office/drawing/2014/main" id="{71756BF8-A283-4F27-B2A8-51EBC71121CF}"/>
               </a:ext>
             </a:extLst>
           </p:cNvPr>
@@ -11293,6 +12796,728 @@
 </file>
 
 <file path=ppt/slides/slide10.xml><?xml version="1.0" encoding="utf-8"?>
+<p:sld xmlns:a="http://schemas.openxmlformats.org/drawingml/2006/main" xmlns:r="http://schemas.openxmlformats.org/officeDocument/2006/relationships" xmlns:p="http://schemas.openxmlformats.org/presentationml/2006/main">
+  <p:cSld>
+    <p:bg>
+      <p:bgPr>
+        <a:solidFill>
+          <a:schemeClr val="accent1"/>
+        </a:solidFill>
+        <a:effectLst/>
+      </p:bgPr>
+    </p:bg>
+    <p:spTree>
+      <p:nvGrpSpPr>
+        <p:cNvPr id="1" name="Shape 652"/>
+        <p:cNvGrpSpPr/>
+        <p:nvPr/>
+      </p:nvGrpSpPr>
+      <p:grpSpPr>
+        <a:xfrm>
+          <a:off x="0" y="0"/>
+          <a:ext cx="0" cy="0"/>
+          <a:chOff x="0" y="0"/>
+          <a:chExt cx="0" cy="0"/>
+        </a:xfrm>
+      </p:grpSpPr>
+      <p:sp>
+        <p:nvSpPr>
+          <p:cNvPr id="4" name="Retângulo 3">
+            <a:extLst>
+              <a:ext uri="{FF2B5EF4-FFF2-40B4-BE49-F238E27FC236}">
+                <a16:creationId xmlns:a16="http://schemas.microsoft.com/office/drawing/2014/main" id="{9E7A767D-7089-48B5-B2C9-07B484AC7577}"/>
+              </a:ext>
+            </a:extLst>
+          </p:cNvPr>
+          <p:cNvSpPr/>
+          <p:nvPr/>
+        </p:nvSpPr>
+        <p:spPr>
+          <a:xfrm>
+            <a:off x="4208929" y="1662500"/>
+            <a:ext cx="4121725" cy="3417004"/>
+          </a:xfrm>
+          <a:prstGeom prst="rect">
+            <a:avLst/>
+          </a:prstGeom>
+          <a:solidFill>
+            <a:schemeClr val="bg1"/>
+          </a:solidFill>
+          <a:ln>
+            <a:noFill/>
+          </a:ln>
+        </p:spPr>
+        <p:style>
+          <a:lnRef idx="2">
+            <a:schemeClr val="accent1">
+              <a:shade val="50000"/>
+            </a:schemeClr>
+          </a:lnRef>
+          <a:fillRef idx="1">
+            <a:schemeClr val="accent1"/>
+          </a:fillRef>
+          <a:effectRef idx="0">
+            <a:schemeClr val="accent1"/>
+          </a:effectRef>
+          <a:fontRef idx="minor">
+            <a:schemeClr val="lt1"/>
+          </a:fontRef>
+        </p:style>
+        <p:txBody>
+          <a:bodyPr rtlCol="0" anchor="ctr"/>
+          <a:lstStyle/>
+          <a:p>
+            <a:pPr algn="ctr"/>
+            <a:endParaRPr lang="pt-BR"/>
+          </a:p>
+        </p:txBody>
+      </p:sp>
+      <p:sp>
+        <p:nvSpPr>
+          <p:cNvPr id="653" name="Google Shape;653;p63"/>
+          <p:cNvSpPr txBox="1">
+            <a:spLocks noGrp="1"/>
+          </p:cNvSpPr>
+          <p:nvPr>
+            <p:ph type="title"/>
+          </p:nvPr>
+        </p:nvSpPr>
+        <p:spPr>
+          <a:xfrm>
+            <a:off x="701100" y="569300"/>
+            <a:ext cx="7741800" cy="362100"/>
+          </a:xfrm>
+          <a:prstGeom prst="rect">
+            <a:avLst/>
+          </a:prstGeom>
+        </p:spPr>
+        <p:txBody>
+          <a:bodyPr spcFirstLastPara="1" wrap="square" lIns="91425" tIns="91425" rIns="91425" bIns="91425" anchor="ctr" anchorCtr="0">
+            <a:noAutofit/>
+          </a:bodyPr>
+          <a:lstStyle/>
+          <a:p>
+            <a:pPr marL="0" lvl="0" indent="0" algn="ctr" rtl="0">
+              <a:spcBef>
+                <a:spcPts val="0"/>
+              </a:spcBef>
+              <a:spcAft>
+                <a:spcPts val="0"/>
+              </a:spcAft>
+              <a:buNone/>
+            </a:pPr>
+            <a:r>
+              <a:rPr lang="en" dirty="0">
+                <a:solidFill>
+                  <a:schemeClr val="dk1"/>
+                </a:solidFill>
+              </a:rPr>
+              <a:t>MER</a:t>
+            </a:r>
+            <a:endParaRPr dirty="0"/>
+          </a:p>
+        </p:txBody>
+      </p:sp>
+      <p:grpSp>
+        <p:nvGrpSpPr>
+          <p:cNvPr id="654" name="Google Shape;654;p63"/>
+          <p:cNvGrpSpPr/>
+          <p:nvPr/>
+        </p:nvGrpSpPr>
+        <p:grpSpPr>
+          <a:xfrm>
+            <a:off x="878025" y="1503200"/>
+            <a:ext cx="656450" cy="159300"/>
+            <a:chOff x="931600" y="2063975"/>
+            <a:chExt cx="656450" cy="159300"/>
+          </a:xfrm>
+        </p:grpSpPr>
+        <p:sp>
+          <p:nvSpPr>
+            <p:cNvPr id="655" name="Google Shape;655;p63"/>
+            <p:cNvSpPr/>
+            <p:nvPr/>
+          </p:nvSpPr>
+          <p:spPr>
+            <a:xfrm>
+              <a:off x="931600" y="2063975"/>
+              <a:ext cx="159300" cy="159300"/>
+            </a:xfrm>
+            <a:prstGeom prst="ellipse">
+              <a:avLst/>
+            </a:prstGeom>
+            <a:solidFill>
+              <a:srgbClr val="B7B7B7"/>
+            </a:solidFill>
+            <a:ln>
+              <a:noFill/>
+            </a:ln>
+          </p:spPr>
+          <p:txBody>
+            <a:bodyPr spcFirstLastPara="1" wrap="square" lIns="91425" tIns="91425" rIns="91425" bIns="91425" anchor="ctr" anchorCtr="0">
+              <a:noAutofit/>
+            </a:bodyPr>
+            <a:lstStyle/>
+            <a:p>
+              <a:pPr marL="0" lvl="0" indent="0" algn="l" rtl="0">
+                <a:spcBef>
+                  <a:spcPts val="0"/>
+                </a:spcBef>
+                <a:spcAft>
+                  <a:spcPts val="0"/>
+                </a:spcAft>
+                <a:buNone/>
+              </a:pPr>
+              <a:endParaRPr>
+                <a:solidFill>
+                  <a:schemeClr val="accent1"/>
+                </a:solidFill>
+              </a:endParaRPr>
+            </a:p>
+          </p:txBody>
+        </p:sp>
+        <p:sp>
+          <p:nvSpPr>
+            <p:cNvPr id="656" name="Google Shape;656;p63"/>
+            <p:cNvSpPr/>
+            <p:nvPr/>
+          </p:nvSpPr>
+          <p:spPr>
+            <a:xfrm>
+              <a:off x="1180175" y="2063975"/>
+              <a:ext cx="159300" cy="159300"/>
+            </a:xfrm>
+            <a:prstGeom prst="ellipse">
+              <a:avLst/>
+            </a:prstGeom>
+            <a:solidFill>
+              <a:srgbClr val="B7B7B7"/>
+            </a:solidFill>
+            <a:ln>
+              <a:noFill/>
+            </a:ln>
+          </p:spPr>
+          <p:txBody>
+            <a:bodyPr spcFirstLastPara="1" wrap="square" lIns="91425" tIns="91425" rIns="91425" bIns="91425" anchor="ctr" anchorCtr="0">
+              <a:noAutofit/>
+            </a:bodyPr>
+            <a:lstStyle/>
+            <a:p>
+              <a:pPr marL="0" lvl="0" indent="0" algn="l" rtl="0">
+                <a:spcBef>
+                  <a:spcPts val="0"/>
+                </a:spcBef>
+                <a:spcAft>
+                  <a:spcPts val="0"/>
+                </a:spcAft>
+                <a:buNone/>
+              </a:pPr>
+              <a:endParaRPr>
+                <a:solidFill>
+                  <a:schemeClr val="accent1"/>
+                </a:solidFill>
+              </a:endParaRPr>
+            </a:p>
+          </p:txBody>
+        </p:sp>
+        <p:sp>
+          <p:nvSpPr>
+            <p:cNvPr id="657" name="Google Shape;657;p63"/>
+            <p:cNvSpPr/>
+            <p:nvPr/>
+          </p:nvSpPr>
+          <p:spPr>
+            <a:xfrm>
+              <a:off x="1428750" y="2063975"/>
+              <a:ext cx="159300" cy="159300"/>
+            </a:xfrm>
+            <a:prstGeom prst="ellipse">
+              <a:avLst/>
+            </a:prstGeom>
+            <a:solidFill>
+              <a:srgbClr val="B7B7B7"/>
+            </a:solidFill>
+            <a:ln>
+              <a:noFill/>
+            </a:ln>
+          </p:spPr>
+          <p:txBody>
+            <a:bodyPr spcFirstLastPara="1" wrap="square" lIns="91425" tIns="91425" rIns="91425" bIns="91425" anchor="ctr" anchorCtr="0">
+              <a:noAutofit/>
+            </a:bodyPr>
+            <a:lstStyle/>
+            <a:p>
+              <a:pPr marL="0" lvl="0" indent="0" algn="l" rtl="0">
+                <a:spcBef>
+                  <a:spcPts val="0"/>
+                </a:spcBef>
+                <a:spcAft>
+                  <a:spcPts val="0"/>
+                </a:spcAft>
+                <a:buNone/>
+              </a:pPr>
+              <a:endParaRPr>
+                <a:solidFill>
+                  <a:schemeClr val="accent1"/>
+                </a:solidFill>
+              </a:endParaRPr>
+            </a:p>
+          </p:txBody>
+        </p:sp>
+      </p:grpSp>
+      <p:pic>
+        <p:nvPicPr>
+          <p:cNvPr id="3" name="Imagem 2">
+            <a:extLst>
+              <a:ext uri="{FF2B5EF4-FFF2-40B4-BE49-F238E27FC236}">
+                <a16:creationId xmlns:a16="http://schemas.microsoft.com/office/drawing/2014/main" id="{DD6EA363-A002-4559-9448-FBE9D6E67C93}"/>
+              </a:ext>
+            </a:extLst>
+          </p:cNvPr>
+          <p:cNvPicPr>
+            <a:picLocks noChangeAspect="1"/>
+          </p:cNvPicPr>
+          <p:nvPr/>
+        </p:nvPicPr>
+        <p:blipFill>
+          <a:blip r:embed="rId3"/>
+          <a:stretch>
+            <a:fillRect/>
+          </a:stretch>
+        </p:blipFill>
+        <p:spPr>
+          <a:xfrm>
+            <a:off x="2177701" y="1495293"/>
+            <a:ext cx="4788598" cy="3584211"/>
+          </a:xfrm>
+          <a:prstGeom prst="rect">
+            <a:avLst/>
+          </a:prstGeom>
+        </p:spPr>
+      </p:pic>
+      <p:pic>
+        <p:nvPicPr>
+          <p:cNvPr id="9" name="Imagem 8" descr="Desenho com traços pretos em fundo branco&#10;&#10;Descrição gerada automaticamente com confiança baixa">
+            <a:extLst>
+              <a:ext uri="{FF2B5EF4-FFF2-40B4-BE49-F238E27FC236}">
+                <a16:creationId xmlns:a16="http://schemas.microsoft.com/office/drawing/2014/main" id="{913DED4F-9272-43AC-A541-ABDBFDDA508D}"/>
+              </a:ext>
+            </a:extLst>
+          </p:cNvPr>
+          <p:cNvPicPr>
+            <a:picLocks noChangeAspect="1"/>
+          </p:cNvPicPr>
+          <p:nvPr/>
+        </p:nvPicPr>
+        <p:blipFill>
+          <a:blip r:embed="rId4"/>
+          <a:stretch>
+            <a:fillRect/>
+          </a:stretch>
+        </p:blipFill>
+        <p:spPr>
+          <a:xfrm>
+            <a:off x="8330654" y="63996"/>
+            <a:ext cx="680498" cy="362100"/>
+          </a:xfrm>
+          <a:prstGeom prst="rect">
+            <a:avLst/>
+          </a:prstGeom>
+        </p:spPr>
+      </p:pic>
+    </p:spTree>
+  </p:cSld>
+  <p:clrMapOvr>
+    <a:masterClrMapping/>
+  </p:clrMapOvr>
+  <mc:AlternateContent xmlns:mc="http://schemas.openxmlformats.org/markup-compatibility/2006" xmlns:p14="http://schemas.microsoft.com/office/powerpoint/2010/main">
+    <mc:Choice Requires="p14">
+      <p:transition spd="slow" p14:dur="800">
+        <p14:flythrough/>
+      </p:transition>
+    </mc:Choice>
+    <mc:Fallback xmlns="">
+      <p:transition spd="slow">
+        <p:fade/>
+      </p:transition>
+    </mc:Fallback>
+  </mc:AlternateContent>
+</p:sld>
+</file>
+
+<file path=ppt/slides/slide11.xml><?xml version="1.0" encoding="utf-8"?>
+<p:sld xmlns:a="http://schemas.openxmlformats.org/drawingml/2006/main" xmlns:r="http://schemas.openxmlformats.org/officeDocument/2006/relationships" xmlns:p="http://schemas.openxmlformats.org/presentationml/2006/main">
+  <p:cSld>
+    <p:spTree>
+      <p:nvGrpSpPr>
+        <p:cNvPr id="1" name="Shape 898"/>
+        <p:cNvGrpSpPr/>
+        <p:nvPr/>
+      </p:nvGrpSpPr>
+      <p:grpSpPr>
+        <a:xfrm>
+          <a:off x="0" y="0"/>
+          <a:ext cx="0" cy="0"/>
+          <a:chOff x="0" y="0"/>
+          <a:chExt cx="0" cy="0"/>
+        </a:xfrm>
+      </p:grpSpPr>
+      <p:sp>
+        <p:nvSpPr>
+          <p:cNvPr id="900" name="Google Shape;900;p74"/>
+          <p:cNvSpPr txBox="1">
+            <a:spLocks noGrp="1"/>
+          </p:cNvSpPr>
+          <p:nvPr>
+            <p:ph type="title"/>
+          </p:nvPr>
+        </p:nvSpPr>
+        <p:spPr>
+          <a:xfrm>
+            <a:off x="5254175" y="1526075"/>
+            <a:ext cx="2808000" cy="926700"/>
+          </a:xfrm>
+          <a:prstGeom prst="rect">
+            <a:avLst/>
+          </a:prstGeom>
+        </p:spPr>
+        <p:txBody>
+          <a:bodyPr spcFirstLastPara="1" wrap="square" lIns="91425" tIns="91425" rIns="91425" bIns="91425" anchor="b" anchorCtr="0">
+            <a:noAutofit/>
+          </a:bodyPr>
+          <a:lstStyle/>
+          <a:p>
+            <a:pPr marL="0" lvl="0" indent="0" algn="l" rtl="0">
+              <a:spcBef>
+                <a:spcPts val="0"/>
+              </a:spcBef>
+              <a:spcAft>
+                <a:spcPts val="0"/>
+              </a:spcAft>
+              <a:buNone/>
+            </a:pPr>
+            <a:r>
+              <a:rPr lang="en" dirty="0"/>
+              <a:t>Site Institucional</a:t>
+            </a:r>
+            <a:endParaRPr dirty="0"/>
+          </a:p>
+        </p:txBody>
+      </p:sp>
+      <p:sp>
+        <p:nvSpPr>
+          <p:cNvPr id="902" name="Google Shape;902;p74"/>
+          <p:cNvSpPr/>
+          <p:nvPr/>
+        </p:nvSpPr>
+        <p:spPr>
+          <a:xfrm>
+            <a:off x="1170124" y="1340336"/>
+            <a:ext cx="3724254" cy="2462829"/>
+          </a:xfrm>
+          <a:custGeom>
+            <a:avLst/>
+            <a:gdLst/>
+            <a:ahLst/>
+            <a:cxnLst/>
+            <a:rect l="l" t="t" r="r" b="b"/>
+            <a:pathLst>
+              <a:path w="148421" h="98150" extrusionOk="0">
+                <a:moveTo>
+                  <a:pt x="144022" y="3901"/>
+                </a:moveTo>
+                <a:lnTo>
+                  <a:pt x="144021" y="86785"/>
+                </a:lnTo>
+                <a:lnTo>
+                  <a:pt x="3985" y="86785"/>
+                </a:lnTo>
+                <a:lnTo>
+                  <a:pt x="3985" y="3901"/>
+                </a:lnTo>
+                <a:close/>
+                <a:moveTo>
+                  <a:pt x="6895" y="0"/>
+                </a:moveTo>
+                <a:cubicBezTo>
+                  <a:pt x="3087" y="0"/>
+                  <a:pt x="1" y="3087"/>
+                  <a:pt x="1" y="6895"/>
+                </a:cubicBezTo>
+                <a:lnTo>
+                  <a:pt x="1" y="91255"/>
+                </a:lnTo>
+                <a:cubicBezTo>
+                  <a:pt x="1" y="95063"/>
+                  <a:pt x="3087" y="98150"/>
+                  <a:pt x="6895" y="98150"/>
+                </a:cubicBezTo>
+                <a:lnTo>
+                  <a:pt x="141526" y="98150"/>
+                </a:lnTo>
+                <a:cubicBezTo>
+                  <a:pt x="145334" y="98150"/>
+                  <a:pt x="148421" y="95063"/>
+                  <a:pt x="148421" y="91255"/>
+                </a:cubicBezTo>
+                <a:lnTo>
+                  <a:pt x="148421" y="6895"/>
+                </a:lnTo>
+                <a:cubicBezTo>
+                  <a:pt x="148421" y="3087"/>
+                  <a:pt x="145334" y="0"/>
+                  <a:pt x="141526" y="0"/>
+                </a:cubicBezTo>
+                <a:close/>
+              </a:path>
+            </a:pathLst>
+          </a:custGeom>
+          <a:noFill/>
+          <a:ln w="9525" cap="flat" cmpd="sng">
+            <a:solidFill>
+              <a:schemeClr val="dk2"/>
+            </a:solidFill>
+            <a:prstDash val="solid"/>
+            <a:round/>
+            <a:headEnd type="none" w="sm" len="sm"/>
+            <a:tailEnd type="none" w="sm" len="sm"/>
+          </a:ln>
+        </p:spPr>
+        <p:txBody>
+          <a:bodyPr spcFirstLastPara="1" wrap="square" lIns="91425" tIns="91425" rIns="91425" bIns="91425" anchor="ctr" anchorCtr="0">
+            <a:noAutofit/>
+          </a:bodyPr>
+          <a:lstStyle/>
+          <a:p>
+            <a:pPr marL="0" lvl="0" indent="0" algn="l" rtl="0">
+              <a:spcBef>
+                <a:spcPts val="0"/>
+              </a:spcBef>
+              <a:spcAft>
+                <a:spcPts val="0"/>
+              </a:spcAft>
+              <a:buNone/>
+            </a:pPr>
+            <a:endParaRPr/>
+          </a:p>
+        </p:txBody>
+      </p:sp>
+      <p:sp>
+        <p:nvSpPr>
+          <p:cNvPr id="903" name="Google Shape;903;p74"/>
+          <p:cNvSpPr/>
+          <p:nvPr/>
+        </p:nvSpPr>
+        <p:spPr>
+          <a:xfrm>
+            <a:off x="2665124" y="3741128"/>
+            <a:ext cx="801103" cy="79669"/>
+          </a:xfrm>
+          <a:custGeom>
+            <a:avLst/>
+            <a:gdLst/>
+            <a:ahLst/>
+            <a:cxnLst/>
+            <a:rect l="l" t="t" r="r" b="b"/>
+            <a:pathLst>
+              <a:path w="31926" h="3175" extrusionOk="0">
+                <a:moveTo>
+                  <a:pt x="0" y="0"/>
+                </a:moveTo>
+                <a:lnTo>
+                  <a:pt x="1995" y="3174"/>
+                </a:lnTo>
+                <a:lnTo>
+                  <a:pt x="30074" y="3174"/>
+                </a:lnTo>
+                <a:lnTo>
+                  <a:pt x="31926" y="0"/>
+                </a:lnTo>
+                <a:close/>
+              </a:path>
+            </a:pathLst>
+          </a:custGeom>
+          <a:noFill/>
+          <a:ln w="9525" cap="flat" cmpd="sng">
+            <a:solidFill>
+              <a:schemeClr val="dk2"/>
+            </a:solidFill>
+            <a:prstDash val="solid"/>
+            <a:round/>
+            <a:headEnd type="none" w="sm" len="sm"/>
+            <a:tailEnd type="none" w="sm" len="sm"/>
+          </a:ln>
+        </p:spPr>
+        <p:txBody>
+          <a:bodyPr spcFirstLastPara="1" wrap="square" lIns="91425" tIns="91425" rIns="91425" bIns="91425" anchor="ctr" anchorCtr="0">
+            <a:noAutofit/>
+          </a:bodyPr>
+          <a:lstStyle/>
+          <a:p>
+            <a:pPr marL="0" lvl="0" indent="0" algn="l" rtl="0">
+              <a:spcBef>
+                <a:spcPts val="0"/>
+              </a:spcBef>
+              <a:spcAft>
+                <a:spcPts val="0"/>
+              </a:spcAft>
+              <a:buNone/>
+            </a:pPr>
+            <a:endParaRPr/>
+          </a:p>
+        </p:txBody>
+      </p:sp>
+      <p:sp>
+        <p:nvSpPr>
+          <p:cNvPr id="904" name="Google Shape;904;p74"/>
+          <p:cNvSpPr/>
+          <p:nvPr/>
+        </p:nvSpPr>
+        <p:spPr>
+          <a:xfrm>
+            <a:off x="1170124" y="3622647"/>
+            <a:ext cx="3724254" cy="11869"/>
+          </a:xfrm>
+          <a:custGeom>
+            <a:avLst/>
+            <a:gdLst/>
+            <a:ahLst/>
+            <a:cxnLst/>
+            <a:rect l="l" t="t" r="r" b="b"/>
+            <a:pathLst>
+              <a:path w="148421" h="473" extrusionOk="0">
+                <a:moveTo>
+                  <a:pt x="1" y="0"/>
+                </a:moveTo>
+                <a:lnTo>
+                  <a:pt x="1" y="472"/>
+                </a:lnTo>
+                <a:lnTo>
+                  <a:pt x="148421" y="472"/>
+                </a:lnTo>
+                <a:lnTo>
+                  <a:pt x="148421" y="0"/>
+                </a:lnTo>
+                <a:close/>
+              </a:path>
+            </a:pathLst>
+          </a:custGeom>
+          <a:noFill/>
+          <a:ln w="9525" cap="flat" cmpd="sng">
+            <a:solidFill>
+              <a:schemeClr val="dk2"/>
+            </a:solidFill>
+            <a:prstDash val="solid"/>
+            <a:round/>
+            <a:headEnd type="none" w="sm" len="sm"/>
+            <a:tailEnd type="none" w="sm" len="sm"/>
+          </a:ln>
+        </p:spPr>
+        <p:txBody>
+          <a:bodyPr spcFirstLastPara="1" wrap="square" lIns="91425" tIns="91425" rIns="91425" bIns="91425" anchor="ctr" anchorCtr="0">
+            <a:noAutofit/>
+          </a:bodyPr>
+          <a:lstStyle/>
+          <a:p>
+            <a:pPr marL="0" lvl="0" indent="0" algn="l" rtl="0">
+              <a:spcBef>
+                <a:spcPts val="0"/>
+              </a:spcBef>
+              <a:spcAft>
+                <a:spcPts val="0"/>
+              </a:spcAft>
+              <a:buNone/>
+            </a:pPr>
+            <a:endParaRPr/>
+          </a:p>
+        </p:txBody>
+      </p:sp>
+      <p:pic>
+        <p:nvPicPr>
+          <p:cNvPr id="8" name="Imagem 7">
+            <a:extLst>
+              <a:ext uri="{FF2B5EF4-FFF2-40B4-BE49-F238E27FC236}">
+                <a16:creationId xmlns:a16="http://schemas.microsoft.com/office/drawing/2014/main" id="{C3BB9D16-CEFD-44A4-AEED-C0E24B505976}"/>
+              </a:ext>
+            </a:extLst>
+          </p:cNvPr>
+          <p:cNvPicPr>
+            <a:picLocks noChangeAspect="1"/>
+          </p:cNvPicPr>
+          <p:nvPr/>
+        </p:nvPicPr>
+        <p:blipFill>
+          <a:blip r:embed="rId3"/>
+          <a:stretch>
+            <a:fillRect/>
+          </a:stretch>
+        </p:blipFill>
+        <p:spPr>
+          <a:xfrm>
+            <a:off x="1317812" y="1455850"/>
+            <a:ext cx="3455894" cy="2052818"/>
+          </a:xfrm>
+          <a:prstGeom prst="rect">
+            <a:avLst/>
+          </a:prstGeom>
+        </p:spPr>
+      </p:pic>
+      <p:pic>
+        <p:nvPicPr>
+          <p:cNvPr id="9" name="Imagem 8" descr="Desenho com traços pretos em fundo branco&#10;&#10;Descrição gerada automaticamente com confiança baixa">
+            <a:extLst>
+              <a:ext uri="{FF2B5EF4-FFF2-40B4-BE49-F238E27FC236}">
+                <a16:creationId xmlns:a16="http://schemas.microsoft.com/office/drawing/2014/main" id="{F181E95B-B182-4EB0-B67D-FAF4D35D477B}"/>
+              </a:ext>
+            </a:extLst>
+          </p:cNvPr>
+          <p:cNvPicPr>
+            <a:picLocks noChangeAspect="1"/>
+          </p:cNvPicPr>
+          <p:nvPr/>
+        </p:nvPicPr>
+        <p:blipFill>
+          <a:blip r:embed="rId4"/>
+          <a:stretch>
+            <a:fillRect/>
+          </a:stretch>
+        </p:blipFill>
+        <p:spPr>
+          <a:xfrm>
+            <a:off x="8366328" y="4717623"/>
+            <a:ext cx="680498" cy="362100"/>
+          </a:xfrm>
+          <a:prstGeom prst="rect">
+            <a:avLst/>
+          </a:prstGeom>
+        </p:spPr>
+      </p:pic>
+    </p:spTree>
+    <p:extLst>
+      <p:ext uri="{BB962C8B-B14F-4D97-AF65-F5344CB8AC3E}">
+        <p14:creationId xmlns:p14="http://schemas.microsoft.com/office/powerpoint/2010/main" val="3380670492"/>
+      </p:ext>
+    </p:extLst>
+  </p:cSld>
+  <p:clrMapOvr>
+    <a:masterClrMapping/>
+  </p:clrMapOvr>
+  <mc:AlternateContent xmlns:mc="http://schemas.openxmlformats.org/markup-compatibility/2006" xmlns:p14="http://schemas.microsoft.com/office/powerpoint/2010/main">
+    <mc:Choice Requires="p14">
+      <p:transition spd="slow" p14:dur="800">
+        <p14:flythrough/>
+      </p:transition>
+    </mc:Choice>
+    <mc:Fallback xmlns="">
+      <p:transition spd="slow">
+        <p:fade/>
+      </p:transition>
+    </mc:Fallback>
+  </mc:AlternateContent>
+</p:sld>
+</file>
+
+<file path=ppt/slides/slide12.xml><?xml version="1.0" encoding="utf-8"?>
 <p:sld xmlns:a="http://schemas.openxmlformats.org/drawingml/2006/main" xmlns:r="http://schemas.openxmlformats.org/officeDocument/2006/relationships" xmlns:p="http://schemas.openxmlformats.org/presentationml/2006/main">
   <p:cSld>
     <p:bg>
@@ -11953,7 +14178,7 @@
           <p:cNvPr id="3" name="Imagem 2">
             <a:extLst>
               <a:ext uri="{FF2B5EF4-FFF2-40B4-BE49-F238E27FC236}">
-                <a16:creationId xmlns:a16="http://schemas.microsoft.com/office/drawing/2014/main" xmlns="" id="{4D0B2BF1-B08C-422A-8BE5-3C2DFDCA1225}"/>
+                <a16:creationId xmlns:a16="http://schemas.microsoft.com/office/drawing/2014/main" id="{4D0B2BF1-B08C-422A-8BE5-3C2DFDCA1225}"/>
               </a:ext>
             </a:extLst>
           </p:cNvPr>
@@ -11998,7 +14223,7 @@
 </p:sld>
 </file>
 
-<file path=ppt/slides/slide11.xml><?xml version="1.0" encoding="utf-8"?>
+<file path=ppt/slides/slide13.xml><?xml version="1.0" encoding="utf-8"?>
 <p:sld xmlns:a="http://schemas.openxmlformats.org/drawingml/2006/main" xmlns:r="http://schemas.openxmlformats.org/officeDocument/2006/relationships" xmlns:p="http://schemas.openxmlformats.org/presentationml/2006/main">
   <p:cSld>
     <p:spTree>
@@ -12225,7 +14450,7 @@
           <p:cNvPr id="6" name="Retângulo 5">
             <a:extLst>
               <a:ext uri="{FF2B5EF4-FFF2-40B4-BE49-F238E27FC236}">
-                <a16:creationId xmlns:a16="http://schemas.microsoft.com/office/drawing/2014/main" xmlns="" id="{9590ADF8-6AFF-4C6B-92F7-E44DA4715CD0}"/>
+                <a16:creationId xmlns:a16="http://schemas.microsoft.com/office/drawing/2014/main" id="{9590ADF8-6AFF-4C6B-92F7-E44DA4715CD0}"/>
               </a:ext>
             </a:extLst>
           </p:cNvPr>
@@ -12271,7 +14496,7 @@
           <p:cNvPr id="3" name="Imagem 2" descr="Logotipo&#10;&#10;Descrição gerada automaticamente">
             <a:extLst>
               <a:ext uri="{FF2B5EF4-FFF2-40B4-BE49-F238E27FC236}">
-                <a16:creationId xmlns:a16="http://schemas.microsoft.com/office/drawing/2014/main" xmlns="" id="{FADC4038-F57E-4F7D-ADC3-0B909A05A33B}"/>
+                <a16:creationId xmlns:a16="http://schemas.microsoft.com/office/drawing/2014/main" id="{FADC4038-F57E-4F7D-ADC3-0B909A05A33B}"/>
               </a:ext>
             </a:extLst>
           </p:cNvPr>
@@ -12301,7 +14526,7 @@
           <p:cNvPr id="18" name="Google Shape;894;p73">
             <a:extLst>
               <a:ext uri="{FF2B5EF4-FFF2-40B4-BE49-F238E27FC236}">
-                <a16:creationId xmlns:a16="http://schemas.microsoft.com/office/drawing/2014/main" xmlns="" id="{0FD784DE-A7F8-4B82-9CBA-85AFDB66D5CA}"/>
+                <a16:creationId xmlns:a16="http://schemas.microsoft.com/office/drawing/2014/main" id="{0FD784DE-A7F8-4B82-9CBA-85AFDB66D5CA}"/>
               </a:ext>
             </a:extLst>
           </p:cNvPr>
@@ -12351,7 +14576,7 @@
           <p:cNvPr id="5" name="Imagem 4" descr="Logotipo&#10;&#10;Descrição gerada automaticamente">
             <a:extLst>
               <a:ext uri="{FF2B5EF4-FFF2-40B4-BE49-F238E27FC236}">
-                <a16:creationId xmlns:a16="http://schemas.microsoft.com/office/drawing/2014/main" xmlns="" id="{893A936E-20B5-42F0-B003-402A90E58F9A}"/>
+                <a16:creationId xmlns:a16="http://schemas.microsoft.com/office/drawing/2014/main" id="{893A936E-20B5-42F0-B003-402A90E58F9A}"/>
               </a:ext>
             </a:extLst>
           </p:cNvPr>
@@ -12403,7 +14628,7 @@
           <p:cNvPr id="21" name="Google Shape;894;p73">
             <a:extLst>
               <a:ext uri="{FF2B5EF4-FFF2-40B4-BE49-F238E27FC236}">
-                <a16:creationId xmlns:a16="http://schemas.microsoft.com/office/drawing/2014/main" xmlns="" id="{640D94A8-1216-45C5-A607-1536378FE2F0}"/>
+                <a16:creationId xmlns:a16="http://schemas.microsoft.com/office/drawing/2014/main" id="{640D94A8-1216-45C5-A607-1536378FE2F0}"/>
               </a:ext>
             </a:extLst>
           </p:cNvPr>
@@ -12453,7 +14678,7 @@
           <p:cNvPr id="2" name="Retângulo 1">
             <a:extLst>
               <a:ext uri="{FF2B5EF4-FFF2-40B4-BE49-F238E27FC236}">
-                <a16:creationId xmlns:a16="http://schemas.microsoft.com/office/drawing/2014/main" xmlns="" id="{763DB53B-4A1B-4006-BC38-A9D6DEAD6E27}"/>
+                <a16:creationId xmlns:a16="http://schemas.microsoft.com/office/drawing/2014/main" id="{763DB53B-4A1B-4006-BC38-A9D6DEAD6E27}"/>
               </a:ext>
             </a:extLst>
           </p:cNvPr>
@@ -12499,7 +14724,7 @@
           <p:cNvPr id="7" name="Imagem 6" descr="Desenho com traços pretos em fundo branco&#10;&#10;Descrição gerada automaticamente com confiança baixa">
             <a:extLst>
               <a:ext uri="{FF2B5EF4-FFF2-40B4-BE49-F238E27FC236}">
-                <a16:creationId xmlns:a16="http://schemas.microsoft.com/office/drawing/2014/main" xmlns="" id="{2870108A-08B9-4FB6-8B53-394D832035AA}"/>
+                <a16:creationId xmlns:a16="http://schemas.microsoft.com/office/drawing/2014/main" id="{2870108A-08B9-4FB6-8B53-394D832035AA}"/>
               </a:ext>
             </a:extLst>
           </p:cNvPr>
@@ -12529,7 +14754,7 @@
           <p:cNvPr id="9" name="CaixaDeTexto 8">
             <a:extLst>
               <a:ext uri="{FF2B5EF4-FFF2-40B4-BE49-F238E27FC236}">
-                <a16:creationId xmlns:a16="http://schemas.microsoft.com/office/drawing/2014/main" xmlns="" id="{82EA96C9-9457-4663-95D6-8DBE7CDE52B9}"/>
+                <a16:creationId xmlns:a16="http://schemas.microsoft.com/office/drawing/2014/main" id="{82EA96C9-9457-4663-95D6-8DBE7CDE52B9}"/>
               </a:ext>
             </a:extLst>
           </p:cNvPr>
@@ -12568,7 +14793,7 @@
           <p:cNvPr id="19" name="Google Shape;9442;p90">
             <a:extLst>
               <a:ext uri="{FF2B5EF4-FFF2-40B4-BE49-F238E27FC236}">
-                <a16:creationId xmlns:a16="http://schemas.microsoft.com/office/drawing/2014/main" xmlns="" id="{0F10B794-8545-4939-A269-8FDE5D06159A}"/>
+                <a16:creationId xmlns:a16="http://schemas.microsoft.com/office/drawing/2014/main" id="{0F10B794-8545-4939-A269-8FDE5D06159A}"/>
               </a:ext>
             </a:extLst>
           </p:cNvPr>
@@ -12906,7 +15131,7 @@
           <p:cNvPr id="3" name="Imagem 2" descr="Desenho com traços pretos em fundo branco&#10;&#10;Descrição gerada automaticamente com confiança baixa">
             <a:extLst>
               <a:ext uri="{FF2B5EF4-FFF2-40B4-BE49-F238E27FC236}">
-                <a16:creationId xmlns:a16="http://schemas.microsoft.com/office/drawing/2014/main" xmlns="" id="{B4DC6BF9-6BD6-4AFF-9859-9FD26ABFCDDF}"/>
+                <a16:creationId xmlns:a16="http://schemas.microsoft.com/office/drawing/2014/main" id="{B4DC6BF9-6BD6-4AFF-9859-9FD26ABFCDDF}"/>
               </a:ext>
             </a:extLst>
           </p:cNvPr>
@@ -12936,7 +15161,7 @@
           <p:cNvPr id="7" name="Imagem 6" descr="Foto editada de homem com óculos de grau&#10;&#10;Descrição gerada automaticamente">
             <a:extLst>
               <a:ext uri="{FF2B5EF4-FFF2-40B4-BE49-F238E27FC236}">
-                <a16:creationId xmlns:a16="http://schemas.microsoft.com/office/drawing/2014/main" xmlns="" id="{67D53509-AEA2-4729-994A-DA0FA518DB76}"/>
+                <a16:creationId xmlns:a16="http://schemas.microsoft.com/office/drawing/2014/main" id="{67D53509-AEA2-4729-994A-DA0FA518DB76}"/>
               </a:ext>
             </a:extLst>
           </p:cNvPr>
@@ -13010,7 +15235,7 @@
           <p:cNvPr id="9" name="Imagem 8" descr="Tela de celular com foto de homem&#10;&#10;Descrição gerada automaticamente com confiança média">
             <a:extLst>
               <a:ext uri="{FF2B5EF4-FFF2-40B4-BE49-F238E27FC236}">
-                <a16:creationId xmlns:a16="http://schemas.microsoft.com/office/drawing/2014/main" xmlns="" id="{B1DCEF26-ABE1-4ED1-A39E-9A710624C1AA}"/>
+                <a16:creationId xmlns:a16="http://schemas.microsoft.com/office/drawing/2014/main" id="{B1DCEF26-ABE1-4ED1-A39E-9A710624C1AA}"/>
               </a:ext>
             </a:extLst>
           </p:cNvPr>
@@ -13088,7 +15313,7 @@
           <p:cNvPr id="23" name="Imagem 22" descr="Desenho de uma pessoa&#10;&#10;Descrição gerada automaticamente com confiança média">
             <a:extLst>
               <a:ext uri="{FF2B5EF4-FFF2-40B4-BE49-F238E27FC236}">
-                <a16:creationId xmlns:a16="http://schemas.microsoft.com/office/drawing/2014/main" xmlns="" id="{AAE81B5D-3D43-4958-8696-FCC846D1203A}"/>
+                <a16:creationId xmlns:a16="http://schemas.microsoft.com/office/drawing/2014/main" id="{AAE81B5D-3D43-4958-8696-FCC846D1203A}"/>
               </a:ext>
             </a:extLst>
           </p:cNvPr>
@@ -13118,7 +15343,7 @@
           <p:cNvPr id="24" name="Google Shape;892;p73">
             <a:extLst>
               <a:ext uri="{FF2B5EF4-FFF2-40B4-BE49-F238E27FC236}">
-                <a16:creationId xmlns:a16="http://schemas.microsoft.com/office/drawing/2014/main" xmlns="" id="{5921E98B-0DD7-40EF-87E0-5D235D17ADB9}"/>
+                <a16:creationId xmlns:a16="http://schemas.microsoft.com/office/drawing/2014/main" id="{5921E98B-0DD7-40EF-87E0-5D235D17ADB9}"/>
               </a:ext>
             </a:extLst>
           </p:cNvPr>
@@ -13168,7 +15393,7 @@
           <p:cNvPr id="25" name="Google Shape;887;p73">
             <a:extLst>
               <a:ext uri="{FF2B5EF4-FFF2-40B4-BE49-F238E27FC236}">
-                <a16:creationId xmlns:a16="http://schemas.microsoft.com/office/drawing/2014/main" xmlns="" id="{AA2C1B67-D26B-4635-8D6D-F5E403CA61FB}"/>
+                <a16:creationId xmlns:a16="http://schemas.microsoft.com/office/drawing/2014/main" id="{AA2C1B67-D26B-4635-8D6D-F5E403CA61FB}"/>
               </a:ext>
             </a:extLst>
           </p:cNvPr>
@@ -13462,7 +15687,7 @@
           <p:cNvPr id="28" name="Imagem 27" descr="Pessoa com cabelo roxo&#10;&#10;Descrição gerada automaticamente com confiança média">
             <a:extLst>
               <a:ext uri="{FF2B5EF4-FFF2-40B4-BE49-F238E27FC236}">
-                <a16:creationId xmlns:a16="http://schemas.microsoft.com/office/drawing/2014/main" xmlns="" id="{E0A9C958-8E14-45C9-9F27-A0DF71D15DB4}"/>
+                <a16:creationId xmlns:a16="http://schemas.microsoft.com/office/drawing/2014/main" id="{E0A9C958-8E14-45C9-9F27-A0DF71D15DB4}"/>
               </a:ext>
             </a:extLst>
           </p:cNvPr>
@@ -13492,7 +15717,7 @@
           <p:cNvPr id="29" name="Google Shape;894;p73">
             <a:extLst>
               <a:ext uri="{FF2B5EF4-FFF2-40B4-BE49-F238E27FC236}">
-                <a16:creationId xmlns:a16="http://schemas.microsoft.com/office/drawing/2014/main" xmlns="" id="{06280BD7-AA72-46ED-81BE-93081D5219F7}"/>
+                <a16:creationId xmlns:a16="http://schemas.microsoft.com/office/drawing/2014/main" id="{06280BD7-AA72-46ED-81BE-93081D5219F7}"/>
               </a:ext>
             </a:extLst>
           </p:cNvPr>
@@ -13546,7 +15771,7 @@
           <p:cNvPr id="30" name="Google Shape;889;p73">
             <a:extLst>
               <a:ext uri="{FF2B5EF4-FFF2-40B4-BE49-F238E27FC236}">
-                <a16:creationId xmlns:a16="http://schemas.microsoft.com/office/drawing/2014/main" xmlns="" id="{9B3D5A38-0CAF-4238-8C3F-10C385A83AB6}"/>
+                <a16:creationId xmlns:a16="http://schemas.microsoft.com/office/drawing/2014/main" id="{9B3D5A38-0CAF-4238-8C3F-10C385A83AB6}"/>
               </a:ext>
             </a:extLst>
           </p:cNvPr>
@@ -13840,7 +16065,7 @@
           <p:cNvPr id="31" name="Imagem 30" descr="Foto de rosto de pessoa visto de perto&#10;&#10;Descrição gerada automaticamente com confiança média">
             <a:extLst>
               <a:ext uri="{FF2B5EF4-FFF2-40B4-BE49-F238E27FC236}">
-                <a16:creationId xmlns:a16="http://schemas.microsoft.com/office/drawing/2014/main" xmlns="" id="{35436FC8-B467-4A32-9998-24CB24348A5A}"/>
+                <a16:creationId xmlns:a16="http://schemas.microsoft.com/office/drawing/2014/main" id="{35436FC8-B467-4A32-9998-24CB24348A5A}"/>
               </a:ext>
             </a:extLst>
           </p:cNvPr>
@@ -13870,7 +16095,7 @@
           <p:cNvPr id="32" name="Google Shape;892;p73">
             <a:extLst>
               <a:ext uri="{FF2B5EF4-FFF2-40B4-BE49-F238E27FC236}">
-                <a16:creationId xmlns:a16="http://schemas.microsoft.com/office/drawing/2014/main" xmlns="" id="{0539093D-FF4E-4B14-B1C2-80B1EE827D4A}"/>
+                <a16:creationId xmlns:a16="http://schemas.microsoft.com/office/drawing/2014/main" id="{0539093D-FF4E-4B14-B1C2-80B1EE827D4A}"/>
               </a:ext>
             </a:extLst>
           </p:cNvPr>
@@ -13920,7 +16145,7 @@
           <p:cNvPr id="33" name="Google Shape;887;p73">
             <a:extLst>
               <a:ext uri="{FF2B5EF4-FFF2-40B4-BE49-F238E27FC236}">
-                <a16:creationId xmlns:a16="http://schemas.microsoft.com/office/drawing/2014/main" xmlns="" id="{D285D71E-6278-4663-852C-CC69E73C3EBF}"/>
+                <a16:creationId xmlns:a16="http://schemas.microsoft.com/office/drawing/2014/main" id="{D285D71E-6278-4663-852C-CC69E73C3EBF}"/>
               </a:ext>
             </a:extLst>
           </p:cNvPr>
@@ -14239,7 +16464,7 @@
   <p:cSld>
     <p:spTree>
       <p:nvGrpSpPr>
-        <p:cNvPr id="1" name="Shape 841"/>
+        <p:cNvPr id="1" name="Shape 461"/>
         <p:cNvGrpSpPr/>
         <p:nvPr/>
       </p:nvGrpSpPr>
@@ -14251,12 +16476,423 @@
           <a:chExt cx="0" cy="0"/>
         </a:xfrm>
       </p:grpSpPr>
+      <p:sp>
+        <p:nvSpPr>
+          <p:cNvPr id="462" name="Google Shape;462;p50"/>
+          <p:cNvSpPr txBox="1">
+            <a:spLocks noGrp="1"/>
+          </p:cNvSpPr>
+          <p:nvPr>
+            <p:ph type="title"/>
+          </p:nvPr>
+        </p:nvSpPr>
+        <p:spPr>
+          <a:xfrm>
+            <a:off x="701100" y="569300"/>
+            <a:ext cx="7741800" cy="362100"/>
+          </a:xfrm>
+          <a:prstGeom prst="rect">
+            <a:avLst/>
+          </a:prstGeom>
+        </p:spPr>
+        <p:txBody>
+          <a:bodyPr spcFirstLastPara="1" wrap="square" lIns="91425" tIns="91425" rIns="91425" bIns="91425" anchor="ctr" anchorCtr="0">
+            <a:noAutofit/>
+          </a:bodyPr>
+          <a:lstStyle/>
+          <a:p>
+            <a:pPr marL="0" lvl="0" indent="0" algn="ctr" rtl="0">
+              <a:spcBef>
+                <a:spcPts val="0"/>
+              </a:spcBef>
+              <a:spcAft>
+                <a:spcPts val="0"/>
+              </a:spcAft>
+              <a:buNone/>
+            </a:pPr>
+            <a:r>
+              <a:rPr lang="en" dirty="0"/>
+              <a:t>Contextualização</a:t>
+            </a:r>
+            <a:endParaRPr dirty="0"/>
+          </a:p>
+        </p:txBody>
+      </p:sp>
+      <p:sp>
+        <p:nvSpPr>
+          <p:cNvPr id="463" name="Google Shape;463;p50"/>
+          <p:cNvSpPr txBox="1">
+            <a:spLocks noGrp="1"/>
+          </p:cNvSpPr>
+          <p:nvPr>
+            <p:ph type="body" idx="1"/>
+          </p:nvPr>
+        </p:nvSpPr>
+        <p:spPr>
+          <a:xfrm>
+            <a:off x="859950" y="1733200"/>
+            <a:ext cx="7424100" cy="2309400"/>
+          </a:xfrm>
+          <a:prstGeom prst="rect">
+            <a:avLst/>
+          </a:prstGeom>
+        </p:spPr>
+        <p:txBody>
+          <a:bodyPr spcFirstLastPara="1" wrap="square" lIns="91425" tIns="91425" rIns="91425" bIns="91425" anchor="t" anchorCtr="0">
+            <a:noAutofit/>
+          </a:bodyPr>
+          <a:lstStyle/>
+          <a:p>
+            <a:pPr marL="0" lvl="0" indent="0" algn="l" rtl="0">
+              <a:spcBef>
+                <a:spcPts val="0"/>
+              </a:spcBef>
+              <a:spcAft>
+                <a:spcPts val="0"/>
+              </a:spcAft>
+              <a:buNone/>
+            </a:pPr>
+            <a:r>
+              <a:rPr lang="pt-BR" dirty="0">
+                <a:solidFill>
+                  <a:schemeClr val="dk1"/>
+                </a:solidFill>
+              </a:rPr>
+              <a:t>Uma empresa de edição de vídeos para </a:t>
+            </a:r>
+            <a:r>
+              <a:rPr lang="pt-BR" b="1" dirty="0" err="1">
+                <a:solidFill>
+                  <a:schemeClr val="dk1"/>
+                </a:solidFill>
+              </a:rPr>
+              <a:t>Youtuber’s</a:t>
+            </a:r>
+            <a:r>
+              <a:rPr lang="pt-BR" dirty="0">
+                <a:solidFill>
+                  <a:schemeClr val="dk1"/>
+                </a:solidFill>
+              </a:rPr>
+              <a:t> passou a ter problemas em algumas máquinas quando começa a renderizar seus vídeos.</a:t>
+            </a:r>
+            <a:endParaRPr dirty="0">
+              <a:solidFill>
+                <a:schemeClr val="dk1"/>
+              </a:solidFill>
+            </a:endParaRPr>
+          </a:p>
+          <a:p>
+            <a:pPr marL="533400" lvl="1" indent="-292100" algn="l" rtl="0">
+              <a:spcBef>
+                <a:spcPts val="1600"/>
+              </a:spcBef>
+              <a:spcAft>
+                <a:spcPts val="0"/>
+              </a:spcAft>
+              <a:buSzPts val="1600"/>
+              <a:buFont typeface="Didact Gothic"/>
+              <a:buChar char="○"/>
+            </a:pPr>
+            <a:r>
+              <a:rPr lang="pt-BR" dirty="0">
+                <a:solidFill>
+                  <a:schemeClr val="dk1"/>
+                </a:solidFill>
+              </a:rPr>
+              <a:t>Máquina desligando.</a:t>
+            </a:r>
+            <a:endParaRPr dirty="0">
+              <a:solidFill>
+                <a:schemeClr val="dk1"/>
+              </a:solidFill>
+            </a:endParaRPr>
+          </a:p>
+          <a:p>
+            <a:pPr marL="533400" lvl="1" indent="-292100" algn="l" rtl="0">
+              <a:spcBef>
+                <a:spcPts val="1600"/>
+              </a:spcBef>
+              <a:spcAft>
+                <a:spcPts val="0"/>
+              </a:spcAft>
+              <a:buSzPts val="1600"/>
+              <a:buFont typeface="Didact Gothic"/>
+              <a:buChar char="○"/>
+            </a:pPr>
+            <a:r>
+              <a:rPr lang="pt-BR" dirty="0">
+                <a:solidFill>
+                  <a:schemeClr val="dk1"/>
+                </a:solidFill>
+              </a:rPr>
+              <a:t>Renderização não concluída e/ou atrasada.</a:t>
+            </a:r>
+            <a:endParaRPr dirty="0">
+              <a:solidFill>
+                <a:schemeClr val="dk1"/>
+              </a:solidFill>
+            </a:endParaRPr>
+          </a:p>
+          <a:p>
+            <a:pPr marL="533400" lvl="1" indent="-292100" algn="l" rtl="0">
+              <a:spcBef>
+                <a:spcPts val="1600"/>
+              </a:spcBef>
+              <a:spcAft>
+                <a:spcPts val="0"/>
+              </a:spcAft>
+              <a:buSzPts val="1600"/>
+              <a:buFont typeface="Didact Gothic"/>
+              <a:buChar char="○"/>
+            </a:pPr>
+            <a:r>
+              <a:rPr lang="pt-BR" dirty="0">
+                <a:solidFill>
+                  <a:schemeClr val="dk1"/>
+                </a:solidFill>
+              </a:rPr>
+              <a:t>Gargalo no processo.</a:t>
+            </a:r>
+            <a:endParaRPr dirty="0">
+              <a:solidFill>
+                <a:schemeClr val="dk1"/>
+              </a:solidFill>
+            </a:endParaRPr>
+          </a:p>
+          <a:p>
+            <a:pPr marL="0" lvl="0" indent="0" algn="l" rtl="0">
+              <a:spcBef>
+                <a:spcPts val="1600"/>
+              </a:spcBef>
+              <a:spcAft>
+                <a:spcPts val="1600"/>
+              </a:spcAft>
+              <a:buNone/>
+            </a:pPr>
+            <a:br>
+              <a:rPr lang="en" dirty="0">
+                <a:solidFill>
+                  <a:schemeClr val="dk1"/>
+                </a:solidFill>
+              </a:rPr>
+            </a:br>
+            <a:endParaRPr dirty="0"/>
+          </a:p>
+        </p:txBody>
+      </p:sp>
+    </p:spTree>
+  </p:cSld>
+  <p:clrMapOvr>
+    <a:masterClrMapping/>
+  </p:clrMapOvr>
+</p:sld>
+</file>
+
+<file path=ppt/slides/slide4.xml><?xml version="1.0" encoding="utf-8"?>
+<p:sld xmlns:a="http://schemas.openxmlformats.org/drawingml/2006/main" xmlns:r="http://schemas.openxmlformats.org/officeDocument/2006/relationships" xmlns:p="http://schemas.openxmlformats.org/presentationml/2006/main">
+  <p:cSld>
+    <p:spTree>
+      <p:nvGrpSpPr>
+        <p:cNvPr id="1" name="Shape 560"/>
+        <p:cNvGrpSpPr/>
+        <p:nvPr/>
+      </p:nvGrpSpPr>
+      <p:grpSpPr>
+        <a:xfrm>
+          <a:off x="0" y="0"/>
+          <a:ext cx="0" cy="0"/>
+          <a:chOff x="0" y="0"/>
+          <a:chExt cx="0" cy="0"/>
+        </a:xfrm>
+      </p:grpSpPr>
+      <p:sp>
+        <p:nvSpPr>
+          <p:cNvPr id="561" name="Google Shape;561;p56"/>
+          <p:cNvSpPr txBox="1">
+            <a:spLocks noGrp="1"/>
+          </p:cNvSpPr>
+          <p:nvPr>
+            <p:ph type="title"/>
+          </p:nvPr>
+        </p:nvSpPr>
+        <p:spPr>
+          <a:xfrm>
+            <a:off x="33921" y="319600"/>
+            <a:ext cx="3374428" cy="515288"/>
+          </a:xfrm>
+          <a:prstGeom prst="rect">
+            <a:avLst/>
+          </a:prstGeom>
+        </p:spPr>
+        <p:txBody>
+          <a:bodyPr spcFirstLastPara="1" wrap="square" lIns="91425" tIns="91425" rIns="91425" bIns="91425" anchor="b" anchorCtr="0">
+            <a:noAutofit/>
+          </a:bodyPr>
+          <a:lstStyle/>
+          <a:p>
+            <a:pPr marL="0" lvl="0" indent="0" algn="l" rtl="0">
+              <a:spcBef>
+                <a:spcPts val="0"/>
+              </a:spcBef>
+              <a:spcAft>
+                <a:spcPts val="0"/>
+              </a:spcAft>
+              <a:buNone/>
+            </a:pPr>
+            <a:r>
+              <a:rPr lang="en" dirty="0"/>
+              <a:t>Videos Diários</a:t>
+            </a:r>
+            <a:endParaRPr dirty="0"/>
+          </a:p>
+        </p:txBody>
+      </p:sp>
+      <p:sp>
+        <p:nvSpPr>
+          <p:cNvPr id="564" name="Google Shape;564;p56"/>
+          <p:cNvSpPr txBox="1">
+            <a:spLocks noGrp="1"/>
+          </p:cNvSpPr>
+          <p:nvPr>
+            <p:ph type="subTitle" idx="1"/>
+          </p:nvPr>
+        </p:nvSpPr>
+        <p:spPr>
+          <a:xfrm>
+            <a:off x="144759" y="2477822"/>
+            <a:ext cx="2808000" cy="973200"/>
+          </a:xfrm>
+          <a:prstGeom prst="rect">
+            <a:avLst/>
+          </a:prstGeom>
+        </p:spPr>
+        <p:txBody>
+          <a:bodyPr spcFirstLastPara="1" wrap="square" lIns="91425" tIns="91425" rIns="91425" bIns="91425" anchor="ctr" anchorCtr="0">
+            <a:noAutofit/>
+          </a:bodyPr>
+          <a:lstStyle/>
+          <a:p>
+            <a:pPr marL="0" lvl="0" indent="0" algn="l" rtl="0">
+              <a:spcBef>
+                <a:spcPts val="0"/>
+              </a:spcBef>
+              <a:spcAft>
+                <a:spcPts val="1600"/>
+              </a:spcAft>
+              <a:buNone/>
+            </a:pPr>
+            <a:r>
+              <a:rPr lang="en" dirty="0"/>
+              <a:t>O Youtuber RezendeEvil posta 3 vídeos diários.</a:t>
+            </a:r>
+          </a:p>
+          <a:p>
+            <a:pPr marL="0" lvl="0" indent="0" algn="l" rtl="0">
+              <a:spcBef>
+                <a:spcPts val="0"/>
+              </a:spcBef>
+              <a:spcAft>
+                <a:spcPts val="1600"/>
+              </a:spcAft>
+              <a:buNone/>
+            </a:pPr>
+            <a:r>
+              <a:rPr lang="en" dirty="0"/>
+              <a:t>Por dia ele obtem </a:t>
+            </a:r>
+            <a:r>
+              <a:rPr lang="en" dirty="0">
+                <a:solidFill>
+                  <a:schemeClr val="bg2"/>
+                </a:solidFill>
+              </a:rPr>
+              <a:t>1,990,065 </a:t>
+            </a:r>
+            <a:r>
+              <a:rPr lang="en" dirty="0"/>
+              <a:t>visualizações.</a:t>
+            </a:r>
+          </a:p>
+          <a:p>
+            <a:pPr marL="0" lvl="0" indent="0" algn="l" rtl="0">
+              <a:spcBef>
+                <a:spcPts val="0"/>
+              </a:spcBef>
+              <a:spcAft>
+                <a:spcPts val="1600"/>
+              </a:spcAft>
+              <a:buNone/>
+            </a:pPr>
+            <a:r>
+              <a:rPr lang="en" dirty="0"/>
+              <a:t>Com um lucro estimado de </a:t>
+            </a:r>
+            <a:r>
+              <a:rPr lang="pt-BR" dirty="0">
+                <a:solidFill>
+                  <a:schemeClr val="bg2"/>
+                </a:solidFill>
+              </a:rPr>
+              <a:t>$637  -  $8K </a:t>
+            </a:r>
+            <a:r>
+              <a:rPr lang="pt-BR" dirty="0"/>
+              <a:t>por dia.</a:t>
+            </a:r>
+          </a:p>
+          <a:p>
+            <a:pPr marL="0" lvl="0" indent="0" algn="l" rtl="0">
+              <a:spcBef>
+                <a:spcPts val="0"/>
+              </a:spcBef>
+              <a:spcAft>
+                <a:spcPts val="1600"/>
+              </a:spcAft>
+              <a:buNone/>
+            </a:pPr>
+            <a:endParaRPr lang="pt-BR" dirty="0"/>
+          </a:p>
+          <a:p>
+            <a:pPr marL="0" lvl="0" indent="0" algn="l" rtl="0">
+              <a:spcBef>
+                <a:spcPts val="0"/>
+              </a:spcBef>
+              <a:spcAft>
+                <a:spcPts val="1600"/>
+              </a:spcAft>
+              <a:buNone/>
+            </a:pPr>
+            <a:endParaRPr lang="pt-BR" dirty="0"/>
+          </a:p>
+          <a:p>
+            <a:pPr marL="0" lvl="0" indent="0" algn="l" rtl="0">
+              <a:spcBef>
+                <a:spcPts val="0"/>
+              </a:spcBef>
+              <a:spcAft>
+                <a:spcPts val="1600"/>
+              </a:spcAft>
+              <a:buNone/>
+            </a:pPr>
+            <a:r>
+              <a:rPr lang="pt-BR" sz="1050" dirty="0"/>
+              <a:t>Fonte: </a:t>
+            </a:r>
+            <a:r>
+              <a:rPr lang="pt-BR" sz="1050" dirty="0" err="1"/>
+              <a:t>SocialBlade</a:t>
+            </a:r>
+            <a:endParaRPr sz="1050" dirty="0"/>
+          </a:p>
+        </p:txBody>
+      </p:sp>
       <p:pic>
         <p:nvPicPr>
-          <p:cNvPr id="3" name="Imagem 2" descr="Linha do tempo&#10;&#10;Descrição gerada automaticamente">
+          <p:cNvPr id="5" name="Imagem 4" descr="Homem com chapéu roxo&#10;&#10;Descrição gerada automaticamente">
             <a:extLst>
               <a:ext uri="{FF2B5EF4-FFF2-40B4-BE49-F238E27FC236}">
-                <a16:creationId xmlns:a16="http://schemas.microsoft.com/office/drawing/2014/main" xmlns="" id="{D52999EF-F20A-4E08-A1A5-628CC3076F53}"/>
+                <a16:creationId xmlns:a16="http://schemas.microsoft.com/office/drawing/2014/main" id="{02CB93CA-B859-4935-9F1A-7B1389FF8AC6}"/>
               </a:ext>
             </a:extLst>
           </p:cNvPr>
@@ -14273,40 +16909,67 @@
         </p:blipFill>
         <p:spPr>
           <a:xfrm>
-            <a:off x="0" y="0"/>
-            <a:ext cx="9144000" cy="5143500"/>
+            <a:off x="4474217" y="577244"/>
+            <a:ext cx="4131494" cy="4109041"/>
           </a:xfrm>
           <a:prstGeom prst="rect">
             <a:avLst/>
           </a:prstGeom>
         </p:spPr>
       </p:pic>
+      <p:sp>
+        <p:nvSpPr>
+          <p:cNvPr id="563" name="Google Shape;563;p56"/>
+          <p:cNvSpPr/>
+          <p:nvPr/>
+        </p:nvSpPr>
+        <p:spPr>
+          <a:xfrm>
+            <a:off x="4239300" y="675915"/>
+            <a:ext cx="3958200" cy="3911700"/>
+          </a:xfrm>
+          <a:prstGeom prst="ellipse">
+            <a:avLst/>
+          </a:prstGeom>
+          <a:noFill/>
+          <a:ln w="9525" cap="flat" cmpd="sng">
+            <a:solidFill>
+              <a:schemeClr val="accent3"/>
+            </a:solidFill>
+            <a:prstDash val="solid"/>
+            <a:round/>
+            <a:headEnd type="none" w="sm" len="sm"/>
+            <a:tailEnd type="none" w="sm" len="sm"/>
+          </a:ln>
+        </p:spPr>
+        <p:txBody>
+          <a:bodyPr spcFirstLastPara="1" wrap="square" lIns="91425" tIns="91425" rIns="91425" bIns="91425" anchor="ctr" anchorCtr="0">
+            <a:noAutofit/>
+          </a:bodyPr>
+          <a:lstStyle/>
+          <a:p>
+            <a:pPr marL="0" lvl="0" indent="0" algn="l" rtl="0">
+              <a:spcBef>
+                <a:spcPts val="0"/>
+              </a:spcBef>
+              <a:spcAft>
+                <a:spcPts val="0"/>
+              </a:spcAft>
+              <a:buNone/>
+            </a:pPr>
+            <a:endParaRPr/>
+          </a:p>
+        </p:txBody>
+      </p:sp>
     </p:spTree>
-    <p:extLst>
-      <p:ext uri="{BB962C8B-B14F-4D97-AF65-F5344CB8AC3E}">
-        <p14:creationId xmlns:p14="http://schemas.microsoft.com/office/powerpoint/2010/main" val="2577278755"/>
-      </p:ext>
-    </p:extLst>
   </p:cSld>
   <p:clrMapOvr>
     <a:masterClrMapping/>
   </p:clrMapOvr>
-  <mc:AlternateContent xmlns:mc="http://schemas.openxmlformats.org/markup-compatibility/2006" xmlns:p14="http://schemas.microsoft.com/office/powerpoint/2010/main">
-    <mc:Choice Requires="p14">
-      <p:transition spd="slow" p14:dur="800">
-        <p14:flythrough/>
-      </p:transition>
-    </mc:Choice>
-    <mc:Fallback xmlns="">
-      <p:transition spd="slow">
-        <p:fade/>
-      </p:transition>
-    </mc:Fallback>
-  </mc:AlternateContent>
 </p:sld>
 </file>
 
-<file path=ppt/slides/slide4.xml><?xml version="1.0" encoding="utf-8"?>
+<file path=ppt/slides/slide5.xml><?xml version="1.0" encoding="utf-8"?>
 <p:sld xmlns:a="http://schemas.openxmlformats.org/drawingml/2006/main" xmlns:r="http://schemas.openxmlformats.org/officeDocument/2006/relationships" xmlns:p="http://schemas.openxmlformats.org/presentationml/2006/main">
   <p:cSld>
     <p:spTree>
@@ -14328,7 +16991,7 @@
           <p:cNvPr id="21" name="Retângulo 20">
             <a:extLst>
               <a:ext uri="{FF2B5EF4-FFF2-40B4-BE49-F238E27FC236}">
-                <a16:creationId xmlns:a16="http://schemas.microsoft.com/office/drawing/2014/main" xmlns="" id="{7B938AF4-719E-4AB4-88BE-4357C82DF926}"/>
+                <a16:creationId xmlns:a16="http://schemas.microsoft.com/office/drawing/2014/main" id="{7B938AF4-719E-4AB4-88BE-4357C82DF926}"/>
               </a:ext>
             </a:extLst>
           </p:cNvPr>
@@ -14708,7 +17371,7 @@
           <p:cNvPr id="1026" name="Picture 2">
             <a:extLst>
               <a:ext uri="{FF2B5EF4-FFF2-40B4-BE49-F238E27FC236}">
-                <a16:creationId xmlns:a16="http://schemas.microsoft.com/office/drawing/2014/main" xmlns="" id="{E7C79143-28EE-4D5E-94D8-5FEA59D258F3}"/>
+                <a16:creationId xmlns:a16="http://schemas.microsoft.com/office/drawing/2014/main" id="{E7C79143-28EE-4D5E-94D8-5FEA59D258F3}"/>
               </a:ext>
             </a:extLst>
           </p:cNvPr>
@@ -14760,7 +17423,7 @@
           <p:cNvPr id="14" name="Text Box 11">
             <a:extLst>
               <a:ext uri="{FF2B5EF4-FFF2-40B4-BE49-F238E27FC236}">
-                <a16:creationId xmlns:a16="http://schemas.microsoft.com/office/drawing/2014/main" xmlns="" id="{435F1C02-2DE8-4823-AF55-31EB7DDA0B79}"/>
+                <a16:creationId xmlns:a16="http://schemas.microsoft.com/office/drawing/2014/main" id="{435F1C02-2DE8-4823-AF55-31EB7DDA0B79}"/>
               </a:ext>
             </a:extLst>
           </p:cNvPr>
@@ -14835,7 +17498,7 @@
           <p:cNvPr id="23" name="Google Shape;374;p44">
             <a:extLst>
               <a:ext uri="{FF2B5EF4-FFF2-40B4-BE49-F238E27FC236}">
-                <a16:creationId xmlns:a16="http://schemas.microsoft.com/office/drawing/2014/main" xmlns="" id="{2F33C80D-5F69-4325-9EED-F885BD6D4EA3}"/>
+                <a16:creationId xmlns:a16="http://schemas.microsoft.com/office/drawing/2014/main" id="{2F33C80D-5F69-4325-9EED-F885BD6D4EA3}"/>
               </a:ext>
             </a:extLst>
           </p:cNvPr>
@@ -15143,7 +17806,7 @@
           <p:cNvPr id="24" name="Google Shape;374;p44">
             <a:extLst>
               <a:ext uri="{FF2B5EF4-FFF2-40B4-BE49-F238E27FC236}">
-                <a16:creationId xmlns:a16="http://schemas.microsoft.com/office/drawing/2014/main" xmlns="" id="{4A5D79FB-B7F5-424E-958E-83CEEE54F1D2}"/>
+                <a16:creationId xmlns:a16="http://schemas.microsoft.com/office/drawing/2014/main" id="{4A5D79FB-B7F5-424E-958E-83CEEE54F1D2}"/>
               </a:ext>
             </a:extLst>
           </p:cNvPr>
@@ -15451,7 +18114,7 @@
           <p:cNvPr id="25" name="Google Shape;374;p44">
             <a:extLst>
               <a:ext uri="{FF2B5EF4-FFF2-40B4-BE49-F238E27FC236}">
-                <a16:creationId xmlns:a16="http://schemas.microsoft.com/office/drawing/2014/main" xmlns="" id="{21CC74BA-FCA9-4D81-AF53-EF1BDDAF993F}"/>
+                <a16:creationId xmlns:a16="http://schemas.microsoft.com/office/drawing/2014/main" id="{21CC74BA-FCA9-4D81-AF53-EF1BDDAF993F}"/>
               </a:ext>
             </a:extLst>
           </p:cNvPr>
@@ -15760,7 +18423,7 @@
           <p:cNvPr id="27" name="Google Shape;374;p44">
             <a:extLst>
               <a:ext uri="{FF2B5EF4-FFF2-40B4-BE49-F238E27FC236}">
-                <a16:creationId xmlns:a16="http://schemas.microsoft.com/office/drawing/2014/main" xmlns="" id="{F5A648B4-9982-4A73-94AB-5F308433C4AC}"/>
+                <a16:creationId xmlns:a16="http://schemas.microsoft.com/office/drawing/2014/main" id="{F5A648B4-9982-4A73-94AB-5F308433C4AC}"/>
               </a:ext>
             </a:extLst>
           </p:cNvPr>
@@ -16068,7 +18731,7 @@
           <p:cNvPr id="15" name="Imagem 14" descr="Desenho com traços pretos em fundo branco&#10;&#10;Descrição gerada automaticamente com confiança baixa">
             <a:extLst>
               <a:ext uri="{FF2B5EF4-FFF2-40B4-BE49-F238E27FC236}">
-                <a16:creationId xmlns:a16="http://schemas.microsoft.com/office/drawing/2014/main" xmlns="" id="{62430470-260F-42BC-97DA-B65C2CE3898C}"/>
+                <a16:creationId xmlns:a16="http://schemas.microsoft.com/office/drawing/2014/main" id="{62430470-260F-42BC-97DA-B65C2CE3898C}"/>
               </a:ext>
             </a:extLst>
           </p:cNvPr>
@@ -16113,7 +18776,7 @@
 </p:sld>
 </file>
 
-<file path=ppt/slides/slide5.xml><?xml version="1.0" encoding="utf-8"?>
+<file path=ppt/slides/slide6.xml><?xml version="1.0" encoding="utf-8"?>
 <p:sld xmlns:a="http://schemas.openxmlformats.org/drawingml/2006/main" xmlns:r="http://schemas.openxmlformats.org/officeDocument/2006/relationships" xmlns:p="http://schemas.openxmlformats.org/presentationml/2006/main">
   <p:cSld>
     <p:spTree>
@@ -16135,7 +18798,7 @@
           <p:cNvPr id="6" name="Retângulo 5">
             <a:extLst>
               <a:ext uri="{FF2B5EF4-FFF2-40B4-BE49-F238E27FC236}">
-                <a16:creationId xmlns:a16="http://schemas.microsoft.com/office/drawing/2014/main" xmlns="" id="{42CCE9F3-2997-4665-9932-A81CB78FFD9C}"/>
+                <a16:creationId xmlns:a16="http://schemas.microsoft.com/office/drawing/2014/main" id="{42CCE9F3-2997-4665-9932-A81CB78FFD9C}"/>
               </a:ext>
             </a:extLst>
           </p:cNvPr>
@@ -16223,7 +18886,7 @@
           <p:cNvPr id="4" name="Imagem 3" descr="Desenho com traços pretos em fundo branco&#10;&#10;Descrição gerada automaticamente com confiança baixa">
             <a:extLst>
               <a:ext uri="{FF2B5EF4-FFF2-40B4-BE49-F238E27FC236}">
-                <a16:creationId xmlns:a16="http://schemas.microsoft.com/office/drawing/2014/main" xmlns="" id="{4D8FEDAC-3813-4084-9334-0DA2140347BE}"/>
+                <a16:creationId xmlns:a16="http://schemas.microsoft.com/office/drawing/2014/main" id="{4D8FEDAC-3813-4084-9334-0DA2140347BE}"/>
               </a:ext>
             </a:extLst>
           </p:cNvPr>
@@ -16253,7 +18916,7 @@
           <p:cNvPr id="2" name="Fluxograma: Armazenamento Interno 1">
             <a:extLst>
               <a:ext uri="{FF2B5EF4-FFF2-40B4-BE49-F238E27FC236}">
-                <a16:creationId xmlns:a16="http://schemas.microsoft.com/office/drawing/2014/main" xmlns="" id="{8C8C27EE-27AF-4727-ACD7-5DBB48B8489C}"/>
+                <a16:creationId xmlns:a16="http://schemas.microsoft.com/office/drawing/2014/main" id="{8C8C27EE-27AF-4727-ACD7-5DBB48B8489C}"/>
               </a:ext>
             </a:extLst>
           </p:cNvPr>
@@ -16351,7 +19014,7 @@
               <a:defRPr/>
             </a:pPr>
             <a:r>
-              <a:rPr kumimoji="0" lang="pt-BR" sz="2400" b="0" i="0" u="none" strike="noStrike" kern="0" cap="none" spc="0" normalizeH="0" baseline="0" noProof="0" dirty="0" smtClean="0">
+              <a:rPr kumimoji="0" lang="pt-BR" sz="2400" b="0" i="0" u="none" strike="noStrike" kern="0" cap="none" spc="0" normalizeH="0" baseline="0" noProof="0" dirty="0">
                 <a:ln>
                   <a:noFill/>
                 </a:ln>
@@ -16367,7 +19030,7 @@
               <a:t>Quero receber</a:t>
             </a:r>
             <a:r>
-              <a:rPr kumimoji="0" lang="pt-BR" sz="2400" b="0" i="0" u="none" strike="noStrike" kern="0" cap="none" spc="0" normalizeH="0" noProof="0" dirty="0" smtClean="0">
+              <a:rPr kumimoji="0" lang="pt-BR" sz="2400" b="0" i="0" u="none" strike="noStrike" kern="0" cap="none" spc="0" normalizeH="0" noProof="0" dirty="0">
                 <a:ln>
                   <a:noFill/>
                 </a:ln>
@@ -16391,7 +19054,7 @@
           <p:cNvPr id="9" name="Google Shape;417;p46">
             <a:extLst>
               <a:ext uri="{FF2B5EF4-FFF2-40B4-BE49-F238E27FC236}">
-                <a16:creationId xmlns:a16="http://schemas.microsoft.com/office/drawing/2014/main" xmlns="" id="{CB77E218-4C4B-4752-9724-0C29165E785A}"/>
+                <a16:creationId xmlns:a16="http://schemas.microsoft.com/office/drawing/2014/main" id="{CB77E218-4C4B-4752-9724-0C29165E785A}"/>
               </a:ext>
             </a:extLst>
           </p:cNvPr>
@@ -16693,7 +19356,7 @@
           <p:cNvPr id="13" name="Fluxograma: Armazenamento Interno 12">
             <a:extLst>
               <a:ext uri="{FF2B5EF4-FFF2-40B4-BE49-F238E27FC236}">
-                <a16:creationId xmlns:a16="http://schemas.microsoft.com/office/drawing/2014/main" xmlns="" id="{8802DC62-15A1-4456-8081-0685431C7D48}"/>
+                <a16:creationId xmlns:a16="http://schemas.microsoft.com/office/drawing/2014/main" id="{8802DC62-15A1-4456-8081-0685431C7D48}"/>
               </a:ext>
             </a:extLst>
           </p:cNvPr>
@@ -16791,7 +19454,7 @@
               <a:defRPr/>
             </a:pPr>
             <a:r>
-              <a:rPr kumimoji="0" lang="pt-BR" sz="2400" b="0" i="0" u="none" strike="noStrike" kern="0" cap="none" spc="0" normalizeH="0" baseline="0" noProof="0" dirty="0" smtClean="0">
+              <a:rPr kumimoji="0" lang="pt-BR" sz="2400" b="0" i="0" u="none" strike="noStrike" kern="0" cap="none" spc="0" normalizeH="0" baseline="0" noProof="0" dirty="0">
                 <a:ln>
                   <a:noFill/>
                 </a:ln>
@@ -16807,7 +19470,7 @@
               <a:t>Quero ter</a:t>
             </a:r>
             <a:r>
-              <a:rPr kumimoji="0" lang="pt-BR" sz="2400" b="0" i="0" u="none" strike="noStrike" kern="0" cap="none" spc="0" normalizeH="0" noProof="0" dirty="0" smtClean="0">
+              <a:rPr kumimoji="0" lang="pt-BR" sz="2400" b="0" i="0" u="none" strike="noStrike" kern="0" cap="none" spc="0" normalizeH="0" noProof="0" dirty="0">
                 <a:ln>
                   <a:noFill/>
                 </a:ln>
@@ -16823,7 +19486,7 @@
               <a:t> as maquinas da empresas sendo monitoradas todo o tempo, para passar segurança</a:t>
             </a:r>
             <a:r>
-              <a:rPr kumimoji="0" lang="pt-BR" sz="2400" b="0" i="0" u="none" strike="noStrike" kern="0" cap="none" spc="0" normalizeH="0" baseline="0" noProof="0" dirty="0" smtClean="0">
+              <a:rPr kumimoji="0" lang="pt-BR" sz="2400" b="0" i="0" u="none" strike="noStrike" kern="0" cap="none" spc="0" normalizeH="0" baseline="0" noProof="0" dirty="0">
                 <a:ln>
                   <a:noFill/>
                 </a:ln>
@@ -16838,19 +19501,6 @@
               </a:rPr>
               <a:t>.</a:t>
             </a:r>
-            <a:endParaRPr kumimoji="0" lang="pt-BR" sz="2400" b="0" i="0" u="none" strike="noStrike" kern="0" cap="none" spc="0" normalizeH="0" baseline="0" noProof="0" dirty="0">
-              <a:ln>
-                <a:noFill/>
-              </a:ln>
-              <a:solidFill>
-                <a:srgbClr val="FFFFFF"/>
-              </a:solidFill>
-              <a:effectLst/>
-              <a:uLnTx/>
-              <a:uFillTx/>
-              <a:latin typeface="Didact Gothic"/>
-              <a:sym typeface="Didact Gothic"/>
-            </a:endParaRPr>
           </a:p>
           <a:p>
             <a:endParaRPr lang="pt-BR" sz="1200" dirty="0"/>
@@ -16862,7 +19512,7 @@
           <p:cNvPr id="14" name="Google Shape;417;p46">
             <a:extLst>
               <a:ext uri="{FF2B5EF4-FFF2-40B4-BE49-F238E27FC236}">
-                <a16:creationId xmlns:a16="http://schemas.microsoft.com/office/drawing/2014/main" xmlns="" id="{826FD412-A1C1-4ACC-9E7E-7084820E6AC6}"/>
+                <a16:creationId xmlns:a16="http://schemas.microsoft.com/office/drawing/2014/main" id="{826FD412-A1C1-4ACC-9E7E-7084820E6AC6}"/>
               </a:ext>
             </a:extLst>
           </p:cNvPr>
@@ -17184,7 +19834,7 @@
 </p:sld>
 </file>
 
-<file path=ppt/slides/slide6.xml><?xml version="1.0" encoding="utf-8"?>
+<file path=ppt/slides/slide7.xml><?xml version="1.0" encoding="utf-8"?>
 <p:sld xmlns:a="http://schemas.openxmlformats.org/drawingml/2006/main" xmlns:r="http://schemas.openxmlformats.org/officeDocument/2006/relationships" xmlns:p="http://schemas.openxmlformats.org/presentationml/2006/main">
   <p:cSld>
     <p:spTree>
@@ -17206,7 +19856,7 @@
           <p:cNvPr id="7" name="Retângulo 6">
             <a:extLst>
               <a:ext uri="{FF2B5EF4-FFF2-40B4-BE49-F238E27FC236}">
-                <a16:creationId xmlns:a16="http://schemas.microsoft.com/office/drawing/2014/main" xmlns="" id="{6B01100F-B5E6-43F2-9776-A2050830B858}"/>
+                <a16:creationId xmlns:a16="http://schemas.microsoft.com/office/drawing/2014/main" id="{6B01100F-B5E6-43F2-9776-A2050830B858}"/>
               </a:ext>
             </a:extLst>
           </p:cNvPr>
@@ -17252,7 +19902,7 @@
           <p:cNvPr id="4" name="Imagem 3" descr="Desenho com traços pretos em fundo branco&#10;&#10;Descrição gerada automaticamente com confiança baixa">
             <a:extLst>
               <a:ext uri="{FF2B5EF4-FFF2-40B4-BE49-F238E27FC236}">
-                <a16:creationId xmlns:a16="http://schemas.microsoft.com/office/drawing/2014/main" xmlns="" id="{4D8FEDAC-3813-4084-9334-0DA2140347BE}"/>
+                <a16:creationId xmlns:a16="http://schemas.microsoft.com/office/drawing/2014/main" id="{4D8FEDAC-3813-4084-9334-0DA2140347BE}"/>
               </a:ext>
             </a:extLst>
           </p:cNvPr>
@@ -17282,7 +19932,7 @@
           <p:cNvPr id="10" name="Imagem 9" descr="Logotipo&#10;&#10;Descrição gerada automaticamente">
             <a:extLst>
               <a:ext uri="{FF2B5EF4-FFF2-40B4-BE49-F238E27FC236}">
-                <a16:creationId xmlns:a16="http://schemas.microsoft.com/office/drawing/2014/main" xmlns="" id="{5D3DE0BE-69EE-4B8E-80B2-F6B18548253F}"/>
+                <a16:creationId xmlns:a16="http://schemas.microsoft.com/office/drawing/2014/main" id="{5D3DE0BE-69EE-4B8E-80B2-F6B18548253F}"/>
               </a:ext>
             </a:extLst>
           </p:cNvPr>
@@ -17312,7 +19962,7 @@
           <p:cNvPr id="11" name="CaixaDeTexto 10">
             <a:extLst>
               <a:ext uri="{FF2B5EF4-FFF2-40B4-BE49-F238E27FC236}">
-                <a16:creationId xmlns:a16="http://schemas.microsoft.com/office/drawing/2014/main" xmlns="" id="{323481BB-041C-4A66-9771-857BA21CA2D7}"/>
+                <a16:creationId xmlns:a16="http://schemas.microsoft.com/office/drawing/2014/main" id="{323481BB-041C-4A66-9771-857BA21CA2D7}"/>
               </a:ext>
             </a:extLst>
           </p:cNvPr>
@@ -17372,7 +20022,7 @@
 </p:sld>
 </file>
 
-<file path=ppt/slides/slide7.xml><?xml version="1.0" encoding="utf-8"?>
+<file path=ppt/slides/slide8.xml><?xml version="1.0" encoding="utf-8"?>
 <p:sld xmlns:a="http://schemas.openxmlformats.org/drawingml/2006/main" xmlns:r="http://schemas.openxmlformats.org/officeDocument/2006/relationships" xmlns:p="http://schemas.openxmlformats.org/presentationml/2006/main">
   <p:cSld>
     <p:bg>
@@ -17402,7 +20052,7 @@
           <p:cNvPr id="21" name="Imagem 20" descr="Desenho com traços pretos em fundo branco&#10;&#10;Descrição gerada automaticamente com confiança baixa">
             <a:extLst>
               <a:ext uri="{FF2B5EF4-FFF2-40B4-BE49-F238E27FC236}">
-                <a16:creationId xmlns:a16="http://schemas.microsoft.com/office/drawing/2014/main" xmlns="" id="{23EDA186-09B1-46EA-B62A-18E3D84C1473}"/>
+                <a16:creationId xmlns:a16="http://schemas.microsoft.com/office/drawing/2014/main" id="{23EDA186-09B1-46EA-B62A-18E3D84C1473}"/>
               </a:ext>
             </a:extLst>
           </p:cNvPr>
@@ -17432,7 +20082,7 @@
           <p:cNvPr id="3" name="Título 2">
             <a:extLst>
               <a:ext uri="{FF2B5EF4-FFF2-40B4-BE49-F238E27FC236}">
-                <a16:creationId xmlns:a16="http://schemas.microsoft.com/office/drawing/2014/main" xmlns="" id="{8CA70183-A154-44A8-9ED0-7A342B243339}"/>
+                <a16:creationId xmlns:a16="http://schemas.microsoft.com/office/drawing/2014/main" id="{8CA70183-A154-44A8-9ED0-7A342B243339}"/>
               </a:ext>
             </a:extLst>
           </p:cNvPr>
@@ -17457,7 +20107,7 @@
           <p:cNvPr id="22" name="Imagem 21" descr="Interface gráfica do usuário, Aplicativo&#10;&#10;Descrição gerada automaticamente">
             <a:extLst>
               <a:ext uri="{FF2B5EF4-FFF2-40B4-BE49-F238E27FC236}">
-                <a16:creationId xmlns:a16="http://schemas.microsoft.com/office/drawing/2014/main" xmlns="" id="{61C8B5FA-6D89-4BDE-B2EF-4BF4F12ED340}"/>
+                <a16:creationId xmlns:a16="http://schemas.microsoft.com/office/drawing/2014/main" id="{61C8B5FA-6D89-4BDE-B2EF-4BF4F12ED340}"/>
               </a:ext>
             </a:extLst>
           </p:cNvPr>
@@ -17502,20 +20152,12 @@
 </p:sld>
 </file>
 
-<file path=ppt/slides/slide8.xml><?xml version="1.0" encoding="utf-8"?>
+<file path=ppt/slides/slide9.xml><?xml version="1.0" encoding="utf-8"?>
 <p:sld xmlns:a="http://schemas.openxmlformats.org/drawingml/2006/main" xmlns:r="http://schemas.openxmlformats.org/officeDocument/2006/relationships" xmlns:p="http://schemas.openxmlformats.org/presentationml/2006/main">
   <p:cSld>
-    <p:bg>
-      <p:bgPr>
-        <a:solidFill>
-          <a:schemeClr val="accent1"/>
-        </a:solidFill>
-        <a:effectLst/>
-      </p:bgPr>
-    </p:bg>
     <p:spTree>
       <p:nvGrpSpPr>
-        <p:cNvPr id="1" name="Shape 652"/>
+        <p:cNvPr id="1" name="Shape 841"/>
         <p:cNvGrpSpPr/>
         <p:nvPr/>
       </p:nvGrpSpPr>
@@ -17527,257 +20169,12 @@
           <a:chExt cx="0" cy="0"/>
         </a:xfrm>
       </p:grpSpPr>
-      <p:sp>
-        <p:nvSpPr>
-          <p:cNvPr id="4" name="Retângulo 3">
+      <p:pic>
+        <p:nvPicPr>
+          <p:cNvPr id="3" name="Imagem 2" descr="Linha do tempo&#10;&#10;Descrição gerada automaticamente">
             <a:extLst>
               <a:ext uri="{FF2B5EF4-FFF2-40B4-BE49-F238E27FC236}">
-                <a16:creationId xmlns:a16="http://schemas.microsoft.com/office/drawing/2014/main" xmlns="" id="{9E7A767D-7089-48B5-B2C9-07B484AC7577}"/>
-              </a:ext>
-            </a:extLst>
-          </p:cNvPr>
-          <p:cNvSpPr/>
-          <p:nvPr/>
-        </p:nvSpPr>
-        <p:spPr>
-          <a:xfrm>
-            <a:off x="4208929" y="1662500"/>
-            <a:ext cx="4121725" cy="3417004"/>
-          </a:xfrm>
-          <a:prstGeom prst="rect">
-            <a:avLst/>
-          </a:prstGeom>
-          <a:solidFill>
-            <a:schemeClr val="bg1"/>
-          </a:solidFill>
-          <a:ln>
-            <a:noFill/>
-          </a:ln>
-        </p:spPr>
-        <p:style>
-          <a:lnRef idx="2">
-            <a:schemeClr val="accent1">
-              <a:shade val="50000"/>
-            </a:schemeClr>
-          </a:lnRef>
-          <a:fillRef idx="1">
-            <a:schemeClr val="accent1"/>
-          </a:fillRef>
-          <a:effectRef idx="0">
-            <a:schemeClr val="accent1"/>
-          </a:effectRef>
-          <a:fontRef idx="minor">
-            <a:schemeClr val="lt1"/>
-          </a:fontRef>
-        </p:style>
-        <p:txBody>
-          <a:bodyPr rtlCol="0" anchor="ctr"/>
-          <a:lstStyle/>
-          <a:p>
-            <a:pPr algn="ctr"/>
-            <a:endParaRPr lang="pt-BR"/>
-          </a:p>
-        </p:txBody>
-      </p:sp>
-      <p:sp>
-        <p:nvSpPr>
-          <p:cNvPr id="653" name="Google Shape;653;p63"/>
-          <p:cNvSpPr txBox="1">
-            <a:spLocks noGrp="1"/>
-          </p:cNvSpPr>
-          <p:nvPr>
-            <p:ph type="title"/>
-          </p:nvPr>
-        </p:nvSpPr>
-        <p:spPr>
-          <a:xfrm>
-            <a:off x="701100" y="569300"/>
-            <a:ext cx="7741800" cy="362100"/>
-          </a:xfrm>
-          <a:prstGeom prst="rect">
-            <a:avLst/>
-          </a:prstGeom>
-        </p:spPr>
-        <p:txBody>
-          <a:bodyPr spcFirstLastPara="1" wrap="square" lIns="91425" tIns="91425" rIns="91425" bIns="91425" anchor="ctr" anchorCtr="0">
-            <a:noAutofit/>
-          </a:bodyPr>
-          <a:lstStyle/>
-          <a:p>
-            <a:pPr marL="0" lvl="0" indent="0" algn="ctr" rtl="0">
-              <a:spcBef>
-                <a:spcPts val="0"/>
-              </a:spcBef>
-              <a:spcAft>
-                <a:spcPts val="0"/>
-              </a:spcAft>
-              <a:buNone/>
-            </a:pPr>
-            <a:r>
-              <a:rPr lang="en" dirty="0">
-                <a:solidFill>
-                  <a:schemeClr val="dk1"/>
-                </a:solidFill>
-              </a:rPr>
-              <a:t>MER</a:t>
-            </a:r>
-            <a:endParaRPr dirty="0"/>
-          </a:p>
-        </p:txBody>
-      </p:sp>
-      <p:grpSp>
-        <p:nvGrpSpPr>
-          <p:cNvPr id="654" name="Google Shape;654;p63"/>
-          <p:cNvGrpSpPr/>
-          <p:nvPr/>
-        </p:nvGrpSpPr>
-        <p:grpSpPr>
-          <a:xfrm>
-            <a:off x="878025" y="1503200"/>
-            <a:ext cx="656450" cy="159300"/>
-            <a:chOff x="931600" y="2063975"/>
-            <a:chExt cx="656450" cy="159300"/>
-          </a:xfrm>
-        </p:grpSpPr>
-        <p:sp>
-          <p:nvSpPr>
-            <p:cNvPr id="655" name="Google Shape;655;p63"/>
-            <p:cNvSpPr/>
-            <p:nvPr/>
-          </p:nvSpPr>
-          <p:spPr>
-            <a:xfrm>
-              <a:off x="931600" y="2063975"/>
-              <a:ext cx="159300" cy="159300"/>
-            </a:xfrm>
-            <a:prstGeom prst="ellipse">
-              <a:avLst/>
-            </a:prstGeom>
-            <a:solidFill>
-              <a:srgbClr val="B7B7B7"/>
-            </a:solidFill>
-            <a:ln>
-              <a:noFill/>
-            </a:ln>
-          </p:spPr>
-          <p:txBody>
-            <a:bodyPr spcFirstLastPara="1" wrap="square" lIns="91425" tIns="91425" rIns="91425" bIns="91425" anchor="ctr" anchorCtr="0">
-              <a:noAutofit/>
-            </a:bodyPr>
-            <a:lstStyle/>
-            <a:p>
-              <a:pPr marL="0" lvl="0" indent="0" algn="l" rtl="0">
-                <a:spcBef>
-                  <a:spcPts val="0"/>
-                </a:spcBef>
-                <a:spcAft>
-                  <a:spcPts val="0"/>
-                </a:spcAft>
-                <a:buNone/>
-              </a:pPr>
-              <a:endParaRPr>
-                <a:solidFill>
-                  <a:schemeClr val="accent1"/>
-                </a:solidFill>
-              </a:endParaRPr>
-            </a:p>
-          </p:txBody>
-        </p:sp>
-        <p:sp>
-          <p:nvSpPr>
-            <p:cNvPr id="656" name="Google Shape;656;p63"/>
-            <p:cNvSpPr/>
-            <p:nvPr/>
-          </p:nvSpPr>
-          <p:spPr>
-            <a:xfrm>
-              <a:off x="1180175" y="2063975"/>
-              <a:ext cx="159300" cy="159300"/>
-            </a:xfrm>
-            <a:prstGeom prst="ellipse">
-              <a:avLst/>
-            </a:prstGeom>
-            <a:solidFill>
-              <a:srgbClr val="B7B7B7"/>
-            </a:solidFill>
-            <a:ln>
-              <a:noFill/>
-            </a:ln>
-          </p:spPr>
-          <p:txBody>
-            <a:bodyPr spcFirstLastPara="1" wrap="square" lIns="91425" tIns="91425" rIns="91425" bIns="91425" anchor="ctr" anchorCtr="0">
-              <a:noAutofit/>
-            </a:bodyPr>
-            <a:lstStyle/>
-            <a:p>
-              <a:pPr marL="0" lvl="0" indent="0" algn="l" rtl="0">
-                <a:spcBef>
-                  <a:spcPts val="0"/>
-                </a:spcBef>
-                <a:spcAft>
-                  <a:spcPts val="0"/>
-                </a:spcAft>
-                <a:buNone/>
-              </a:pPr>
-              <a:endParaRPr>
-                <a:solidFill>
-                  <a:schemeClr val="accent1"/>
-                </a:solidFill>
-              </a:endParaRPr>
-            </a:p>
-          </p:txBody>
-        </p:sp>
-        <p:sp>
-          <p:nvSpPr>
-            <p:cNvPr id="657" name="Google Shape;657;p63"/>
-            <p:cNvSpPr/>
-            <p:nvPr/>
-          </p:nvSpPr>
-          <p:spPr>
-            <a:xfrm>
-              <a:off x="1428750" y="2063975"/>
-              <a:ext cx="159300" cy="159300"/>
-            </a:xfrm>
-            <a:prstGeom prst="ellipse">
-              <a:avLst/>
-            </a:prstGeom>
-            <a:solidFill>
-              <a:srgbClr val="B7B7B7"/>
-            </a:solidFill>
-            <a:ln>
-              <a:noFill/>
-            </a:ln>
-          </p:spPr>
-          <p:txBody>
-            <a:bodyPr spcFirstLastPara="1" wrap="square" lIns="91425" tIns="91425" rIns="91425" bIns="91425" anchor="ctr" anchorCtr="0">
-              <a:noAutofit/>
-            </a:bodyPr>
-            <a:lstStyle/>
-            <a:p>
-              <a:pPr marL="0" lvl="0" indent="0" algn="l" rtl="0">
-                <a:spcBef>
-                  <a:spcPts val="0"/>
-                </a:spcBef>
-                <a:spcAft>
-                  <a:spcPts val="0"/>
-                </a:spcAft>
-                <a:buNone/>
-              </a:pPr>
-              <a:endParaRPr>
-                <a:solidFill>
-                  <a:schemeClr val="accent1"/>
-                </a:solidFill>
-              </a:endParaRPr>
-            </a:p>
-          </p:txBody>
-        </p:sp>
-      </p:grpSp>
-      <p:pic>
-        <p:nvPicPr>
-          <p:cNvPr id="3" name="Imagem 2">
-            <a:extLst>
-              <a:ext uri="{FF2B5EF4-FFF2-40B4-BE49-F238E27FC236}">
-                <a16:creationId xmlns:a16="http://schemas.microsoft.com/office/drawing/2014/main" xmlns="" id="{DD6EA363-A002-4559-9448-FBE9D6E67C93}"/>
+                <a16:creationId xmlns:a16="http://schemas.microsoft.com/office/drawing/2014/main" id="{D52999EF-F20A-4E08-A1A5-628CC3076F53}"/>
               </a:ext>
             </a:extLst>
           </p:cNvPr>
@@ -17794,405 +20191,8 @@
         </p:blipFill>
         <p:spPr>
           <a:xfrm>
-            <a:off x="2177701" y="1495293"/>
-            <a:ext cx="4788598" cy="3584211"/>
-          </a:xfrm>
-          <a:prstGeom prst="rect">
-            <a:avLst/>
-          </a:prstGeom>
-        </p:spPr>
-      </p:pic>
-      <p:pic>
-        <p:nvPicPr>
-          <p:cNvPr id="9" name="Imagem 8" descr="Desenho com traços pretos em fundo branco&#10;&#10;Descrição gerada automaticamente com confiança baixa">
-            <a:extLst>
-              <a:ext uri="{FF2B5EF4-FFF2-40B4-BE49-F238E27FC236}">
-                <a16:creationId xmlns:a16="http://schemas.microsoft.com/office/drawing/2014/main" xmlns="" id="{913DED4F-9272-43AC-A541-ABDBFDDA508D}"/>
-              </a:ext>
-            </a:extLst>
-          </p:cNvPr>
-          <p:cNvPicPr>
-            <a:picLocks noChangeAspect="1"/>
-          </p:cNvPicPr>
-          <p:nvPr/>
-        </p:nvPicPr>
-        <p:blipFill>
-          <a:blip r:embed="rId4"/>
-          <a:stretch>
-            <a:fillRect/>
-          </a:stretch>
-        </p:blipFill>
-        <p:spPr>
-          <a:xfrm>
-            <a:off x="8330654" y="63996"/>
-            <a:ext cx="680498" cy="362100"/>
-          </a:xfrm>
-          <a:prstGeom prst="rect">
-            <a:avLst/>
-          </a:prstGeom>
-        </p:spPr>
-      </p:pic>
-    </p:spTree>
-  </p:cSld>
-  <p:clrMapOvr>
-    <a:masterClrMapping/>
-  </p:clrMapOvr>
-  <mc:AlternateContent xmlns:mc="http://schemas.openxmlformats.org/markup-compatibility/2006" xmlns:p14="http://schemas.microsoft.com/office/powerpoint/2010/main">
-    <mc:Choice Requires="p14">
-      <p:transition spd="slow" p14:dur="800">
-        <p14:flythrough/>
-      </p:transition>
-    </mc:Choice>
-    <mc:Fallback xmlns="">
-      <p:transition spd="slow">
-        <p:fade/>
-      </p:transition>
-    </mc:Fallback>
-  </mc:AlternateContent>
-</p:sld>
-</file>
-
-<file path=ppt/slides/slide9.xml><?xml version="1.0" encoding="utf-8"?>
-<p:sld xmlns:a="http://schemas.openxmlformats.org/drawingml/2006/main" xmlns:r="http://schemas.openxmlformats.org/officeDocument/2006/relationships" xmlns:p="http://schemas.openxmlformats.org/presentationml/2006/main">
-  <p:cSld>
-    <p:spTree>
-      <p:nvGrpSpPr>
-        <p:cNvPr id="1" name="Shape 898"/>
-        <p:cNvGrpSpPr/>
-        <p:nvPr/>
-      </p:nvGrpSpPr>
-      <p:grpSpPr>
-        <a:xfrm>
-          <a:off x="0" y="0"/>
-          <a:ext cx="0" cy="0"/>
-          <a:chOff x="0" y="0"/>
-          <a:chExt cx="0" cy="0"/>
-        </a:xfrm>
-      </p:grpSpPr>
-      <p:sp>
-        <p:nvSpPr>
-          <p:cNvPr id="900" name="Google Shape;900;p74"/>
-          <p:cNvSpPr txBox="1">
-            <a:spLocks noGrp="1"/>
-          </p:cNvSpPr>
-          <p:nvPr>
-            <p:ph type="title"/>
-          </p:nvPr>
-        </p:nvSpPr>
-        <p:spPr>
-          <a:xfrm>
-            <a:off x="5254175" y="1526075"/>
-            <a:ext cx="2808000" cy="926700"/>
-          </a:xfrm>
-          <a:prstGeom prst="rect">
-            <a:avLst/>
-          </a:prstGeom>
-        </p:spPr>
-        <p:txBody>
-          <a:bodyPr spcFirstLastPara="1" wrap="square" lIns="91425" tIns="91425" rIns="91425" bIns="91425" anchor="b" anchorCtr="0">
-            <a:noAutofit/>
-          </a:bodyPr>
-          <a:lstStyle/>
-          <a:p>
-            <a:pPr marL="0" lvl="0" indent="0" algn="l" rtl="0">
-              <a:spcBef>
-                <a:spcPts val="0"/>
-              </a:spcBef>
-              <a:spcAft>
-                <a:spcPts val="0"/>
-              </a:spcAft>
-              <a:buNone/>
-            </a:pPr>
-            <a:r>
-              <a:rPr lang="en" dirty="0"/>
-              <a:t>Site Institucional</a:t>
-            </a:r>
-            <a:endParaRPr dirty="0"/>
-          </a:p>
-        </p:txBody>
-      </p:sp>
-      <p:sp>
-        <p:nvSpPr>
-          <p:cNvPr id="902" name="Google Shape;902;p74"/>
-          <p:cNvSpPr/>
-          <p:nvPr/>
-        </p:nvSpPr>
-        <p:spPr>
-          <a:xfrm>
-            <a:off x="1170124" y="1340336"/>
-            <a:ext cx="3724254" cy="2462829"/>
-          </a:xfrm>
-          <a:custGeom>
-            <a:avLst/>
-            <a:gdLst/>
-            <a:ahLst/>
-            <a:cxnLst/>
-            <a:rect l="l" t="t" r="r" b="b"/>
-            <a:pathLst>
-              <a:path w="148421" h="98150" extrusionOk="0">
-                <a:moveTo>
-                  <a:pt x="144022" y="3901"/>
-                </a:moveTo>
-                <a:lnTo>
-                  <a:pt x="144021" y="86785"/>
-                </a:lnTo>
-                <a:lnTo>
-                  <a:pt x="3985" y="86785"/>
-                </a:lnTo>
-                <a:lnTo>
-                  <a:pt x="3985" y="3901"/>
-                </a:lnTo>
-                <a:close/>
-                <a:moveTo>
-                  <a:pt x="6895" y="0"/>
-                </a:moveTo>
-                <a:cubicBezTo>
-                  <a:pt x="3087" y="0"/>
-                  <a:pt x="1" y="3087"/>
-                  <a:pt x="1" y="6895"/>
-                </a:cubicBezTo>
-                <a:lnTo>
-                  <a:pt x="1" y="91255"/>
-                </a:lnTo>
-                <a:cubicBezTo>
-                  <a:pt x="1" y="95063"/>
-                  <a:pt x="3087" y="98150"/>
-                  <a:pt x="6895" y="98150"/>
-                </a:cubicBezTo>
-                <a:lnTo>
-                  <a:pt x="141526" y="98150"/>
-                </a:lnTo>
-                <a:cubicBezTo>
-                  <a:pt x="145334" y="98150"/>
-                  <a:pt x="148421" y="95063"/>
-                  <a:pt x="148421" y="91255"/>
-                </a:cubicBezTo>
-                <a:lnTo>
-                  <a:pt x="148421" y="6895"/>
-                </a:lnTo>
-                <a:cubicBezTo>
-                  <a:pt x="148421" y="3087"/>
-                  <a:pt x="145334" y="0"/>
-                  <a:pt x="141526" y="0"/>
-                </a:cubicBezTo>
-                <a:close/>
-              </a:path>
-            </a:pathLst>
-          </a:custGeom>
-          <a:noFill/>
-          <a:ln w="9525" cap="flat" cmpd="sng">
-            <a:solidFill>
-              <a:schemeClr val="dk2"/>
-            </a:solidFill>
-            <a:prstDash val="solid"/>
-            <a:round/>
-            <a:headEnd type="none" w="sm" len="sm"/>
-            <a:tailEnd type="none" w="sm" len="sm"/>
-          </a:ln>
-        </p:spPr>
-        <p:txBody>
-          <a:bodyPr spcFirstLastPara="1" wrap="square" lIns="91425" tIns="91425" rIns="91425" bIns="91425" anchor="ctr" anchorCtr="0">
-            <a:noAutofit/>
-          </a:bodyPr>
-          <a:lstStyle/>
-          <a:p>
-            <a:pPr marL="0" lvl="0" indent="0" algn="l" rtl="0">
-              <a:spcBef>
-                <a:spcPts val="0"/>
-              </a:spcBef>
-              <a:spcAft>
-                <a:spcPts val="0"/>
-              </a:spcAft>
-              <a:buNone/>
-            </a:pPr>
-            <a:endParaRPr/>
-          </a:p>
-        </p:txBody>
-      </p:sp>
-      <p:sp>
-        <p:nvSpPr>
-          <p:cNvPr id="903" name="Google Shape;903;p74"/>
-          <p:cNvSpPr/>
-          <p:nvPr/>
-        </p:nvSpPr>
-        <p:spPr>
-          <a:xfrm>
-            <a:off x="2665124" y="3741128"/>
-            <a:ext cx="801103" cy="79669"/>
-          </a:xfrm>
-          <a:custGeom>
-            <a:avLst/>
-            <a:gdLst/>
-            <a:ahLst/>
-            <a:cxnLst/>
-            <a:rect l="l" t="t" r="r" b="b"/>
-            <a:pathLst>
-              <a:path w="31926" h="3175" extrusionOk="0">
-                <a:moveTo>
-                  <a:pt x="0" y="0"/>
-                </a:moveTo>
-                <a:lnTo>
-                  <a:pt x="1995" y="3174"/>
-                </a:lnTo>
-                <a:lnTo>
-                  <a:pt x="30074" y="3174"/>
-                </a:lnTo>
-                <a:lnTo>
-                  <a:pt x="31926" y="0"/>
-                </a:lnTo>
-                <a:close/>
-              </a:path>
-            </a:pathLst>
-          </a:custGeom>
-          <a:noFill/>
-          <a:ln w="9525" cap="flat" cmpd="sng">
-            <a:solidFill>
-              <a:schemeClr val="dk2"/>
-            </a:solidFill>
-            <a:prstDash val="solid"/>
-            <a:round/>
-            <a:headEnd type="none" w="sm" len="sm"/>
-            <a:tailEnd type="none" w="sm" len="sm"/>
-          </a:ln>
-        </p:spPr>
-        <p:txBody>
-          <a:bodyPr spcFirstLastPara="1" wrap="square" lIns="91425" tIns="91425" rIns="91425" bIns="91425" anchor="ctr" anchorCtr="0">
-            <a:noAutofit/>
-          </a:bodyPr>
-          <a:lstStyle/>
-          <a:p>
-            <a:pPr marL="0" lvl="0" indent="0" algn="l" rtl="0">
-              <a:spcBef>
-                <a:spcPts val="0"/>
-              </a:spcBef>
-              <a:spcAft>
-                <a:spcPts val="0"/>
-              </a:spcAft>
-              <a:buNone/>
-            </a:pPr>
-            <a:endParaRPr/>
-          </a:p>
-        </p:txBody>
-      </p:sp>
-      <p:sp>
-        <p:nvSpPr>
-          <p:cNvPr id="904" name="Google Shape;904;p74"/>
-          <p:cNvSpPr/>
-          <p:nvPr/>
-        </p:nvSpPr>
-        <p:spPr>
-          <a:xfrm>
-            <a:off x="1170124" y="3622647"/>
-            <a:ext cx="3724254" cy="11869"/>
-          </a:xfrm>
-          <a:custGeom>
-            <a:avLst/>
-            <a:gdLst/>
-            <a:ahLst/>
-            <a:cxnLst/>
-            <a:rect l="l" t="t" r="r" b="b"/>
-            <a:pathLst>
-              <a:path w="148421" h="473" extrusionOk="0">
-                <a:moveTo>
-                  <a:pt x="1" y="0"/>
-                </a:moveTo>
-                <a:lnTo>
-                  <a:pt x="1" y="472"/>
-                </a:lnTo>
-                <a:lnTo>
-                  <a:pt x="148421" y="472"/>
-                </a:lnTo>
-                <a:lnTo>
-                  <a:pt x="148421" y="0"/>
-                </a:lnTo>
-                <a:close/>
-              </a:path>
-            </a:pathLst>
-          </a:custGeom>
-          <a:noFill/>
-          <a:ln w="9525" cap="flat" cmpd="sng">
-            <a:solidFill>
-              <a:schemeClr val="dk2"/>
-            </a:solidFill>
-            <a:prstDash val="solid"/>
-            <a:round/>
-            <a:headEnd type="none" w="sm" len="sm"/>
-            <a:tailEnd type="none" w="sm" len="sm"/>
-          </a:ln>
-        </p:spPr>
-        <p:txBody>
-          <a:bodyPr spcFirstLastPara="1" wrap="square" lIns="91425" tIns="91425" rIns="91425" bIns="91425" anchor="ctr" anchorCtr="0">
-            <a:noAutofit/>
-          </a:bodyPr>
-          <a:lstStyle/>
-          <a:p>
-            <a:pPr marL="0" lvl="0" indent="0" algn="l" rtl="0">
-              <a:spcBef>
-                <a:spcPts val="0"/>
-              </a:spcBef>
-              <a:spcAft>
-                <a:spcPts val="0"/>
-              </a:spcAft>
-              <a:buNone/>
-            </a:pPr>
-            <a:endParaRPr/>
-          </a:p>
-        </p:txBody>
-      </p:sp>
-      <p:pic>
-        <p:nvPicPr>
-          <p:cNvPr id="8" name="Imagem 7">
-            <a:extLst>
-              <a:ext uri="{FF2B5EF4-FFF2-40B4-BE49-F238E27FC236}">
-                <a16:creationId xmlns:a16="http://schemas.microsoft.com/office/drawing/2014/main" xmlns="" id="{C3BB9D16-CEFD-44A4-AEED-C0E24B505976}"/>
-              </a:ext>
-            </a:extLst>
-          </p:cNvPr>
-          <p:cNvPicPr>
-            <a:picLocks noChangeAspect="1"/>
-          </p:cNvPicPr>
-          <p:nvPr/>
-        </p:nvPicPr>
-        <p:blipFill>
-          <a:blip r:embed="rId3"/>
-          <a:stretch>
-            <a:fillRect/>
-          </a:stretch>
-        </p:blipFill>
-        <p:spPr>
-          <a:xfrm>
-            <a:off x="1317812" y="1455850"/>
-            <a:ext cx="3455894" cy="2052818"/>
-          </a:xfrm>
-          <a:prstGeom prst="rect">
-            <a:avLst/>
-          </a:prstGeom>
-        </p:spPr>
-      </p:pic>
-      <p:pic>
-        <p:nvPicPr>
-          <p:cNvPr id="9" name="Imagem 8" descr="Desenho com traços pretos em fundo branco&#10;&#10;Descrição gerada automaticamente com confiança baixa">
-            <a:extLst>
-              <a:ext uri="{FF2B5EF4-FFF2-40B4-BE49-F238E27FC236}">
-                <a16:creationId xmlns:a16="http://schemas.microsoft.com/office/drawing/2014/main" xmlns="" id="{F181E95B-B182-4EB0-B67D-FAF4D35D477B}"/>
-              </a:ext>
-            </a:extLst>
-          </p:cNvPr>
-          <p:cNvPicPr>
-            <a:picLocks noChangeAspect="1"/>
-          </p:cNvPicPr>
-          <p:nvPr/>
-        </p:nvPicPr>
-        <p:blipFill>
-          <a:blip r:embed="rId4"/>
-          <a:stretch>
-            <a:fillRect/>
-          </a:stretch>
-        </p:blipFill>
-        <p:spPr>
-          <a:xfrm>
-            <a:off x="8366328" y="4717623"/>
-            <a:ext cx="680498" cy="362100"/>
+            <a:off x="0" y="0"/>
+            <a:ext cx="9144000" cy="5143500"/>
           </a:xfrm>
           <a:prstGeom prst="rect">
             <a:avLst/>
@@ -18202,7 +20202,7 @@
     </p:spTree>
     <p:extLst>
       <p:ext uri="{BB962C8B-B14F-4D97-AF65-F5344CB8AC3E}">
-        <p14:creationId xmlns:p14="http://schemas.microsoft.com/office/powerpoint/2010/main" val="3380670492"/>
+        <p14:creationId xmlns:p14="http://schemas.microsoft.com/office/powerpoint/2010/main" val="2577278755"/>
       </p:ext>
     </p:extLst>
   </p:cSld>
